--- a/프로젝트 기획서/프로젝트 계획서.pptx
+++ b/프로젝트 기획서/프로젝트 계획서.pptx
@@ -5,7 +5,7 @@
     <p:sldMasterId id="2147483648" r:id="rId1"/>
   </p:sldMasterIdLst>
   <p:notesMasterIdLst>
-    <p:notesMasterId r:id="rId27"/>
+    <p:notesMasterId r:id="rId29"/>
   </p:notesMasterIdLst>
   <p:sldIdLst>
     <p:sldId id="370" r:id="rId2"/>
@@ -22,17 +22,19 @@
     <p:sldId id="383" r:id="rId13"/>
     <p:sldId id="385" r:id="rId14"/>
     <p:sldId id="393" r:id="rId15"/>
-    <p:sldId id="386" r:id="rId16"/>
-    <p:sldId id="390" r:id="rId17"/>
-    <p:sldId id="388" r:id="rId18"/>
-    <p:sldId id="389" r:id="rId19"/>
+    <p:sldId id="389" r:id="rId16"/>
+    <p:sldId id="386" r:id="rId17"/>
+    <p:sldId id="390" r:id="rId18"/>
+    <p:sldId id="388" r:id="rId19"/>
     <p:sldId id="391" r:id="rId20"/>
     <p:sldId id="387" r:id="rId21"/>
-    <p:sldId id="379" r:id="rId22"/>
-    <p:sldId id="377" r:id="rId23"/>
-    <p:sldId id="365" r:id="rId24"/>
-    <p:sldId id="373" r:id="rId25"/>
-    <p:sldId id="374" r:id="rId26"/>
+    <p:sldId id="395" r:id="rId22"/>
+    <p:sldId id="396" r:id="rId23"/>
+    <p:sldId id="397" r:id="rId24"/>
+    <p:sldId id="398" r:id="rId25"/>
+    <p:sldId id="365" r:id="rId26"/>
+    <p:sldId id="373" r:id="rId27"/>
+    <p:sldId id="374" r:id="rId28"/>
   </p:sldIdLst>
   <p:sldSz cx="12192000" cy="6858000"/>
   <p:notesSz cx="6858000" cy="9144000"/>
@@ -133,7 +135,7 @@
   </p:defaultTextStyle>
   <p:extLst>
     <p:ext uri="{EFAFB233-063F-42B5-8137-9DF3F51BA10A}">
-      <p15:sldGuideLst xmlns:p15="http://schemas.microsoft.com/office/powerpoint/2012/main" xmlns="">
+      <p15:sldGuideLst xmlns="" xmlns:p15="http://schemas.microsoft.com/office/powerpoint/2012/main">
         <p15:guide id="1" orient="horz" pos="2160" userDrawn="1">
           <p15:clr>
             <a:srgbClr val="A4A3A4"/>
@@ -611,6 +613,98 @@
 </p:notes>
 </file>
 
+<file path=ppt/notesSlides/notesSlide10.xml><?xml version="1.0" encoding="utf-8"?>
+<p:notes xmlns:a="http://schemas.openxmlformats.org/drawingml/2006/main" xmlns:r="http://schemas.openxmlformats.org/officeDocument/2006/relationships" xmlns:p="http://schemas.openxmlformats.org/presentationml/2006/main">
+  <p:cSld>
+    <p:spTree>
+      <p:nvGrpSpPr>
+        <p:cNvPr id="1" name=""/>
+        <p:cNvGrpSpPr/>
+        <p:nvPr/>
+      </p:nvGrpSpPr>
+      <p:grpSpPr>
+        <a:xfrm>
+          <a:off x="0" y="0"/>
+          <a:ext cx="0" cy="0"/>
+          <a:chOff x="0" y="0"/>
+          <a:chExt cx="0" cy="0"/>
+        </a:xfrm>
+      </p:grpSpPr>
+      <p:sp>
+        <p:nvSpPr>
+          <p:cNvPr id="2" name="슬라이드 이미지 개체 틀 1"/>
+          <p:cNvSpPr>
+            <a:spLocks noGrp="1" noRot="1" noChangeAspect="1"/>
+          </p:cNvSpPr>
+          <p:nvPr>
+            <p:ph type="sldImg"/>
+          </p:nvPr>
+        </p:nvSpPr>
+        <p:spPr/>
+      </p:sp>
+      <p:sp>
+        <p:nvSpPr>
+          <p:cNvPr id="3" name="슬라이드 노트 개체 틀 2"/>
+          <p:cNvSpPr>
+            <a:spLocks noGrp="1"/>
+          </p:cNvSpPr>
+          <p:nvPr>
+            <p:ph type="body" idx="1"/>
+          </p:nvPr>
+        </p:nvSpPr>
+        <p:spPr/>
+        <p:txBody>
+          <a:bodyPr/>
+          <a:lstStyle/>
+          <a:p>
+            <a:r>
+              <a:rPr lang="ko-KR" altLang="en-US" dirty="0" smtClean="0"/>
+              <a:t>또한 종류별 매출의 경우 콘솔로 중복 그래프를 표현할 수 없는 단점을 스윙으로 극복하여 세가지 메뉴의 매출 데이터를 한눈에 파악 할 수 있도록 제작하였습니다</a:t>
+            </a:r>
+            <a:r>
+              <a:rPr lang="en-US" altLang="ko-KR" dirty="0" smtClean="0"/>
+              <a:t>.</a:t>
+            </a:r>
+            <a:endParaRPr lang="ko-KR" altLang="en-US" dirty="0"/>
+          </a:p>
+        </p:txBody>
+      </p:sp>
+      <p:sp>
+        <p:nvSpPr>
+          <p:cNvPr id="4" name="슬라이드 번호 개체 틀 3"/>
+          <p:cNvSpPr>
+            <a:spLocks noGrp="1"/>
+          </p:cNvSpPr>
+          <p:nvPr>
+            <p:ph type="sldNum" sz="quarter" idx="10"/>
+          </p:nvPr>
+        </p:nvSpPr>
+        <p:spPr/>
+        <p:txBody>
+          <a:bodyPr/>
+          <a:lstStyle/>
+          <a:p>
+            <a:fld id="{0CE5D35C-F8D0-4258-9701-F77CA52415BB}" type="slidenum">
+              <a:rPr lang="ko-KR" altLang="en-US" smtClean="0"/>
+              <a:t>23</a:t>
+            </a:fld>
+            <a:endParaRPr lang="ko-KR" altLang="en-US"/>
+          </a:p>
+        </p:txBody>
+      </p:sp>
+    </p:spTree>
+    <p:extLst>
+      <p:ext uri="{BB962C8B-B14F-4D97-AF65-F5344CB8AC3E}">
+        <p14:creationId xmlns:p14="http://schemas.microsoft.com/office/powerpoint/2010/main" val="2446228207"/>
+      </p:ext>
+    </p:extLst>
+  </p:cSld>
+  <p:clrMapOvr>
+    <a:masterClrMapping/>
+  </p:clrMapOvr>
+</p:notes>
+</file>
+
 <file path=ppt/notesSlides/notesSlide2.xml><?xml version="1.0" encoding="utf-8"?>
 <p:notes xmlns:a="http://schemas.openxmlformats.org/drawingml/2006/main" xmlns:r="http://schemas.openxmlformats.org/officeDocument/2006/relationships" xmlns:p="http://schemas.openxmlformats.org/presentationml/2006/main">
   <p:cSld>
@@ -740,16 +834,107 @@
           <a:lstStyle/>
           <a:p>
             <a:r>
-              <a:rPr lang="ko-KR" altLang="en-US" dirty="0" smtClean="0"/>
-              <a:t>실제 데이터베이스와 </a:t>
+              <a:rPr lang="en-US" altLang="ko-KR" dirty="0" err="1" smtClean="0"/>
+              <a:t>Jdbc</a:t>
             </a:r>
             <a:r>
-              <a:rPr lang="ko-KR" altLang="en-US" dirty="0" err="1" smtClean="0"/>
-              <a:t>출력값이</a:t>
+              <a:rPr lang="ko-KR" altLang="en-US" baseline="0" dirty="0" smtClean="0"/>
+              <a:t> 단계까지 가지 않고 현재 페이지에서 오류를 사전에 수정 할 수 있다</a:t>
             </a:r>
+            <a:endParaRPr lang="ko-KR" altLang="en-US" dirty="0"/>
+          </a:p>
+        </p:txBody>
+      </p:sp>
+      <p:sp>
+        <p:nvSpPr>
+          <p:cNvPr id="4" name="슬라이드 번호 개체 틀 3"/>
+          <p:cNvSpPr>
+            <a:spLocks noGrp="1"/>
+          </p:cNvSpPr>
+          <p:nvPr>
+            <p:ph type="sldNum" sz="quarter" idx="10"/>
+          </p:nvPr>
+        </p:nvSpPr>
+        <p:spPr/>
+        <p:txBody>
+          <a:bodyPr/>
+          <a:lstStyle/>
+          <a:p>
+            <a:fld id="{0CE5D35C-F8D0-4258-9701-F77CA52415BB}" type="slidenum">
+              <a:rPr lang="ko-KR" altLang="en-US" smtClean="0"/>
+              <a:t>15</a:t>
+            </a:fld>
+            <a:endParaRPr lang="ko-KR" altLang="en-US"/>
+          </a:p>
+        </p:txBody>
+      </p:sp>
+    </p:spTree>
+    <p:extLst>
+      <p:ext uri="{BB962C8B-B14F-4D97-AF65-F5344CB8AC3E}">
+        <p14:creationId xmlns:p14="http://schemas.microsoft.com/office/powerpoint/2010/main" val="3325082516"/>
+      </p:ext>
+    </p:extLst>
+  </p:cSld>
+  <p:clrMapOvr>
+    <a:masterClrMapping/>
+  </p:clrMapOvr>
+</p:notes>
+</file>
+
+<file path=ppt/notesSlides/notesSlide4.xml><?xml version="1.0" encoding="utf-8"?>
+<p:notes xmlns:a="http://schemas.openxmlformats.org/drawingml/2006/main" xmlns:r="http://schemas.openxmlformats.org/officeDocument/2006/relationships" xmlns:p="http://schemas.openxmlformats.org/presentationml/2006/main">
+  <p:cSld>
+    <p:spTree>
+      <p:nvGrpSpPr>
+        <p:cNvPr id="1" name=""/>
+        <p:cNvGrpSpPr/>
+        <p:nvPr/>
+      </p:nvGrpSpPr>
+      <p:grpSpPr>
+        <a:xfrm>
+          <a:off x="0" y="0"/>
+          <a:ext cx="0" cy="0"/>
+          <a:chOff x="0" y="0"/>
+          <a:chExt cx="0" cy="0"/>
+        </a:xfrm>
+      </p:grpSpPr>
+      <p:sp>
+        <p:nvSpPr>
+          <p:cNvPr id="2" name="슬라이드 이미지 개체 틀 1"/>
+          <p:cNvSpPr>
+            <a:spLocks noGrp="1" noRot="1" noChangeAspect="1"/>
+          </p:cNvSpPr>
+          <p:nvPr>
+            <p:ph type="sldImg"/>
+          </p:nvPr>
+        </p:nvSpPr>
+        <p:spPr/>
+      </p:sp>
+      <p:sp>
+        <p:nvSpPr>
+          <p:cNvPr id="3" name="슬라이드 노트 개체 틀 2"/>
+          <p:cNvSpPr>
+            <a:spLocks noGrp="1"/>
+          </p:cNvSpPr>
+          <p:nvPr>
+            <p:ph type="body" idx="1"/>
+          </p:nvPr>
+        </p:nvSpPr>
+        <p:spPr/>
+        <p:txBody>
+          <a:bodyPr/>
+          <a:lstStyle/>
+          <a:p>
             <a:r>
               <a:rPr lang="ko-KR" altLang="en-US" dirty="0" smtClean="0"/>
-              <a:t> 일치해 관리의 편리성을 높였습니다</a:t>
+              <a:t>고객은 편리하게 숫자를 입력하면</a:t>
+            </a:r>
+            <a:endParaRPr lang="en-US" altLang="ko-KR" dirty="0" smtClean="0"/>
+          </a:p>
+          <a:p>
+            <a:r>
+              <a:rPr lang="ko-KR" altLang="en-US" dirty="0" smtClean="0"/>
+              <a:t>내부에서 알맞게 문자열로 변환하여 입력할 수 있도록 지정해 주었습니다</a:t>
             </a:r>
             <a:r>
               <a:rPr lang="en-US" altLang="ko-KR" dirty="0" smtClean="0"/>
@@ -785,6 +970,110 @@
     </p:spTree>
     <p:extLst>
       <p:ext uri="{BB962C8B-B14F-4D97-AF65-F5344CB8AC3E}">
+        <p14:creationId xmlns:p14="http://schemas.microsoft.com/office/powerpoint/2010/main" val="369784481"/>
+      </p:ext>
+    </p:extLst>
+  </p:cSld>
+  <p:clrMapOvr>
+    <a:masterClrMapping/>
+  </p:clrMapOvr>
+</p:notes>
+</file>
+
+<file path=ppt/notesSlides/notesSlide5.xml><?xml version="1.0" encoding="utf-8"?>
+<p:notes xmlns:a="http://schemas.openxmlformats.org/drawingml/2006/main" xmlns:r="http://schemas.openxmlformats.org/officeDocument/2006/relationships" xmlns:p="http://schemas.openxmlformats.org/presentationml/2006/main">
+  <p:cSld>
+    <p:spTree>
+      <p:nvGrpSpPr>
+        <p:cNvPr id="1" name=""/>
+        <p:cNvGrpSpPr/>
+        <p:nvPr/>
+      </p:nvGrpSpPr>
+      <p:grpSpPr>
+        <a:xfrm>
+          <a:off x="0" y="0"/>
+          <a:ext cx="0" cy="0"/>
+          <a:chOff x="0" y="0"/>
+          <a:chExt cx="0" cy="0"/>
+        </a:xfrm>
+      </p:grpSpPr>
+      <p:sp>
+        <p:nvSpPr>
+          <p:cNvPr id="2" name="슬라이드 이미지 개체 틀 1"/>
+          <p:cNvSpPr>
+            <a:spLocks noGrp="1" noRot="1" noChangeAspect="1"/>
+          </p:cNvSpPr>
+          <p:nvPr>
+            <p:ph type="sldImg"/>
+          </p:nvPr>
+        </p:nvSpPr>
+        <p:spPr/>
+      </p:sp>
+      <p:sp>
+        <p:nvSpPr>
+          <p:cNvPr id="3" name="슬라이드 노트 개체 틀 2"/>
+          <p:cNvSpPr>
+            <a:spLocks noGrp="1"/>
+          </p:cNvSpPr>
+          <p:nvPr>
+            <p:ph type="body" idx="1"/>
+          </p:nvPr>
+        </p:nvSpPr>
+        <p:spPr/>
+        <p:txBody>
+          <a:bodyPr/>
+          <a:lstStyle/>
+          <a:p>
+            <a:r>
+              <a:rPr lang="ko-KR" altLang="en-US" dirty="0" smtClean="0"/>
+              <a:t>실제 데이터베이스와 </a:t>
+            </a:r>
+            <a:r>
+              <a:rPr lang="ko-KR" altLang="en-US" dirty="0" err="1" smtClean="0"/>
+              <a:t>출력값을</a:t>
+            </a:r>
+            <a:r>
+              <a:rPr lang="ko-KR" altLang="en-US" dirty="0" smtClean="0"/>
+              <a:t> 일치하도록 구현하여 </a:t>
+            </a:r>
+            <a:r>
+              <a:rPr lang="ko-KR" altLang="en-US" dirty="0" smtClean="0"/>
+              <a:t>관리의 편리성을 높였습니다</a:t>
+            </a:r>
+            <a:r>
+              <a:rPr lang="en-US" altLang="ko-KR" dirty="0" smtClean="0"/>
+              <a:t>.</a:t>
+            </a:r>
+            <a:endParaRPr lang="ko-KR" altLang="en-US" dirty="0"/>
+          </a:p>
+        </p:txBody>
+      </p:sp>
+      <p:sp>
+        <p:nvSpPr>
+          <p:cNvPr id="4" name="슬라이드 번호 개체 틀 3"/>
+          <p:cNvSpPr>
+            <a:spLocks noGrp="1"/>
+          </p:cNvSpPr>
+          <p:nvPr>
+            <p:ph type="sldNum" sz="quarter" idx="10"/>
+          </p:nvPr>
+        </p:nvSpPr>
+        <p:spPr/>
+        <p:txBody>
+          <a:bodyPr/>
+          <a:lstStyle/>
+          <a:p>
+            <a:fld id="{0CE5D35C-F8D0-4258-9701-F77CA52415BB}" type="slidenum">
+              <a:rPr lang="ko-KR" altLang="en-US" smtClean="0"/>
+              <a:t>18</a:t>
+            </a:fld>
+            <a:endParaRPr lang="ko-KR" altLang="en-US"/>
+          </a:p>
+        </p:txBody>
+      </p:sp>
+    </p:spTree>
+    <p:extLst>
+      <p:ext uri="{BB962C8B-B14F-4D97-AF65-F5344CB8AC3E}">
         <p14:creationId xmlns:p14="http://schemas.microsoft.com/office/powerpoint/2010/main" val="2767472185"/>
       </p:ext>
     </p:extLst>
@@ -795,7 +1084,7 @@
 </p:notes>
 </file>
 
-<file path=ppt/notesSlides/notesSlide4.xml><?xml version="1.0" encoding="utf-8"?>
+<file path=ppt/notesSlides/notesSlide6.xml><?xml version="1.0" encoding="utf-8"?>
 <p:notes xmlns:a="http://schemas.openxmlformats.org/drawingml/2006/main" xmlns:r="http://schemas.openxmlformats.org/officeDocument/2006/relationships" xmlns:p="http://schemas.openxmlformats.org/presentationml/2006/main">
   <p:cSld>
     <p:spTree>
@@ -870,6 +1159,433 @@
     <p:extLst>
       <p:ext uri="{BB962C8B-B14F-4D97-AF65-F5344CB8AC3E}">
         <p14:creationId xmlns:p14="http://schemas.microsoft.com/office/powerpoint/2010/main" val="1488243182"/>
+      </p:ext>
+    </p:extLst>
+  </p:cSld>
+  <p:clrMapOvr>
+    <a:masterClrMapping/>
+  </p:clrMapOvr>
+</p:notes>
+</file>
+
+<file path=ppt/notesSlides/notesSlide7.xml><?xml version="1.0" encoding="utf-8"?>
+<p:notes xmlns:a="http://schemas.openxmlformats.org/drawingml/2006/main" xmlns:r="http://schemas.openxmlformats.org/officeDocument/2006/relationships" xmlns:p="http://schemas.openxmlformats.org/presentationml/2006/main">
+  <p:cSld>
+    <p:spTree>
+      <p:nvGrpSpPr>
+        <p:cNvPr id="1" name=""/>
+        <p:cNvGrpSpPr/>
+        <p:nvPr/>
+      </p:nvGrpSpPr>
+      <p:grpSpPr>
+        <a:xfrm>
+          <a:off x="0" y="0"/>
+          <a:ext cx="0" cy="0"/>
+          <a:chOff x="0" y="0"/>
+          <a:chExt cx="0" cy="0"/>
+        </a:xfrm>
+      </p:grpSpPr>
+      <p:sp>
+        <p:nvSpPr>
+          <p:cNvPr id="2" name="슬라이드 이미지 개체 틀 1"/>
+          <p:cNvSpPr>
+            <a:spLocks noGrp="1" noRot="1" noChangeAspect="1"/>
+          </p:cNvSpPr>
+          <p:nvPr>
+            <p:ph type="sldImg"/>
+          </p:nvPr>
+        </p:nvSpPr>
+        <p:spPr/>
+      </p:sp>
+      <p:sp>
+        <p:nvSpPr>
+          <p:cNvPr id="3" name="슬라이드 노트 개체 틀 2"/>
+          <p:cNvSpPr>
+            <a:spLocks noGrp="1"/>
+          </p:cNvSpPr>
+          <p:nvPr>
+            <p:ph type="body" idx="1"/>
+          </p:nvPr>
+        </p:nvSpPr>
+        <p:spPr/>
+        <p:txBody>
+          <a:bodyPr/>
+          <a:lstStyle/>
+          <a:p>
+            <a:r>
+              <a:rPr lang="ko-KR" altLang="en-US" dirty="0" smtClean="0"/>
+              <a:t>마지막으로 매출관리 입니다</a:t>
+            </a:r>
+            <a:r>
+              <a:rPr lang="en-US" altLang="ko-KR" dirty="0" smtClean="0"/>
+              <a:t>.</a:t>
+            </a:r>
+          </a:p>
+          <a:p>
+            <a:r>
+              <a:rPr lang="ko-KR" altLang="en-US" dirty="0" smtClean="0"/>
+              <a:t>매출관리는 </a:t>
+            </a:r>
+            <a:r>
+              <a:rPr lang="en-US" altLang="ko-KR" dirty="0" smtClean="0"/>
+              <a:t>3</a:t>
+            </a:r>
+            <a:r>
+              <a:rPr lang="ko-KR" altLang="en-US" dirty="0" smtClean="0"/>
+              <a:t>가지 타입으로 지원하고 있는데요</a:t>
+            </a:r>
+            <a:endParaRPr lang="en-US" altLang="ko-KR" dirty="0" smtClean="0"/>
+          </a:p>
+          <a:p>
+            <a:r>
+              <a:rPr lang="ko-KR" altLang="en-US" dirty="0" smtClean="0"/>
+              <a:t>월별 매출</a:t>
+            </a:r>
+            <a:r>
+              <a:rPr lang="en-US" altLang="ko-KR" dirty="0" smtClean="0"/>
+              <a:t>, </a:t>
+            </a:r>
+            <a:r>
+              <a:rPr lang="ko-KR" altLang="en-US" dirty="0" smtClean="0"/>
+              <a:t>각 </a:t>
+            </a:r>
+            <a:r>
+              <a:rPr lang="ko-KR" altLang="en-US" dirty="0" err="1" smtClean="0"/>
+              <a:t>메뉴별</a:t>
+            </a:r>
+            <a:r>
+              <a:rPr lang="ko-KR" altLang="en-US" dirty="0" smtClean="0"/>
+              <a:t> 매출</a:t>
+            </a:r>
+            <a:r>
+              <a:rPr lang="en-US" altLang="ko-KR" dirty="0" smtClean="0"/>
+              <a:t>,</a:t>
+            </a:r>
+            <a:r>
+              <a:rPr lang="en-US" altLang="ko-KR" baseline="0" dirty="0" smtClean="0"/>
+              <a:t> </a:t>
+            </a:r>
+            <a:r>
+              <a:rPr lang="ko-KR" altLang="en-US" baseline="0" dirty="0" smtClean="0"/>
+              <a:t>종류별 매출 이 있습니다</a:t>
+            </a:r>
+            <a:r>
+              <a:rPr lang="en-US" altLang="ko-KR" baseline="0" dirty="0" smtClean="0"/>
+              <a:t>.</a:t>
+            </a:r>
+          </a:p>
+          <a:p>
+            <a:endParaRPr lang="en-US" altLang="ko-KR" baseline="0" dirty="0" smtClean="0"/>
+          </a:p>
+          <a:p>
+            <a:r>
+              <a:rPr lang="ko-KR" altLang="en-US" baseline="0" dirty="0" smtClean="0"/>
+              <a:t>각 </a:t>
+            </a:r>
+            <a:r>
+              <a:rPr lang="ko-KR" altLang="en-US" baseline="0" dirty="0" err="1" smtClean="0"/>
+              <a:t>메뉴별</a:t>
+            </a:r>
+            <a:r>
+              <a:rPr lang="ko-KR" altLang="en-US" baseline="0" dirty="0" smtClean="0"/>
+              <a:t> 매출의 경우 지금의 데이터만으로 한눈에 매출을 파악하는데 충분하다고 보는데요</a:t>
+            </a:r>
+            <a:endParaRPr lang="en-US" altLang="ko-KR" baseline="0" dirty="0" smtClean="0"/>
+          </a:p>
+          <a:p>
+            <a:r>
+              <a:rPr lang="ko-KR" altLang="en-US" baseline="0" dirty="0" smtClean="0"/>
+              <a:t>예를 들어서 </a:t>
+            </a:r>
+            <a:r>
+              <a:rPr lang="ko-KR" altLang="en-US" baseline="0" dirty="0" err="1" smtClean="0"/>
+              <a:t>케이준</a:t>
+            </a:r>
+            <a:r>
+              <a:rPr lang="ko-KR" altLang="en-US" baseline="0" dirty="0" smtClean="0"/>
+              <a:t> 감자의 경우 판매수량이 </a:t>
+            </a:r>
+            <a:r>
+              <a:rPr lang="en-US" altLang="ko-KR" baseline="0" dirty="0" smtClean="0"/>
+              <a:t>4</a:t>
+            </a:r>
+            <a:r>
+              <a:rPr lang="ko-KR" altLang="en-US" baseline="0" dirty="0" smtClean="0"/>
+              <a:t>개로 비인기 종목임으로 </a:t>
+            </a:r>
+            <a:r>
+              <a:rPr lang="ko-KR" altLang="en-US" baseline="0" dirty="0" err="1" smtClean="0"/>
+              <a:t>새메뉴로</a:t>
+            </a:r>
+            <a:r>
+              <a:rPr lang="ko-KR" altLang="en-US" baseline="0" dirty="0" smtClean="0"/>
+              <a:t> 개편할 필요가 있다고 파악됩니다</a:t>
+            </a:r>
+            <a:r>
+              <a:rPr lang="en-US" altLang="ko-KR" baseline="0" dirty="0" smtClean="0"/>
+              <a:t>.</a:t>
+            </a:r>
+          </a:p>
+          <a:p>
+            <a:endParaRPr lang="en-US" altLang="ko-KR" baseline="0" dirty="0" smtClean="0"/>
+          </a:p>
+          <a:p>
+            <a:r>
+              <a:rPr lang="ko-KR" altLang="en-US" baseline="0" dirty="0" smtClean="0"/>
+              <a:t>하지만 월별 매출과 종류별 매출은 지금의 데이터만으로 한눈에 매출을 파악하기 어렵다고 판단이 들었습니다</a:t>
+            </a:r>
+            <a:r>
+              <a:rPr lang="en-US" altLang="ko-KR" baseline="0" dirty="0" smtClean="0"/>
+              <a:t>.</a:t>
+            </a:r>
+            <a:endParaRPr lang="ko-KR" altLang="en-US" dirty="0"/>
+          </a:p>
+        </p:txBody>
+      </p:sp>
+      <p:sp>
+        <p:nvSpPr>
+          <p:cNvPr id="4" name="슬라이드 번호 개체 틀 3"/>
+          <p:cNvSpPr>
+            <a:spLocks noGrp="1"/>
+          </p:cNvSpPr>
+          <p:nvPr>
+            <p:ph type="sldNum" sz="quarter" idx="10"/>
+          </p:nvPr>
+        </p:nvSpPr>
+        <p:spPr/>
+        <p:txBody>
+          <a:bodyPr/>
+          <a:lstStyle/>
+          <a:p>
+            <a:fld id="{0CE5D35C-F8D0-4258-9701-F77CA52415BB}" type="slidenum">
+              <a:rPr lang="ko-KR" altLang="en-US" smtClean="0"/>
+              <a:t>20</a:t>
+            </a:fld>
+            <a:endParaRPr lang="ko-KR" altLang="en-US"/>
+          </a:p>
+        </p:txBody>
+      </p:sp>
+    </p:spTree>
+    <p:extLst>
+      <p:ext uri="{BB962C8B-B14F-4D97-AF65-F5344CB8AC3E}">
+        <p14:creationId xmlns:p14="http://schemas.microsoft.com/office/powerpoint/2010/main" val="2894920130"/>
+      </p:ext>
+    </p:extLst>
+  </p:cSld>
+  <p:clrMapOvr>
+    <a:masterClrMapping/>
+  </p:clrMapOvr>
+</p:notes>
+</file>
+
+<file path=ppt/notesSlides/notesSlide8.xml><?xml version="1.0" encoding="utf-8"?>
+<p:notes xmlns:a="http://schemas.openxmlformats.org/drawingml/2006/main" xmlns:r="http://schemas.openxmlformats.org/officeDocument/2006/relationships" xmlns:p="http://schemas.openxmlformats.org/presentationml/2006/main">
+  <p:cSld>
+    <p:spTree>
+      <p:nvGrpSpPr>
+        <p:cNvPr id="1" name=""/>
+        <p:cNvGrpSpPr/>
+        <p:nvPr/>
+      </p:nvGrpSpPr>
+      <p:grpSpPr>
+        <a:xfrm>
+          <a:off x="0" y="0"/>
+          <a:ext cx="0" cy="0"/>
+          <a:chOff x="0" y="0"/>
+          <a:chExt cx="0" cy="0"/>
+        </a:xfrm>
+      </p:grpSpPr>
+      <p:sp>
+        <p:nvSpPr>
+          <p:cNvPr id="2" name="슬라이드 이미지 개체 틀 1"/>
+          <p:cNvSpPr>
+            <a:spLocks noGrp="1" noRot="1" noChangeAspect="1"/>
+          </p:cNvSpPr>
+          <p:nvPr>
+            <p:ph type="sldImg"/>
+          </p:nvPr>
+        </p:nvSpPr>
+        <p:spPr/>
+      </p:sp>
+      <p:sp>
+        <p:nvSpPr>
+          <p:cNvPr id="3" name="슬라이드 노트 개체 틀 2"/>
+          <p:cNvSpPr>
+            <a:spLocks noGrp="1"/>
+          </p:cNvSpPr>
+          <p:nvPr>
+            <p:ph type="body" idx="1"/>
+          </p:nvPr>
+        </p:nvSpPr>
+        <p:spPr/>
+        <p:txBody>
+          <a:bodyPr/>
+          <a:lstStyle/>
+          <a:p>
+            <a:r>
+              <a:rPr lang="ko-KR" altLang="en-US" dirty="0" smtClean="0"/>
+              <a:t>이에 월별 매출을 그래프로</a:t>
+            </a:r>
+            <a:r>
+              <a:rPr lang="ko-KR" altLang="en-US" baseline="0" dirty="0" smtClean="0"/>
+              <a:t> 표현하였습니다</a:t>
+            </a:r>
+            <a:r>
+              <a:rPr lang="en-US" altLang="ko-KR" baseline="0" dirty="0" smtClean="0"/>
+              <a:t>.</a:t>
+            </a:r>
+          </a:p>
+          <a:p>
+            <a:r>
+              <a:rPr lang="ko-KR" altLang="en-US" dirty="0" smtClean="0"/>
+              <a:t>그래프를</a:t>
+            </a:r>
+            <a:r>
+              <a:rPr lang="ko-KR" altLang="en-US" baseline="0" dirty="0" smtClean="0"/>
+              <a:t> 통해 </a:t>
+            </a:r>
+            <a:r>
+              <a:rPr lang="en-US" altLang="ko-KR" baseline="0" dirty="0" smtClean="0"/>
+              <a:t>1</a:t>
+            </a:r>
+            <a:r>
+              <a:rPr lang="ko-KR" altLang="en-US" baseline="0" dirty="0" smtClean="0"/>
+              <a:t>년의 매출 증감과 성수기</a:t>
+            </a:r>
+            <a:r>
+              <a:rPr lang="en-US" altLang="ko-KR" baseline="0" dirty="0" smtClean="0"/>
+              <a:t>, </a:t>
+            </a:r>
+            <a:r>
+              <a:rPr lang="ko-KR" altLang="en-US" baseline="0" dirty="0" smtClean="0"/>
+              <a:t>비수기를 한눈에 파악할 수 있게 되었습니다</a:t>
+            </a:r>
+            <a:r>
+              <a:rPr lang="en-US" altLang="ko-KR" baseline="0" dirty="0" smtClean="0"/>
+              <a:t>.</a:t>
+            </a:r>
+            <a:endParaRPr lang="ko-KR" altLang="en-US" dirty="0"/>
+          </a:p>
+        </p:txBody>
+      </p:sp>
+      <p:sp>
+        <p:nvSpPr>
+          <p:cNvPr id="4" name="슬라이드 번호 개체 틀 3"/>
+          <p:cNvSpPr>
+            <a:spLocks noGrp="1"/>
+          </p:cNvSpPr>
+          <p:nvPr>
+            <p:ph type="sldNum" sz="quarter" idx="10"/>
+          </p:nvPr>
+        </p:nvSpPr>
+        <p:spPr/>
+        <p:txBody>
+          <a:bodyPr/>
+          <a:lstStyle/>
+          <a:p>
+            <a:fld id="{0CE5D35C-F8D0-4258-9701-F77CA52415BB}" type="slidenum">
+              <a:rPr lang="ko-KR" altLang="en-US" smtClean="0"/>
+              <a:t>21</a:t>
+            </a:fld>
+            <a:endParaRPr lang="ko-KR" altLang="en-US"/>
+          </a:p>
+        </p:txBody>
+      </p:sp>
+    </p:spTree>
+    <p:extLst>
+      <p:ext uri="{BB962C8B-B14F-4D97-AF65-F5344CB8AC3E}">
+        <p14:creationId xmlns:p14="http://schemas.microsoft.com/office/powerpoint/2010/main" val="2129026224"/>
+      </p:ext>
+    </p:extLst>
+  </p:cSld>
+  <p:clrMapOvr>
+    <a:masterClrMapping/>
+  </p:clrMapOvr>
+</p:notes>
+</file>
+
+<file path=ppt/notesSlides/notesSlide9.xml><?xml version="1.0" encoding="utf-8"?>
+<p:notes xmlns:a="http://schemas.openxmlformats.org/drawingml/2006/main" xmlns:r="http://schemas.openxmlformats.org/officeDocument/2006/relationships" xmlns:p="http://schemas.openxmlformats.org/presentationml/2006/main">
+  <p:cSld>
+    <p:spTree>
+      <p:nvGrpSpPr>
+        <p:cNvPr id="1" name=""/>
+        <p:cNvGrpSpPr/>
+        <p:nvPr/>
+      </p:nvGrpSpPr>
+      <p:grpSpPr>
+        <a:xfrm>
+          <a:off x="0" y="0"/>
+          <a:ext cx="0" cy="0"/>
+          <a:chOff x="0" y="0"/>
+          <a:chExt cx="0" cy="0"/>
+        </a:xfrm>
+      </p:grpSpPr>
+      <p:sp>
+        <p:nvSpPr>
+          <p:cNvPr id="2" name="슬라이드 이미지 개체 틀 1"/>
+          <p:cNvSpPr>
+            <a:spLocks noGrp="1" noRot="1" noChangeAspect="1"/>
+          </p:cNvSpPr>
+          <p:nvPr>
+            <p:ph type="sldImg"/>
+          </p:nvPr>
+        </p:nvSpPr>
+        <p:spPr/>
+      </p:sp>
+      <p:sp>
+        <p:nvSpPr>
+          <p:cNvPr id="3" name="슬라이드 노트 개체 틀 2"/>
+          <p:cNvSpPr>
+            <a:spLocks noGrp="1"/>
+          </p:cNvSpPr>
+          <p:nvPr>
+            <p:ph type="body" idx="1"/>
+          </p:nvPr>
+        </p:nvSpPr>
+        <p:spPr/>
+        <p:txBody>
+          <a:bodyPr/>
+          <a:lstStyle/>
+          <a:p>
+            <a:r>
+              <a:rPr lang="ko-KR" altLang="en-US" baseline="0" dirty="0" smtClean="0"/>
+              <a:t>한 발작 나아가서 스윙을 통해 좀 더 정확한 데이터 값을 좌표로 찍어 표현하였습니다</a:t>
+            </a:r>
+            <a:r>
+              <a:rPr lang="en-US" altLang="ko-KR" baseline="0" dirty="0" smtClean="0"/>
+              <a:t>.</a:t>
+            </a:r>
+          </a:p>
+        </p:txBody>
+      </p:sp>
+      <p:sp>
+        <p:nvSpPr>
+          <p:cNvPr id="4" name="슬라이드 번호 개체 틀 3"/>
+          <p:cNvSpPr>
+            <a:spLocks noGrp="1"/>
+          </p:cNvSpPr>
+          <p:nvPr>
+            <p:ph type="sldNum" sz="quarter" idx="10"/>
+          </p:nvPr>
+        </p:nvSpPr>
+        <p:spPr/>
+        <p:txBody>
+          <a:bodyPr/>
+          <a:lstStyle/>
+          <a:p>
+            <a:fld id="{0CE5D35C-F8D0-4258-9701-F77CA52415BB}" type="slidenum">
+              <a:rPr lang="ko-KR" altLang="en-US" smtClean="0"/>
+              <a:t>22</a:t>
+            </a:fld>
+            <a:endParaRPr lang="ko-KR" altLang="en-US"/>
+          </a:p>
+        </p:txBody>
+      </p:sp>
+    </p:spTree>
+    <p:extLst>
+      <p:ext uri="{BB962C8B-B14F-4D97-AF65-F5344CB8AC3E}">
+        <p14:creationId xmlns:p14="http://schemas.microsoft.com/office/powerpoint/2010/main" val="1363862744"/>
       </p:ext>
     </p:extLst>
   </p:cSld>
@@ -8593,68 +9309,128 @@
           <a:p>
             <a:pPr algn="ctr"/>
             <a:r>
-              <a:rPr lang="en-US" altLang="ko-KR" sz="2800" dirty="0" err="1" smtClean="0"/>
+              <a:rPr lang="en-US" altLang="ko-KR" sz="2800" dirty="0" err="1" smtClean="0">
+                <a:solidFill>
+                  <a:srgbClr val="FFFF00"/>
+                </a:solidFill>
+              </a:rPr>
               <a:t>HashMap</a:t>
             </a:r>
-            <a:endParaRPr lang="en-US" altLang="ko-KR" sz="2800" dirty="0" smtClean="0"/>
+            <a:endParaRPr lang="en-US" altLang="ko-KR" sz="2800" dirty="0" smtClean="0">
+              <a:solidFill>
+                <a:srgbClr val="FFFF00"/>
+              </a:solidFill>
+            </a:endParaRPr>
           </a:p>
           <a:p>
             <a:pPr algn="ctr"/>
             <a:r>
-              <a:rPr lang="ko-KR" altLang="en-US" sz="1600" dirty="0" smtClean="0"/>
+              <a:rPr lang="ko-KR" altLang="en-US" sz="1600" dirty="0" smtClean="0">
+                <a:solidFill>
+                  <a:srgbClr val="FFFF00"/>
+                </a:solidFill>
+              </a:rPr>
               <a:t>회원</a:t>
             </a:r>
             <a:r>
-              <a:rPr lang="en-US" altLang="ko-KR" sz="1600" dirty="0" smtClean="0"/>
+              <a:rPr lang="en-US" altLang="ko-KR" sz="1600" dirty="0" smtClean="0">
+                <a:solidFill>
+                  <a:srgbClr val="FFFF00"/>
+                </a:solidFill>
+              </a:rPr>
               <a:t>7:</a:t>
             </a:r>
           </a:p>
           <a:p>
             <a:pPr algn="ctr"/>
             <a:r>
-              <a:rPr lang="en-US" altLang="ko-KR" sz="1600" dirty="0" smtClean="0"/>
+              <a:rPr lang="en-US" altLang="ko-KR" sz="1600" dirty="0" smtClean="0">
+                <a:solidFill>
+                  <a:srgbClr val="FFFF00"/>
+                </a:solidFill>
+              </a:rPr>
               <a:t>(</a:t>
             </a:r>
             <a:r>
-              <a:rPr lang="ko-KR" altLang="en-US" sz="1600" dirty="0" smtClean="0"/>
+              <a:rPr lang="ko-KR" altLang="en-US" sz="1600" dirty="0" smtClean="0">
+                <a:solidFill>
+                  <a:srgbClr val="FFFF00"/>
+                </a:solidFill>
+              </a:rPr>
               <a:t>물품</a:t>
             </a:r>
             <a:r>
-              <a:rPr lang="en-US" altLang="ko-KR" sz="1600" dirty="0" smtClean="0"/>
+              <a:rPr lang="en-US" altLang="ko-KR" sz="1600" dirty="0" smtClean="0">
+                <a:solidFill>
+                  <a:srgbClr val="FFFF00"/>
+                </a:solidFill>
+              </a:rPr>
               <a:t>2,</a:t>
             </a:r>
             <a:r>
-              <a:rPr lang="ko-KR" altLang="en-US" sz="1600" dirty="0" smtClean="0"/>
+              <a:rPr lang="ko-KR" altLang="en-US" sz="1600" dirty="0" smtClean="0">
+                <a:solidFill>
+                  <a:srgbClr val="FFFF00"/>
+                </a:solidFill>
+              </a:rPr>
               <a:t>개수</a:t>
             </a:r>
             <a:r>
-              <a:rPr lang="en-US" altLang="ko-KR" sz="1600" dirty="0" smtClean="0"/>
+              <a:rPr lang="en-US" altLang="ko-KR" sz="1600" dirty="0" smtClean="0">
+                <a:solidFill>
+                  <a:srgbClr val="FFFF00"/>
+                </a:solidFill>
+              </a:rPr>
               <a:t>5),</a:t>
             </a:r>
           </a:p>
           <a:p>
             <a:pPr algn="ctr"/>
             <a:r>
-              <a:rPr lang="en-US" altLang="ko-KR" sz="1600" dirty="0" smtClean="0"/>
+              <a:rPr lang="en-US" altLang="ko-KR" sz="1600" dirty="0" smtClean="0">
+                <a:solidFill>
+                  <a:srgbClr val="FFFF00"/>
+                </a:solidFill>
+              </a:rPr>
               <a:t>…,(</a:t>
             </a:r>
             <a:r>
-              <a:rPr lang="ko-KR" altLang="en-US" sz="1600" dirty="0" smtClean="0"/>
+              <a:rPr lang="ko-KR" altLang="en-US" sz="1600" dirty="0" smtClean="0">
+                <a:solidFill>
+                  <a:srgbClr val="FFFF00"/>
+                </a:solidFill>
+              </a:rPr>
               <a:t>물품</a:t>
             </a:r>
             <a:r>
-              <a:rPr lang="en-US" altLang="ko-KR" sz="1600" dirty="0" smtClean="0"/>
+              <a:rPr lang="en-US" altLang="ko-KR" sz="1600" dirty="0" smtClean="0">
+                <a:solidFill>
+                  <a:srgbClr val="FFFF00"/>
+                </a:solidFill>
+              </a:rPr>
               <a:t>1, </a:t>
             </a:r>
             <a:r>
-              <a:rPr lang="ko-KR" altLang="en-US" sz="1600" dirty="0" smtClean="0"/>
+              <a:rPr lang="ko-KR" altLang="en-US" sz="1600" dirty="0" smtClean="0">
+                <a:solidFill>
+                  <a:srgbClr val="FFFF00"/>
+                </a:solidFill>
+              </a:rPr>
               <a:t>개수</a:t>
             </a:r>
             <a:r>
-              <a:rPr lang="en-US" altLang="ko-KR" sz="1600" dirty="0" smtClean="0"/>
+              <a:rPr lang="en-US" altLang="ko-KR" sz="1600" dirty="0" smtClean="0">
+                <a:solidFill>
+                  <a:srgbClr val="FFFF00"/>
+                </a:solidFill>
+              </a:rPr>
               <a:t>3)</a:t>
             </a:r>
-            <a:endParaRPr lang="ko-KR" altLang="en-US" sz="1600" dirty="0"/>
+            <a:endParaRPr lang="ko-KR" altLang="en-US" sz="1600" dirty="0">
+              <a:solidFill>
+                <a:srgbClr val="FFFF00"/>
+              </a:solidFill>
+            </a:endParaRPr>
           </a:p>
         </p:txBody>
       </p:sp>
@@ -9022,7 +9798,7 @@
             <a:r>
               <a:rPr lang="ko-KR" altLang="en-US" dirty="0" smtClean="0">
                 <a:solidFill>
-                  <a:schemeClr val="tx1"/>
+                  <a:srgbClr val="FF0000"/>
                 </a:solidFill>
               </a:rPr>
               <a:t>회원</a:t>
@@ -9030,7 +9806,7 @@
             <a:r>
               <a:rPr lang="en-US" altLang="ko-KR" dirty="0" smtClean="0">
                 <a:solidFill>
-                  <a:schemeClr val="tx1"/>
+                  <a:srgbClr val="FF0000"/>
                 </a:solidFill>
               </a:rPr>
               <a:t>7 : </a:t>
@@ -9041,7 +9817,7 @@
             <a:r>
               <a:rPr lang="en-US" altLang="ko-KR" dirty="0" smtClean="0">
                 <a:solidFill>
-                  <a:schemeClr val="tx1"/>
+                  <a:srgbClr val="FF0000"/>
                 </a:solidFill>
               </a:rPr>
               <a:t>(</a:t>
@@ -9049,7 +9825,7 @@
             <a:r>
               <a:rPr lang="ko-KR" altLang="en-US" dirty="0" smtClean="0">
                 <a:solidFill>
-                  <a:schemeClr val="tx1"/>
+                  <a:srgbClr val="FF0000"/>
                 </a:solidFill>
               </a:rPr>
               <a:t>물품</a:t>
@@ -9057,7 +9833,7 @@
             <a:r>
               <a:rPr lang="en-US" altLang="ko-KR" dirty="0" smtClean="0">
                 <a:solidFill>
-                  <a:schemeClr val="tx1"/>
+                  <a:srgbClr val="FF0000"/>
                 </a:solidFill>
               </a:rPr>
               <a:t>2,</a:t>
@@ -9065,7 +9841,7 @@
             <a:r>
               <a:rPr lang="ko-KR" altLang="en-US" dirty="0" smtClean="0">
                 <a:solidFill>
-                  <a:schemeClr val="tx1"/>
+                  <a:srgbClr val="FF0000"/>
                 </a:solidFill>
               </a:rPr>
               <a:t>개수</a:t>
@@ -9073,7 +9849,7 @@
             <a:r>
               <a:rPr lang="en-US" altLang="ko-KR" dirty="0" smtClean="0">
                 <a:solidFill>
-                  <a:schemeClr val="tx1"/>
+                  <a:srgbClr val="FF0000"/>
                 </a:solidFill>
               </a:rPr>
               <a:t>5),</a:t>
@@ -9084,7 +9860,7 @@
             <a:r>
               <a:rPr lang="en-US" altLang="ko-KR" dirty="0" smtClean="0">
                 <a:solidFill>
-                  <a:schemeClr val="tx1"/>
+                  <a:srgbClr val="FF0000"/>
                 </a:solidFill>
               </a:rPr>
               <a:t>…(</a:t>
@@ -9092,7 +9868,7 @@
             <a:r>
               <a:rPr lang="ko-KR" altLang="en-US" dirty="0" smtClean="0">
                 <a:solidFill>
-                  <a:schemeClr val="tx1"/>
+                  <a:srgbClr val="FF0000"/>
                 </a:solidFill>
               </a:rPr>
               <a:t>물품</a:t>
@@ -9100,7 +9876,7 @@
             <a:r>
               <a:rPr lang="en-US" altLang="ko-KR" dirty="0" smtClean="0">
                 <a:solidFill>
-                  <a:schemeClr val="tx1"/>
+                  <a:srgbClr val="FF0000"/>
                 </a:solidFill>
               </a:rPr>
               <a:t>1, </a:t>
@@ -9108,7 +9884,7 @@
             <a:r>
               <a:rPr lang="ko-KR" altLang="en-US" dirty="0" smtClean="0">
                 <a:solidFill>
-                  <a:schemeClr val="tx1"/>
+                  <a:srgbClr val="FF0000"/>
                 </a:solidFill>
               </a:rPr>
               <a:t>개수</a:t>
@@ -9116,14 +9892,14 @@
             <a:r>
               <a:rPr lang="en-US" altLang="ko-KR" dirty="0" smtClean="0">
                 <a:solidFill>
-                  <a:schemeClr val="tx1"/>
+                  <a:srgbClr val="FF0000"/>
                 </a:solidFill>
               </a:rPr>
               <a:t>3)</a:t>
             </a:r>
             <a:endParaRPr lang="ko-KR" altLang="en-US" dirty="0">
               <a:solidFill>
-                <a:schemeClr val="tx1"/>
+                <a:srgbClr val="FF0000"/>
               </a:solidFill>
             </a:endParaRPr>
           </a:p>
@@ -9320,7 +10096,7 @@
             <a:r>
               <a:rPr lang="ko-KR" altLang="en-US" dirty="0" smtClean="0">
                 <a:solidFill>
-                  <a:schemeClr val="tx1"/>
+                  <a:srgbClr val="FF0000"/>
                 </a:solidFill>
               </a:rPr>
               <a:t>회원</a:t>
@@ -9328,7 +10104,7 @@
             <a:r>
               <a:rPr lang="en-US" altLang="ko-KR" dirty="0" smtClean="0">
                 <a:solidFill>
-                  <a:schemeClr val="tx1"/>
+                  <a:srgbClr val="FF0000"/>
                 </a:solidFill>
               </a:rPr>
               <a:t>7 : </a:t>
@@ -9339,7 +10115,7 @@
             <a:r>
               <a:rPr lang="en-US" altLang="ko-KR" dirty="0" smtClean="0">
                 <a:solidFill>
-                  <a:schemeClr val="tx1"/>
+                  <a:srgbClr val="FF0000"/>
                 </a:solidFill>
               </a:rPr>
               <a:t>(</a:t>
@@ -9347,7 +10123,7 @@
             <a:r>
               <a:rPr lang="ko-KR" altLang="en-US" dirty="0" smtClean="0">
                 <a:solidFill>
-                  <a:schemeClr val="tx1"/>
+                  <a:srgbClr val="FF0000"/>
                 </a:solidFill>
               </a:rPr>
               <a:t>물품</a:t>
@@ -9355,7 +10131,7 @@
             <a:r>
               <a:rPr lang="en-US" altLang="ko-KR" dirty="0" smtClean="0">
                 <a:solidFill>
-                  <a:schemeClr val="tx1"/>
+                  <a:srgbClr val="FF0000"/>
                 </a:solidFill>
               </a:rPr>
               <a:t>2,</a:t>
@@ -9363,7 +10139,7 @@
             <a:r>
               <a:rPr lang="ko-KR" altLang="en-US" dirty="0" smtClean="0">
                 <a:solidFill>
-                  <a:schemeClr val="tx1"/>
+                  <a:srgbClr val="FF0000"/>
                 </a:solidFill>
               </a:rPr>
               <a:t>개수</a:t>
@@ -9371,7 +10147,7 @@
             <a:r>
               <a:rPr lang="en-US" altLang="ko-KR" dirty="0" smtClean="0">
                 <a:solidFill>
-                  <a:schemeClr val="tx1"/>
+                  <a:srgbClr val="FF0000"/>
                 </a:solidFill>
               </a:rPr>
               <a:t>5),</a:t>
@@ -9382,7 +10158,7 @@
             <a:r>
               <a:rPr lang="en-US" altLang="ko-KR" dirty="0" smtClean="0">
                 <a:solidFill>
-                  <a:schemeClr val="tx1"/>
+                  <a:srgbClr val="FF0000"/>
                 </a:solidFill>
               </a:rPr>
               <a:t>...,(</a:t>
@@ -9390,7 +10166,7 @@
             <a:r>
               <a:rPr lang="ko-KR" altLang="en-US" dirty="0" smtClean="0">
                 <a:solidFill>
-                  <a:schemeClr val="tx1"/>
+                  <a:srgbClr val="FF0000"/>
                 </a:solidFill>
               </a:rPr>
               <a:t>물품</a:t>
@@ -9398,7 +10174,7 @@
             <a:r>
               <a:rPr lang="en-US" altLang="ko-KR" dirty="0" smtClean="0">
                 <a:solidFill>
-                  <a:schemeClr val="tx1"/>
+                  <a:srgbClr val="FF0000"/>
                 </a:solidFill>
               </a:rPr>
               <a:t>1, </a:t>
@@ -9406,7 +10182,7 @@
             <a:r>
               <a:rPr lang="ko-KR" altLang="en-US" dirty="0" smtClean="0">
                 <a:solidFill>
-                  <a:schemeClr val="tx1"/>
+                  <a:srgbClr val="FF0000"/>
                 </a:solidFill>
               </a:rPr>
               <a:t>개수</a:t>
@@ -9414,14 +10190,14 @@
             <a:r>
               <a:rPr lang="en-US" altLang="ko-KR" dirty="0" smtClean="0">
                 <a:solidFill>
-                  <a:schemeClr val="tx1"/>
+                  <a:srgbClr val="FF0000"/>
                 </a:solidFill>
               </a:rPr>
               <a:t>3)</a:t>
             </a:r>
             <a:endParaRPr lang="ko-KR" altLang="en-US" dirty="0">
               <a:solidFill>
-                <a:schemeClr val="tx1"/>
+                <a:srgbClr val="FF0000"/>
               </a:solidFill>
             </a:endParaRPr>
           </a:p>
@@ -10246,6 +11022,627 @@
 </file>
 
 <file path=ppt/slides/slide15.xml><?xml version="1.0" encoding="utf-8"?>
+<p:sld xmlns:a="http://schemas.openxmlformats.org/drawingml/2006/main" xmlns:r="http://schemas.openxmlformats.org/officeDocument/2006/relationships" xmlns:p="http://schemas.openxmlformats.org/presentationml/2006/main">
+  <p:cSld>
+    <p:spTree>
+      <p:nvGrpSpPr>
+        <p:cNvPr id="1" name=""/>
+        <p:cNvGrpSpPr/>
+        <p:nvPr/>
+      </p:nvGrpSpPr>
+      <p:grpSpPr>
+        <a:xfrm>
+          <a:off x="0" y="0"/>
+          <a:ext cx="0" cy="0"/>
+          <a:chOff x="0" y="0"/>
+          <a:chExt cx="0" cy="0"/>
+        </a:xfrm>
+      </p:grpSpPr>
+      <p:sp>
+        <p:nvSpPr>
+          <p:cNvPr id="57" name="직사각형 56"/>
+          <p:cNvSpPr/>
+          <p:nvPr/>
+        </p:nvSpPr>
+        <p:spPr>
+          <a:xfrm>
+            <a:off x="322729" y="271929"/>
+            <a:ext cx="699247" cy="699247"/>
+          </a:xfrm>
+          <a:prstGeom prst="rect">
+            <a:avLst/>
+          </a:prstGeom>
+          <a:solidFill>
+            <a:srgbClr val="F14A38"/>
+          </a:solidFill>
+          <a:ln>
+            <a:noFill/>
+          </a:ln>
+          <a:effectLst>
+            <a:outerShdw blurRad="241300" dist="63500" dir="5400000" sx="97000" sy="97000" algn="t" rotWithShape="0">
+              <a:prstClr val="black">
+                <a:alpha val="40000"/>
+              </a:prstClr>
+            </a:outerShdw>
+          </a:effectLst>
+        </p:spPr>
+        <p:style>
+          <a:lnRef idx="2">
+            <a:schemeClr val="accent1">
+              <a:shade val="50000"/>
+            </a:schemeClr>
+          </a:lnRef>
+          <a:fillRef idx="1">
+            <a:schemeClr val="accent1"/>
+          </a:fillRef>
+          <a:effectRef idx="0">
+            <a:schemeClr val="accent1"/>
+          </a:effectRef>
+          <a:fontRef idx="minor">
+            <a:schemeClr val="lt1"/>
+          </a:fontRef>
+        </p:style>
+        <p:txBody>
+          <a:bodyPr rtlCol="0" anchor="ctr"/>
+          <a:lstStyle/>
+          <a:p>
+            <a:pPr algn="ctr"/>
+            <a:r>
+              <a:rPr lang="en-US" altLang="ko-KR" b="1" dirty="0" smtClean="0"/>
+              <a:t>03</a:t>
+            </a:r>
+            <a:endParaRPr lang="ko-KR" altLang="en-US" b="1" dirty="0"/>
+          </a:p>
+        </p:txBody>
+      </p:sp>
+      <p:sp>
+        <p:nvSpPr>
+          <p:cNvPr id="58" name="직사각형 57"/>
+          <p:cNvSpPr/>
+          <p:nvPr/>
+        </p:nvSpPr>
+        <p:spPr>
+          <a:xfrm>
+            <a:off x="1143280" y="235334"/>
+            <a:ext cx="6080480" cy="830997"/>
+          </a:xfrm>
+          <a:prstGeom prst="rect">
+            <a:avLst/>
+          </a:prstGeom>
+        </p:spPr>
+        <p:txBody>
+          <a:bodyPr wrap="square">
+            <a:spAutoFit/>
+          </a:bodyPr>
+          <a:lstStyle/>
+          <a:p>
+            <a:pPr>
+              <a:lnSpc>
+                <a:spcPct val="150000"/>
+              </a:lnSpc>
+            </a:pPr>
+            <a:r>
+              <a:rPr lang="ko-KR" altLang="en-US" sz="3200" b="1" i="1" dirty="0" smtClean="0">
+                <a:solidFill>
+                  <a:schemeClr val="tx1">
+                    <a:lumMod val="65000"/>
+                    <a:lumOff val="35000"/>
+                  </a:schemeClr>
+                </a:solidFill>
+              </a:rPr>
+              <a:t>프로그램 구현</a:t>
+            </a:r>
+            <a:endParaRPr lang="ko-KR" altLang="en-US" sz="2800" dirty="0">
+              <a:solidFill>
+                <a:schemeClr val="tx1">
+                  <a:lumMod val="65000"/>
+                  <a:lumOff val="35000"/>
+                </a:schemeClr>
+              </a:solidFill>
+            </a:endParaRPr>
+          </a:p>
+        </p:txBody>
+      </p:sp>
+      <p:sp>
+        <p:nvSpPr>
+          <p:cNvPr id="11" name="직사각형 10"/>
+          <p:cNvSpPr/>
+          <p:nvPr/>
+        </p:nvSpPr>
+        <p:spPr>
+          <a:xfrm>
+            <a:off x="1260850" y="971176"/>
+            <a:ext cx="3587797" cy="553998"/>
+          </a:xfrm>
+          <a:prstGeom prst="rect">
+            <a:avLst/>
+          </a:prstGeom>
+        </p:spPr>
+        <p:txBody>
+          <a:bodyPr wrap="square">
+            <a:spAutoFit/>
+          </a:bodyPr>
+          <a:lstStyle/>
+          <a:p>
+            <a:pPr>
+              <a:lnSpc>
+                <a:spcPct val="150000"/>
+              </a:lnSpc>
+            </a:pPr>
+            <a:r>
+              <a:rPr lang="en-US" altLang="ko-KR" sz="2000" b="1" dirty="0" smtClean="0">
+                <a:solidFill>
+                  <a:prstClr val="black">
+                    <a:lumMod val="75000"/>
+                    <a:lumOff val="25000"/>
+                  </a:prstClr>
+                </a:solidFill>
+              </a:rPr>
+              <a:t>4. </a:t>
+            </a:r>
+            <a:r>
+              <a:rPr lang="ko-KR" altLang="en-US" sz="2000" b="1" dirty="0" smtClean="0">
+                <a:solidFill>
+                  <a:prstClr val="black">
+                    <a:lumMod val="75000"/>
+                    <a:lumOff val="25000"/>
+                  </a:prstClr>
+                </a:solidFill>
+              </a:rPr>
+              <a:t>예약하기</a:t>
+            </a:r>
+            <a:endParaRPr lang="en-US" altLang="ko-KR" sz="2000" b="1" dirty="0" smtClean="0">
+              <a:solidFill>
+                <a:prstClr val="black">
+                  <a:lumMod val="75000"/>
+                  <a:lumOff val="25000"/>
+                </a:prstClr>
+              </a:solidFill>
+            </a:endParaRPr>
+          </a:p>
+        </p:txBody>
+      </p:sp>
+      <p:sp>
+        <p:nvSpPr>
+          <p:cNvPr id="6" name="TextBox 5"/>
+          <p:cNvSpPr txBox="1"/>
+          <p:nvPr/>
+        </p:nvSpPr>
+        <p:spPr>
+          <a:xfrm>
+            <a:off x="7223760" y="2449965"/>
+            <a:ext cx="5029200" cy="2308324"/>
+          </a:xfrm>
+          <a:prstGeom prst="rect">
+            <a:avLst/>
+          </a:prstGeom>
+          <a:noFill/>
+        </p:spPr>
+        <p:txBody>
+          <a:bodyPr wrap="square" rtlCol="0">
+            <a:spAutoFit/>
+          </a:bodyPr>
+          <a:lstStyle/>
+          <a:p>
+            <a:pPr marL="342900" indent="-342900">
+              <a:buAutoNum type="arabicPeriod"/>
+            </a:pPr>
+            <a:r>
+              <a:rPr lang="ko-KR" altLang="en-US" dirty="0" smtClean="0"/>
+              <a:t>연도와 월에 맞는 달력을 함께 출력하여 </a:t>
+            </a:r>
+            <a:endParaRPr lang="en-US" altLang="ko-KR" dirty="0"/>
+          </a:p>
+          <a:p>
+            <a:r>
+              <a:rPr lang="ko-KR" altLang="en-US" dirty="0" smtClean="0"/>
+              <a:t>선택함에 있어서 고객의 편리성 높임</a:t>
+            </a:r>
+            <a:endParaRPr lang="en-US" altLang="ko-KR" dirty="0" smtClean="0"/>
+          </a:p>
+          <a:p>
+            <a:endParaRPr lang="en-US" altLang="ko-KR" dirty="0" smtClean="0"/>
+          </a:p>
+          <a:p>
+            <a:r>
+              <a:rPr lang="en-US" altLang="ko-KR" dirty="0" smtClean="0"/>
+              <a:t>2. </a:t>
+            </a:r>
+            <a:r>
+              <a:rPr lang="ko-KR" altLang="en-US" dirty="0" smtClean="0"/>
+              <a:t>캘린더 구현과 함께 월에 </a:t>
+            </a:r>
+            <a:r>
+              <a:rPr lang="ko-KR" altLang="en-US" dirty="0" err="1" smtClean="0"/>
+              <a:t>마지막일자를</a:t>
+            </a:r>
+            <a:r>
+              <a:rPr lang="ko-KR" altLang="en-US" dirty="0" smtClean="0"/>
+              <a:t> 구하여 이를 초과하는 숫자를 </a:t>
+            </a:r>
+            <a:r>
+              <a:rPr lang="ko-KR" altLang="en-US" dirty="0" err="1" smtClean="0"/>
+              <a:t>입력시</a:t>
+            </a:r>
+            <a:r>
+              <a:rPr lang="ko-KR" altLang="en-US" dirty="0" smtClean="0"/>
+              <a:t> 제한을 두어 프로그램 예외발생을 </a:t>
+            </a:r>
+            <a:r>
+              <a:rPr lang="ko-KR" altLang="en-US" dirty="0" smtClean="0"/>
+              <a:t> 사전에 막을 </a:t>
+            </a:r>
+            <a:r>
+              <a:rPr lang="ko-KR" altLang="en-US" dirty="0" smtClean="0"/>
+              <a:t>수 있음</a:t>
+            </a:r>
+            <a:endParaRPr lang="en-US" altLang="ko-KR" dirty="0" smtClean="0"/>
+          </a:p>
+          <a:p>
+            <a:endParaRPr lang="en-US" altLang="ko-KR" dirty="0"/>
+          </a:p>
+          <a:p>
+            <a:endParaRPr lang="ko-KR" altLang="en-US" dirty="0"/>
+          </a:p>
+        </p:txBody>
+      </p:sp>
+      <p:pic>
+        <p:nvPicPr>
+          <p:cNvPr id="2" name="그림 1"/>
+          <p:cNvPicPr>
+            <a:picLocks noChangeAspect="1"/>
+          </p:cNvPicPr>
+          <p:nvPr/>
+        </p:nvPicPr>
+        <p:blipFill>
+          <a:blip r:embed="rId3">
+            <a:extLst>
+              <a:ext uri="{28A0092B-C50C-407E-A947-70E740481C1C}">
+                <a14:useLocalDpi xmlns:a14="http://schemas.microsoft.com/office/drawing/2010/main" val="0"/>
+              </a:ext>
+            </a:extLst>
+          </a:blip>
+          <a:stretch>
+            <a:fillRect/>
+          </a:stretch>
+        </p:blipFill>
+        <p:spPr>
+          <a:xfrm>
+            <a:off x="3637410" y="1780042"/>
+            <a:ext cx="3648170" cy="3648170"/>
+          </a:xfrm>
+          <a:prstGeom prst="rect">
+            <a:avLst/>
+          </a:prstGeom>
+        </p:spPr>
+      </p:pic>
+      <p:pic>
+        <p:nvPicPr>
+          <p:cNvPr id="4" name="그림 3"/>
+          <p:cNvPicPr>
+            <a:picLocks noChangeAspect="1"/>
+          </p:cNvPicPr>
+          <p:nvPr/>
+        </p:nvPicPr>
+        <p:blipFill>
+          <a:blip r:embed="rId4">
+            <a:extLst>
+              <a:ext uri="{28A0092B-C50C-407E-A947-70E740481C1C}">
+                <a14:useLocalDpi xmlns:a14="http://schemas.microsoft.com/office/drawing/2010/main" val="0"/>
+              </a:ext>
+            </a:extLst>
+          </a:blip>
+          <a:stretch>
+            <a:fillRect/>
+          </a:stretch>
+        </p:blipFill>
+        <p:spPr>
+          <a:xfrm>
+            <a:off x="67415" y="1780042"/>
+            <a:ext cx="3569995" cy="3648170"/>
+          </a:xfrm>
+          <a:prstGeom prst="rect">
+            <a:avLst/>
+          </a:prstGeom>
+        </p:spPr>
+      </p:pic>
+      <p:sp>
+        <p:nvSpPr>
+          <p:cNvPr id="5" name="직사각형 4"/>
+          <p:cNvSpPr/>
+          <p:nvPr/>
+        </p:nvSpPr>
+        <p:spPr>
+          <a:xfrm>
+            <a:off x="1636512" y="4184650"/>
+            <a:ext cx="406400" cy="368300"/>
+          </a:xfrm>
+          <a:prstGeom prst="rect">
+            <a:avLst/>
+          </a:prstGeom>
+          <a:noFill/>
+          <a:ln w="38100">
+            <a:solidFill>
+              <a:srgbClr val="FF0000"/>
+            </a:solidFill>
+          </a:ln>
+        </p:spPr>
+        <p:style>
+          <a:lnRef idx="2">
+            <a:schemeClr val="accent1">
+              <a:shade val="50000"/>
+            </a:schemeClr>
+          </a:lnRef>
+          <a:fillRef idx="1">
+            <a:schemeClr val="accent1"/>
+          </a:fillRef>
+          <a:effectRef idx="0">
+            <a:schemeClr val="accent1"/>
+          </a:effectRef>
+          <a:fontRef idx="minor">
+            <a:schemeClr val="lt1"/>
+          </a:fontRef>
+        </p:style>
+        <p:txBody>
+          <a:bodyPr rtlCol="0" anchor="ctr"/>
+          <a:lstStyle/>
+          <a:p>
+            <a:pPr algn="ctr"/>
+            <a:endParaRPr lang="ko-KR" altLang="en-US"/>
+          </a:p>
+        </p:txBody>
+      </p:sp>
+      <p:sp>
+        <p:nvSpPr>
+          <p:cNvPr id="10" name="직사각형 9"/>
+          <p:cNvSpPr/>
+          <p:nvPr/>
+        </p:nvSpPr>
+        <p:spPr>
+          <a:xfrm>
+            <a:off x="3105548" y="4637639"/>
+            <a:ext cx="406400" cy="368300"/>
+          </a:xfrm>
+          <a:prstGeom prst="rect">
+            <a:avLst/>
+          </a:prstGeom>
+          <a:noFill/>
+          <a:ln w="38100">
+            <a:solidFill>
+              <a:srgbClr val="FF0000"/>
+            </a:solidFill>
+          </a:ln>
+        </p:spPr>
+        <p:style>
+          <a:lnRef idx="2">
+            <a:schemeClr val="accent1">
+              <a:shade val="50000"/>
+            </a:schemeClr>
+          </a:lnRef>
+          <a:fillRef idx="1">
+            <a:schemeClr val="accent1"/>
+          </a:fillRef>
+          <a:effectRef idx="0">
+            <a:schemeClr val="accent1"/>
+          </a:effectRef>
+          <a:fontRef idx="minor">
+            <a:schemeClr val="lt1"/>
+          </a:fontRef>
+        </p:style>
+        <p:txBody>
+          <a:bodyPr rtlCol="0" anchor="ctr"/>
+          <a:lstStyle/>
+          <a:p>
+            <a:pPr algn="ctr"/>
+            <a:endParaRPr lang="ko-KR" altLang="en-US"/>
+          </a:p>
+        </p:txBody>
+      </p:sp>
+      <p:sp>
+        <p:nvSpPr>
+          <p:cNvPr id="12" name="직사각형 11"/>
+          <p:cNvSpPr/>
+          <p:nvPr/>
+        </p:nvSpPr>
+        <p:spPr>
+          <a:xfrm>
+            <a:off x="4859559" y="4165600"/>
+            <a:ext cx="406400" cy="368300"/>
+          </a:xfrm>
+          <a:prstGeom prst="rect">
+            <a:avLst/>
+          </a:prstGeom>
+          <a:noFill/>
+          <a:ln w="38100">
+            <a:solidFill>
+              <a:srgbClr val="FF0000"/>
+            </a:solidFill>
+          </a:ln>
+        </p:spPr>
+        <p:style>
+          <a:lnRef idx="2">
+            <a:schemeClr val="accent1">
+              <a:shade val="50000"/>
+            </a:schemeClr>
+          </a:lnRef>
+          <a:fillRef idx="1">
+            <a:schemeClr val="accent1"/>
+          </a:fillRef>
+          <a:effectRef idx="0">
+            <a:schemeClr val="accent1"/>
+          </a:effectRef>
+          <a:fontRef idx="minor">
+            <a:schemeClr val="lt1"/>
+          </a:fontRef>
+        </p:style>
+        <p:txBody>
+          <a:bodyPr rtlCol="0" anchor="ctr"/>
+          <a:lstStyle/>
+          <a:p>
+            <a:pPr algn="ctr"/>
+            <a:endParaRPr lang="ko-KR" altLang="en-US"/>
+          </a:p>
+        </p:txBody>
+      </p:sp>
+      <p:sp>
+        <p:nvSpPr>
+          <p:cNvPr id="13" name="직사각형 12"/>
+          <p:cNvSpPr/>
+          <p:nvPr/>
+        </p:nvSpPr>
+        <p:spPr>
+          <a:xfrm>
+            <a:off x="6665712" y="4612239"/>
+            <a:ext cx="406400" cy="368300"/>
+          </a:xfrm>
+          <a:prstGeom prst="rect">
+            <a:avLst/>
+          </a:prstGeom>
+          <a:noFill/>
+          <a:ln w="38100">
+            <a:solidFill>
+              <a:srgbClr val="FF0000"/>
+            </a:solidFill>
+          </a:ln>
+        </p:spPr>
+        <p:style>
+          <a:lnRef idx="2">
+            <a:schemeClr val="accent1">
+              <a:shade val="50000"/>
+            </a:schemeClr>
+          </a:lnRef>
+          <a:fillRef idx="1">
+            <a:schemeClr val="accent1"/>
+          </a:fillRef>
+          <a:effectRef idx="0">
+            <a:schemeClr val="accent1"/>
+          </a:effectRef>
+          <a:fontRef idx="minor">
+            <a:schemeClr val="lt1"/>
+          </a:fontRef>
+        </p:style>
+        <p:txBody>
+          <a:bodyPr rtlCol="0" anchor="ctr"/>
+          <a:lstStyle/>
+          <a:p>
+            <a:pPr algn="ctr"/>
+            <a:endParaRPr lang="ko-KR" altLang="en-US"/>
+          </a:p>
+        </p:txBody>
+      </p:sp>
+      <p:sp>
+        <p:nvSpPr>
+          <p:cNvPr id="14" name="직사각형 13"/>
+          <p:cNvSpPr/>
+          <p:nvPr/>
+        </p:nvSpPr>
+        <p:spPr>
+          <a:xfrm>
+            <a:off x="106828" y="4853539"/>
+            <a:ext cx="1607671" cy="368300"/>
+          </a:xfrm>
+          <a:prstGeom prst="rect">
+            <a:avLst/>
+          </a:prstGeom>
+          <a:noFill/>
+          <a:ln w="38100">
+            <a:solidFill>
+              <a:srgbClr val="FF0000"/>
+            </a:solidFill>
+          </a:ln>
+        </p:spPr>
+        <p:style>
+          <a:lnRef idx="2">
+            <a:schemeClr val="accent1">
+              <a:shade val="50000"/>
+            </a:schemeClr>
+          </a:lnRef>
+          <a:fillRef idx="1">
+            <a:schemeClr val="accent1"/>
+          </a:fillRef>
+          <a:effectRef idx="0">
+            <a:schemeClr val="accent1"/>
+          </a:effectRef>
+          <a:fontRef idx="minor">
+            <a:schemeClr val="lt1"/>
+          </a:fontRef>
+        </p:style>
+        <p:txBody>
+          <a:bodyPr rtlCol="0" anchor="ctr"/>
+          <a:lstStyle/>
+          <a:p>
+            <a:pPr algn="ctr"/>
+            <a:endParaRPr lang="ko-KR" altLang="en-US"/>
+          </a:p>
+        </p:txBody>
+      </p:sp>
+      <p:sp>
+        <p:nvSpPr>
+          <p:cNvPr id="15" name="직사각형 14"/>
+          <p:cNvSpPr/>
+          <p:nvPr/>
+        </p:nvSpPr>
+        <p:spPr>
+          <a:xfrm>
+            <a:off x="3658288" y="4821789"/>
+            <a:ext cx="1607671" cy="368300"/>
+          </a:xfrm>
+          <a:prstGeom prst="rect">
+            <a:avLst/>
+          </a:prstGeom>
+          <a:noFill/>
+          <a:ln w="38100">
+            <a:solidFill>
+              <a:srgbClr val="FF0000"/>
+            </a:solidFill>
+          </a:ln>
+        </p:spPr>
+        <p:style>
+          <a:lnRef idx="2">
+            <a:schemeClr val="accent1">
+              <a:shade val="50000"/>
+            </a:schemeClr>
+          </a:lnRef>
+          <a:fillRef idx="1">
+            <a:schemeClr val="accent1"/>
+          </a:fillRef>
+          <a:effectRef idx="0">
+            <a:schemeClr val="accent1"/>
+          </a:effectRef>
+          <a:fontRef idx="minor">
+            <a:schemeClr val="lt1"/>
+          </a:fontRef>
+        </p:style>
+        <p:txBody>
+          <a:bodyPr rtlCol="0" anchor="ctr"/>
+          <a:lstStyle/>
+          <a:p>
+            <a:pPr algn="ctr"/>
+            <a:endParaRPr lang="ko-KR" altLang="en-US"/>
+          </a:p>
+        </p:txBody>
+      </p:sp>
+    </p:spTree>
+    <p:extLst>
+      <p:ext uri="{BB962C8B-B14F-4D97-AF65-F5344CB8AC3E}">
+        <p14:creationId xmlns:p14="http://schemas.microsoft.com/office/powerpoint/2010/main" val="464226573"/>
+      </p:ext>
+    </p:extLst>
+  </p:cSld>
+  <p:clrMapOvr>
+    <a:masterClrMapping/>
+  </p:clrMapOvr>
+  <p:timing>
+    <p:tnLst>
+      <p:par>
+        <p:cTn id="1" dur="indefinite" restart="never" nodeType="tmRoot"/>
+      </p:par>
+    </p:tnLst>
+  </p:timing>
+</p:sld>
+</file>
+
+<file path=ppt/slides/slide16.xml><?xml version="1.0" encoding="utf-8"?>
 <p:sld xmlns:a="http://schemas.openxmlformats.org/drawingml/2006/main" xmlns:r="http://schemas.openxmlformats.org/officeDocument/2006/relationships" xmlns:p="http://schemas.openxmlformats.org/presentationml/2006/main">
   <p:cSld>
     <p:spTree>
@@ -12055,7 +13452,7 @@
 </p:sld>
 </file>
 
-<file path=ppt/slides/slide16.xml><?xml version="1.0" encoding="utf-8"?>
+<file path=ppt/slides/slide17.xml><?xml version="1.0" encoding="utf-8"?>
 <p:sld xmlns:a="http://schemas.openxmlformats.org/drawingml/2006/main" xmlns:r="http://schemas.openxmlformats.org/officeDocument/2006/relationships" xmlns:p="http://schemas.openxmlformats.org/presentationml/2006/main">
   <p:cSld>
     <p:spTree>
@@ -12245,7 +13642,7 @@
           <p:nvPr/>
         </p:nvPicPr>
         <p:blipFill>
-          <a:blip r:embed="rId2">
+          <a:blip r:embed="rId3">
             <a:extLst>
               <a:ext uri="{28A0092B-C50C-407E-A947-70E740481C1C}">
                 <a14:useLocalDpi xmlns:a14="http://schemas.microsoft.com/office/drawing/2010/main" val="0"/>
@@ -13008,7 +14405,7 @@
           <p:nvPr/>
         </p:nvPicPr>
         <p:blipFill>
-          <a:blip r:embed="rId3">
+          <a:blip r:embed="rId4">
             <a:extLst>
               <a:ext uri="{28A0092B-C50C-407E-A947-70E740481C1C}">
                 <a14:useLocalDpi xmlns:a14="http://schemas.microsoft.com/office/drawing/2010/main" val="0"/>
@@ -13586,7 +14983,7 @@
 </p:sld>
 </file>
 
-<file path=ppt/slides/slide17.xml><?xml version="1.0" encoding="utf-8"?>
+<file path=ppt/slides/slide18.xml><?xml version="1.0" encoding="utf-8"?>
 <p:sld xmlns:a="http://schemas.openxmlformats.org/drawingml/2006/main" xmlns:r="http://schemas.openxmlformats.org/officeDocument/2006/relationships" xmlns:p="http://schemas.openxmlformats.org/presentationml/2006/main">
   <p:cSld>
     <p:spTree>
@@ -13976,632 +15373,83 @@
   <p:timing>
     <p:tnLst>
       <p:par>
-        <p:cTn id="1" dur="indefinite" restart="never" nodeType="tmRoot"/>
-      </p:par>
-    </p:tnLst>
-  </p:timing>
-</p:sld>
-</file>
-
-<file path=ppt/slides/slide18.xml><?xml version="1.0" encoding="utf-8"?>
-<p:sld xmlns:a="http://schemas.openxmlformats.org/drawingml/2006/main" xmlns:r="http://schemas.openxmlformats.org/officeDocument/2006/relationships" xmlns:p="http://schemas.openxmlformats.org/presentationml/2006/main">
-  <p:cSld>
-    <p:spTree>
-      <p:nvGrpSpPr>
-        <p:cNvPr id="1" name=""/>
-        <p:cNvGrpSpPr/>
-        <p:nvPr/>
-      </p:nvGrpSpPr>
-      <p:grpSpPr>
-        <a:xfrm>
-          <a:off x="0" y="0"/>
-          <a:ext cx="0" cy="0"/>
-          <a:chOff x="0" y="0"/>
-          <a:chExt cx="0" cy="0"/>
-        </a:xfrm>
-      </p:grpSpPr>
-      <p:sp>
-        <p:nvSpPr>
-          <p:cNvPr id="57" name="직사각형 56"/>
-          <p:cNvSpPr/>
-          <p:nvPr/>
-        </p:nvSpPr>
-        <p:spPr>
-          <a:xfrm>
-            <a:off x="322729" y="271929"/>
-            <a:ext cx="699247" cy="699247"/>
-          </a:xfrm>
-          <a:prstGeom prst="rect">
-            <a:avLst/>
-          </a:prstGeom>
-          <a:solidFill>
-            <a:srgbClr val="F14A38"/>
-          </a:solidFill>
-          <a:ln>
-            <a:noFill/>
-          </a:ln>
-          <a:effectLst>
-            <a:outerShdw blurRad="241300" dist="63500" dir="5400000" sx="97000" sy="97000" algn="t" rotWithShape="0">
-              <a:prstClr val="black">
-                <a:alpha val="40000"/>
-              </a:prstClr>
-            </a:outerShdw>
-          </a:effectLst>
-        </p:spPr>
-        <p:style>
-          <a:lnRef idx="2">
-            <a:schemeClr val="accent1">
-              <a:shade val="50000"/>
-            </a:schemeClr>
-          </a:lnRef>
-          <a:fillRef idx="1">
-            <a:schemeClr val="accent1"/>
-          </a:fillRef>
-          <a:effectRef idx="0">
-            <a:schemeClr val="accent1"/>
-          </a:effectRef>
-          <a:fontRef idx="minor">
-            <a:schemeClr val="lt1"/>
-          </a:fontRef>
-        </p:style>
-        <p:txBody>
-          <a:bodyPr rtlCol="0" anchor="ctr"/>
-          <a:lstStyle/>
-          <a:p>
-            <a:pPr algn="ctr"/>
-            <a:r>
-              <a:rPr lang="en-US" altLang="ko-KR" b="1" dirty="0" smtClean="0"/>
-              <a:t>03</a:t>
-            </a:r>
-            <a:endParaRPr lang="ko-KR" altLang="en-US" b="1" dirty="0"/>
-          </a:p>
-        </p:txBody>
-      </p:sp>
-      <p:sp>
-        <p:nvSpPr>
-          <p:cNvPr id="58" name="직사각형 57"/>
-          <p:cNvSpPr/>
-          <p:nvPr/>
-        </p:nvSpPr>
-        <p:spPr>
-          <a:xfrm>
-            <a:off x="1143280" y="235334"/>
-            <a:ext cx="6080480" cy="830997"/>
-          </a:xfrm>
-          <a:prstGeom prst="rect">
-            <a:avLst/>
-          </a:prstGeom>
-        </p:spPr>
-        <p:txBody>
-          <a:bodyPr wrap="square">
-            <a:spAutoFit/>
-          </a:bodyPr>
-          <a:lstStyle/>
-          <a:p>
-            <a:pPr>
-              <a:lnSpc>
-                <a:spcPct val="150000"/>
-              </a:lnSpc>
-            </a:pPr>
-            <a:r>
-              <a:rPr lang="ko-KR" altLang="en-US" sz="3200" b="1" i="1" dirty="0" smtClean="0">
-                <a:solidFill>
-                  <a:schemeClr val="tx1">
-                    <a:lumMod val="65000"/>
-                    <a:lumOff val="35000"/>
-                  </a:schemeClr>
-                </a:solidFill>
-              </a:rPr>
-              <a:t>프로그램 구현</a:t>
-            </a:r>
-            <a:endParaRPr lang="ko-KR" altLang="en-US" sz="2800" dirty="0">
-              <a:solidFill>
-                <a:schemeClr val="tx1">
-                  <a:lumMod val="65000"/>
-                  <a:lumOff val="35000"/>
-                </a:schemeClr>
-              </a:solidFill>
-            </a:endParaRPr>
-          </a:p>
-        </p:txBody>
-      </p:sp>
-      <p:sp>
-        <p:nvSpPr>
-          <p:cNvPr id="11" name="직사각형 10"/>
-          <p:cNvSpPr/>
-          <p:nvPr/>
-        </p:nvSpPr>
-        <p:spPr>
-          <a:xfrm>
-            <a:off x="1260850" y="971176"/>
-            <a:ext cx="3587797" cy="553998"/>
-          </a:xfrm>
-          <a:prstGeom prst="rect">
-            <a:avLst/>
-          </a:prstGeom>
-        </p:spPr>
-        <p:txBody>
-          <a:bodyPr wrap="square">
-            <a:spAutoFit/>
-          </a:bodyPr>
-          <a:lstStyle/>
-          <a:p>
-            <a:pPr>
-              <a:lnSpc>
-                <a:spcPct val="150000"/>
-              </a:lnSpc>
-            </a:pPr>
-            <a:r>
-              <a:rPr lang="en-US" altLang="ko-KR" sz="2000" b="1" dirty="0" smtClean="0">
-                <a:solidFill>
-                  <a:prstClr val="black">
-                    <a:lumMod val="75000"/>
-                    <a:lumOff val="25000"/>
-                  </a:prstClr>
-                </a:solidFill>
-              </a:rPr>
-              <a:t>4. </a:t>
-            </a:r>
-            <a:r>
-              <a:rPr lang="ko-KR" altLang="en-US" sz="2000" b="1" dirty="0" smtClean="0">
-                <a:solidFill>
-                  <a:prstClr val="black">
-                    <a:lumMod val="75000"/>
-                    <a:lumOff val="25000"/>
-                  </a:prstClr>
-                </a:solidFill>
-              </a:rPr>
-              <a:t>예약하기</a:t>
-            </a:r>
-            <a:endParaRPr lang="en-US" altLang="ko-KR" sz="2000" b="1" dirty="0" smtClean="0">
-              <a:solidFill>
-                <a:prstClr val="black">
-                  <a:lumMod val="75000"/>
-                  <a:lumOff val="25000"/>
-                </a:prstClr>
-              </a:solidFill>
-            </a:endParaRPr>
-          </a:p>
-        </p:txBody>
-      </p:sp>
-      <p:sp>
-        <p:nvSpPr>
-          <p:cNvPr id="6" name="TextBox 5"/>
-          <p:cNvSpPr txBox="1"/>
-          <p:nvPr/>
-        </p:nvSpPr>
-        <p:spPr>
-          <a:xfrm>
-            <a:off x="7223760" y="2449965"/>
-            <a:ext cx="5029200" cy="2308324"/>
-          </a:xfrm>
-          <a:prstGeom prst="rect">
-            <a:avLst/>
-          </a:prstGeom>
-          <a:noFill/>
-        </p:spPr>
-        <p:txBody>
-          <a:bodyPr wrap="square" rtlCol="0">
-            <a:spAutoFit/>
-          </a:bodyPr>
-          <a:lstStyle/>
-          <a:p>
-            <a:pPr marL="342900" indent="-342900">
-              <a:buAutoNum type="arabicPeriod"/>
-            </a:pPr>
-            <a:r>
-              <a:rPr lang="ko-KR" altLang="en-US" dirty="0" smtClean="0"/>
-              <a:t>연도와 월에 맞는 달력을 함께 출력하여 </a:t>
-            </a:r>
-            <a:endParaRPr lang="en-US" altLang="ko-KR" dirty="0"/>
-          </a:p>
-          <a:p>
-            <a:r>
-              <a:rPr lang="ko-KR" altLang="en-US" dirty="0" smtClean="0"/>
-              <a:t>선택함에 </a:t>
-            </a:r>
-            <a:r>
-              <a:rPr lang="ko-KR" altLang="en-US" dirty="0" smtClean="0"/>
-              <a:t>있어서 고객의 </a:t>
-            </a:r>
-            <a:r>
-              <a:rPr lang="ko-KR" altLang="en-US" dirty="0" smtClean="0"/>
-              <a:t>편리성 높임</a:t>
-            </a:r>
-            <a:endParaRPr lang="en-US" altLang="ko-KR" dirty="0" smtClean="0"/>
-          </a:p>
-          <a:p>
-            <a:endParaRPr lang="en-US" altLang="ko-KR" dirty="0" smtClean="0"/>
-          </a:p>
-          <a:p>
-            <a:r>
-              <a:rPr lang="en-US" altLang="ko-KR" dirty="0" smtClean="0"/>
-              <a:t>2. </a:t>
-            </a:r>
-            <a:r>
-              <a:rPr lang="ko-KR" altLang="en-US" dirty="0" smtClean="0"/>
-              <a:t>캘린더 구현과 함께 월에 </a:t>
-            </a:r>
-            <a:r>
-              <a:rPr lang="ko-KR" altLang="en-US" dirty="0" err="1" smtClean="0"/>
-              <a:t>마지막일자를</a:t>
-            </a:r>
-            <a:r>
-              <a:rPr lang="ko-KR" altLang="en-US" dirty="0" smtClean="0"/>
-              <a:t> 구하여 이를 초과하는 숫자를 </a:t>
-            </a:r>
-            <a:r>
-              <a:rPr lang="ko-KR" altLang="en-US" dirty="0" err="1" smtClean="0"/>
-              <a:t>입력시</a:t>
-            </a:r>
-            <a:r>
-              <a:rPr lang="ko-KR" altLang="en-US" dirty="0" smtClean="0"/>
-              <a:t> 제한을 두어 프로그램 </a:t>
-            </a:r>
-            <a:r>
-              <a:rPr lang="ko-KR" altLang="en-US" dirty="0" smtClean="0"/>
-              <a:t>예외발생을 막을 수 있음</a:t>
-            </a:r>
-            <a:endParaRPr lang="en-US" altLang="ko-KR" dirty="0" smtClean="0"/>
-          </a:p>
-          <a:p>
-            <a:endParaRPr lang="en-US" altLang="ko-KR" dirty="0"/>
-          </a:p>
-          <a:p>
-            <a:endParaRPr lang="ko-KR" altLang="en-US" dirty="0"/>
-          </a:p>
-        </p:txBody>
-      </p:sp>
-      <p:pic>
-        <p:nvPicPr>
-          <p:cNvPr id="2" name="그림 1"/>
-          <p:cNvPicPr>
-            <a:picLocks noChangeAspect="1"/>
-          </p:cNvPicPr>
-          <p:nvPr/>
-        </p:nvPicPr>
-        <p:blipFill>
-          <a:blip r:embed="rId2">
-            <a:extLst>
-              <a:ext uri="{28A0092B-C50C-407E-A947-70E740481C1C}">
-                <a14:useLocalDpi xmlns:a14="http://schemas.microsoft.com/office/drawing/2010/main" val="0"/>
-              </a:ext>
-            </a:extLst>
-          </a:blip>
-          <a:stretch>
-            <a:fillRect/>
-          </a:stretch>
-        </p:blipFill>
-        <p:spPr>
-          <a:xfrm>
-            <a:off x="3637410" y="1780042"/>
-            <a:ext cx="3648170" cy="3648170"/>
-          </a:xfrm>
-          <a:prstGeom prst="rect">
-            <a:avLst/>
-          </a:prstGeom>
-        </p:spPr>
-      </p:pic>
-      <p:pic>
-        <p:nvPicPr>
-          <p:cNvPr id="4" name="그림 3"/>
-          <p:cNvPicPr>
-            <a:picLocks noChangeAspect="1"/>
-          </p:cNvPicPr>
-          <p:nvPr/>
-        </p:nvPicPr>
-        <p:blipFill>
-          <a:blip r:embed="rId3">
-            <a:extLst>
-              <a:ext uri="{28A0092B-C50C-407E-A947-70E740481C1C}">
-                <a14:useLocalDpi xmlns:a14="http://schemas.microsoft.com/office/drawing/2010/main" val="0"/>
-              </a:ext>
-            </a:extLst>
-          </a:blip>
-          <a:stretch>
-            <a:fillRect/>
-          </a:stretch>
-        </p:blipFill>
-        <p:spPr>
-          <a:xfrm>
-            <a:off x="67415" y="1780042"/>
-            <a:ext cx="3569995" cy="3648170"/>
-          </a:xfrm>
-          <a:prstGeom prst="rect">
-            <a:avLst/>
-          </a:prstGeom>
-        </p:spPr>
-      </p:pic>
-      <p:sp>
-        <p:nvSpPr>
-          <p:cNvPr id="5" name="직사각형 4"/>
-          <p:cNvSpPr/>
-          <p:nvPr/>
-        </p:nvSpPr>
-        <p:spPr>
-          <a:xfrm>
-            <a:off x="1636512" y="4184650"/>
-            <a:ext cx="406400" cy="368300"/>
-          </a:xfrm>
-          <a:prstGeom prst="rect">
-            <a:avLst/>
-          </a:prstGeom>
-          <a:noFill/>
-          <a:ln w="38100">
-            <a:solidFill>
-              <a:srgbClr val="FF0000"/>
-            </a:solidFill>
-          </a:ln>
-        </p:spPr>
-        <p:style>
-          <a:lnRef idx="2">
-            <a:schemeClr val="accent1">
-              <a:shade val="50000"/>
-            </a:schemeClr>
-          </a:lnRef>
-          <a:fillRef idx="1">
-            <a:schemeClr val="accent1"/>
-          </a:fillRef>
-          <a:effectRef idx="0">
-            <a:schemeClr val="accent1"/>
-          </a:effectRef>
-          <a:fontRef idx="minor">
-            <a:schemeClr val="lt1"/>
-          </a:fontRef>
-        </p:style>
-        <p:txBody>
-          <a:bodyPr rtlCol="0" anchor="ctr"/>
-          <a:lstStyle/>
-          <a:p>
-            <a:pPr algn="ctr"/>
-            <a:endParaRPr lang="ko-KR" altLang="en-US"/>
-          </a:p>
-        </p:txBody>
-      </p:sp>
-      <p:sp>
-        <p:nvSpPr>
-          <p:cNvPr id="10" name="직사각형 9"/>
-          <p:cNvSpPr/>
-          <p:nvPr/>
-        </p:nvSpPr>
-        <p:spPr>
-          <a:xfrm>
-            <a:off x="3105548" y="4637639"/>
-            <a:ext cx="406400" cy="368300"/>
-          </a:xfrm>
-          <a:prstGeom prst="rect">
-            <a:avLst/>
-          </a:prstGeom>
-          <a:noFill/>
-          <a:ln w="38100">
-            <a:solidFill>
-              <a:srgbClr val="FF0000"/>
-            </a:solidFill>
-          </a:ln>
-        </p:spPr>
-        <p:style>
-          <a:lnRef idx="2">
-            <a:schemeClr val="accent1">
-              <a:shade val="50000"/>
-            </a:schemeClr>
-          </a:lnRef>
-          <a:fillRef idx="1">
-            <a:schemeClr val="accent1"/>
-          </a:fillRef>
-          <a:effectRef idx="0">
-            <a:schemeClr val="accent1"/>
-          </a:effectRef>
-          <a:fontRef idx="minor">
-            <a:schemeClr val="lt1"/>
-          </a:fontRef>
-        </p:style>
-        <p:txBody>
-          <a:bodyPr rtlCol="0" anchor="ctr"/>
-          <a:lstStyle/>
-          <a:p>
-            <a:pPr algn="ctr"/>
-            <a:endParaRPr lang="ko-KR" altLang="en-US"/>
-          </a:p>
-        </p:txBody>
-      </p:sp>
-      <p:sp>
-        <p:nvSpPr>
-          <p:cNvPr id="12" name="직사각형 11"/>
-          <p:cNvSpPr/>
-          <p:nvPr/>
-        </p:nvSpPr>
-        <p:spPr>
-          <a:xfrm>
-            <a:off x="4859559" y="4165600"/>
-            <a:ext cx="406400" cy="368300"/>
-          </a:xfrm>
-          <a:prstGeom prst="rect">
-            <a:avLst/>
-          </a:prstGeom>
-          <a:noFill/>
-          <a:ln w="38100">
-            <a:solidFill>
-              <a:srgbClr val="FF0000"/>
-            </a:solidFill>
-          </a:ln>
-        </p:spPr>
-        <p:style>
-          <a:lnRef idx="2">
-            <a:schemeClr val="accent1">
-              <a:shade val="50000"/>
-            </a:schemeClr>
-          </a:lnRef>
-          <a:fillRef idx="1">
-            <a:schemeClr val="accent1"/>
-          </a:fillRef>
-          <a:effectRef idx="0">
-            <a:schemeClr val="accent1"/>
-          </a:effectRef>
-          <a:fontRef idx="minor">
-            <a:schemeClr val="lt1"/>
-          </a:fontRef>
-        </p:style>
-        <p:txBody>
-          <a:bodyPr rtlCol="0" anchor="ctr"/>
-          <a:lstStyle/>
-          <a:p>
-            <a:pPr algn="ctr"/>
-            <a:endParaRPr lang="ko-KR" altLang="en-US"/>
-          </a:p>
-        </p:txBody>
-      </p:sp>
-      <p:sp>
-        <p:nvSpPr>
-          <p:cNvPr id="13" name="직사각형 12"/>
-          <p:cNvSpPr/>
-          <p:nvPr/>
-        </p:nvSpPr>
-        <p:spPr>
-          <a:xfrm>
-            <a:off x="6665712" y="4612239"/>
-            <a:ext cx="406400" cy="368300"/>
-          </a:xfrm>
-          <a:prstGeom prst="rect">
-            <a:avLst/>
-          </a:prstGeom>
-          <a:noFill/>
-          <a:ln w="38100">
-            <a:solidFill>
-              <a:srgbClr val="FF0000"/>
-            </a:solidFill>
-          </a:ln>
-        </p:spPr>
-        <p:style>
-          <a:lnRef idx="2">
-            <a:schemeClr val="accent1">
-              <a:shade val="50000"/>
-            </a:schemeClr>
-          </a:lnRef>
-          <a:fillRef idx="1">
-            <a:schemeClr val="accent1"/>
-          </a:fillRef>
-          <a:effectRef idx="0">
-            <a:schemeClr val="accent1"/>
-          </a:effectRef>
-          <a:fontRef idx="minor">
-            <a:schemeClr val="lt1"/>
-          </a:fontRef>
-        </p:style>
-        <p:txBody>
-          <a:bodyPr rtlCol="0" anchor="ctr"/>
-          <a:lstStyle/>
-          <a:p>
-            <a:pPr algn="ctr"/>
-            <a:endParaRPr lang="ko-KR" altLang="en-US"/>
-          </a:p>
-        </p:txBody>
-      </p:sp>
-      <p:sp>
-        <p:nvSpPr>
-          <p:cNvPr id="14" name="직사각형 13"/>
-          <p:cNvSpPr/>
-          <p:nvPr/>
-        </p:nvSpPr>
-        <p:spPr>
-          <a:xfrm>
-            <a:off x="106828" y="4853539"/>
-            <a:ext cx="1607671" cy="368300"/>
-          </a:xfrm>
-          <a:prstGeom prst="rect">
-            <a:avLst/>
-          </a:prstGeom>
-          <a:noFill/>
-          <a:ln w="38100">
-            <a:solidFill>
-              <a:srgbClr val="FF0000"/>
-            </a:solidFill>
-          </a:ln>
-        </p:spPr>
-        <p:style>
-          <a:lnRef idx="2">
-            <a:schemeClr val="accent1">
-              <a:shade val="50000"/>
-            </a:schemeClr>
-          </a:lnRef>
-          <a:fillRef idx="1">
-            <a:schemeClr val="accent1"/>
-          </a:fillRef>
-          <a:effectRef idx="0">
-            <a:schemeClr val="accent1"/>
-          </a:effectRef>
-          <a:fontRef idx="minor">
-            <a:schemeClr val="lt1"/>
-          </a:fontRef>
-        </p:style>
-        <p:txBody>
-          <a:bodyPr rtlCol="0" anchor="ctr"/>
-          <a:lstStyle/>
-          <a:p>
-            <a:pPr algn="ctr"/>
-            <a:endParaRPr lang="ko-KR" altLang="en-US"/>
-          </a:p>
-        </p:txBody>
-      </p:sp>
-      <p:sp>
-        <p:nvSpPr>
-          <p:cNvPr id="15" name="직사각형 14"/>
-          <p:cNvSpPr/>
-          <p:nvPr/>
-        </p:nvSpPr>
-        <p:spPr>
-          <a:xfrm>
-            <a:off x="3658288" y="4821789"/>
-            <a:ext cx="1607671" cy="368300"/>
-          </a:xfrm>
-          <a:prstGeom prst="rect">
-            <a:avLst/>
-          </a:prstGeom>
-          <a:noFill/>
-          <a:ln w="38100">
-            <a:solidFill>
-              <a:srgbClr val="FF0000"/>
-            </a:solidFill>
-          </a:ln>
-        </p:spPr>
-        <p:style>
-          <a:lnRef idx="2">
-            <a:schemeClr val="accent1">
-              <a:shade val="50000"/>
-            </a:schemeClr>
-          </a:lnRef>
-          <a:fillRef idx="1">
-            <a:schemeClr val="accent1"/>
-          </a:fillRef>
-          <a:effectRef idx="0">
-            <a:schemeClr val="accent1"/>
-          </a:effectRef>
-          <a:fontRef idx="minor">
-            <a:schemeClr val="lt1"/>
-          </a:fontRef>
-        </p:style>
-        <p:txBody>
-          <a:bodyPr rtlCol="0" anchor="ctr"/>
-          <a:lstStyle/>
-          <a:p>
-            <a:pPr algn="ctr"/>
-            <a:endParaRPr lang="ko-KR" altLang="en-US"/>
-          </a:p>
-        </p:txBody>
-      </p:sp>
-    </p:spTree>
-    <p:extLst>
-      <p:ext uri="{BB962C8B-B14F-4D97-AF65-F5344CB8AC3E}">
-        <p14:creationId xmlns:p14="http://schemas.microsoft.com/office/powerpoint/2010/main" val="464226573"/>
-      </p:ext>
-    </p:extLst>
-  </p:cSld>
-  <p:clrMapOvr>
-    <a:masterClrMapping/>
-  </p:clrMapOvr>
-  <p:timing>
-    <p:tnLst>
-      <p:par>
-        <p:cTn id="1" dur="indefinite" restart="never" nodeType="tmRoot"/>
+        <p:cTn id="1" dur="indefinite" restart="never" nodeType="tmRoot">
+          <p:childTnLst>
+            <p:seq concurrent="1" nextAc="seek">
+              <p:cTn id="2" dur="indefinite" nodeType="mainSeq">
+                <p:childTnLst>
+                  <p:par>
+                    <p:cTn id="3" fill="hold">
+                      <p:stCondLst>
+                        <p:cond delay="indefinite"/>
+                      </p:stCondLst>
+                      <p:childTnLst>
+                        <p:par>
+                          <p:cTn id="4" fill="hold">
+                            <p:stCondLst>
+                              <p:cond delay="0"/>
+                            </p:stCondLst>
+                            <p:childTnLst>
+                              <p:par>
+                                <p:cTn id="5" presetID="10" presetClass="entr" presetSubtype="0" fill="hold" nodeType="clickEffect">
+                                  <p:stCondLst>
+                                    <p:cond delay="0"/>
+                                  </p:stCondLst>
+                                  <p:childTnLst>
+                                    <p:set>
+                                      <p:cBhvr>
+                                        <p:cTn id="6" dur="1" fill="hold">
+                                          <p:stCondLst>
+                                            <p:cond delay="0"/>
+                                          </p:stCondLst>
+                                        </p:cTn>
+                                        <p:tgtEl>
+                                          <p:spTgt spid="6"/>
+                                        </p:tgtEl>
+                                        <p:attrNameLst>
+                                          <p:attrName>style.visibility</p:attrName>
+                                        </p:attrNameLst>
+                                      </p:cBhvr>
+                                      <p:to>
+                                        <p:strVal val="visible"/>
+                                      </p:to>
+                                    </p:set>
+                                    <p:animEffect transition="in" filter="fade">
+                                      <p:cBhvr>
+                                        <p:cTn id="7" dur="500"/>
+                                        <p:tgtEl>
+                                          <p:spTgt spid="6"/>
+                                        </p:tgtEl>
+                                      </p:cBhvr>
+                                    </p:animEffect>
+                                  </p:childTnLst>
+                                </p:cTn>
+                              </p:par>
+                            </p:childTnLst>
+                          </p:cTn>
+                        </p:par>
+                      </p:childTnLst>
+                    </p:cTn>
+                  </p:par>
+                </p:childTnLst>
+              </p:cTn>
+              <p:prevCondLst>
+                <p:cond evt="onPrev" delay="0">
+                  <p:tgtEl>
+                    <p:sldTgt/>
+                  </p:tgtEl>
+                </p:cond>
+              </p:prevCondLst>
+              <p:nextCondLst>
+                <p:cond evt="onNext" delay="0">
+                  <p:tgtEl>
+                    <p:sldTgt/>
+                  </p:tgtEl>
+                </p:cond>
+              </p:nextCondLst>
+            </p:seq>
+          </p:childTnLst>
+        </p:cTn>
       </p:par>
     </p:tnLst>
   </p:timing>
@@ -16252,7 +17100,7 @@
         <p:spPr>
           <a:xfrm>
             <a:off x="1260850" y="971176"/>
-            <a:ext cx="3587797" cy="494494"/>
+            <a:ext cx="3587797" cy="553998"/>
           </a:xfrm>
           <a:prstGeom prst="rect">
             <a:avLst/>
@@ -16278,7 +17126,7 @@
                   </a:prstClr>
                 </a:solidFill>
               </a:rPr>
-              <a:t>2. </a:t>
+              <a:t>5. </a:t>
             </a:r>
             <a:r>
               <a:rPr lang="ko-KR" altLang="en-US" sz="2000" b="1" dirty="0" smtClean="0">
@@ -16289,7 +17137,7 @@
                   </a:prstClr>
                 </a:solidFill>
               </a:rPr>
-              <a:t>장바구니의 연계성</a:t>
+              <a:t>매출관리</a:t>
             </a:r>
             <a:endParaRPr lang="en-US" altLang="ko-KR" sz="2000" b="1" dirty="0" smtClean="0">
               <a:solidFill>
@@ -16302,205 +17150,391 @@
           </a:p>
         </p:txBody>
       </p:sp>
+      <p:pic>
+        <p:nvPicPr>
+          <p:cNvPr id="4" name="그림 3"/>
+          <p:cNvPicPr>
+            <a:picLocks noChangeAspect="1"/>
+          </p:cNvPicPr>
+          <p:nvPr/>
+        </p:nvPicPr>
+        <p:blipFill>
+          <a:blip r:embed="rId3">
+            <a:extLst>
+              <a:ext uri="{28A0092B-C50C-407E-A947-70E740481C1C}">
+                <a14:useLocalDpi xmlns:a14="http://schemas.microsoft.com/office/drawing/2010/main" val="0"/>
+              </a:ext>
+            </a:extLst>
+          </a:blip>
+          <a:stretch>
+            <a:fillRect/>
+          </a:stretch>
+        </p:blipFill>
+        <p:spPr>
+          <a:xfrm>
+            <a:off x="3539684" y="1248175"/>
+            <a:ext cx="4505457" cy="4166701"/>
+          </a:xfrm>
+          <a:prstGeom prst="rect">
+            <a:avLst/>
+          </a:prstGeom>
+        </p:spPr>
+      </p:pic>
       <p:grpSp>
         <p:nvGrpSpPr>
-          <p:cNvPr id="10" name="그룹 9"/>
+          <p:cNvPr id="11" name="그룹 10"/>
           <p:cNvGrpSpPr/>
           <p:nvPr/>
         </p:nvGrpSpPr>
         <p:grpSpPr>
           <a:xfrm>
-            <a:off x="672352" y="1762125"/>
-            <a:ext cx="7562850" cy="2305050"/>
-            <a:chOff x="1885950" y="2076450"/>
-            <a:chExt cx="7562850" cy="2305050"/>
+            <a:off x="8233107" y="374670"/>
+            <a:ext cx="3958832" cy="5032773"/>
+            <a:chOff x="5419630" y="1461812"/>
+            <a:chExt cx="2762636" cy="3943902"/>
           </a:xfrm>
         </p:grpSpPr>
-        <p:grpSp>
-          <p:nvGrpSpPr>
-            <p:cNvPr id="7" name="그룹 6"/>
-            <p:cNvGrpSpPr/>
+        <p:pic>
+          <p:nvPicPr>
+            <p:cNvPr id="5" name="그림 4"/>
+            <p:cNvPicPr>
+              <a:picLocks noChangeAspect="1"/>
+            </p:cNvPicPr>
             <p:nvPr/>
-          </p:nvGrpSpPr>
-          <p:grpSpPr>
+          </p:nvPicPr>
+          <p:blipFill>
+            <a:blip r:embed="rId4">
+              <a:extLst>
+                <a:ext uri="{28A0092B-C50C-407E-A947-70E740481C1C}">
+                  <a14:useLocalDpi xmlns:a14="http://schemas.microsoft.com/office/drawing/2010/main" val="0"/>
+                </a:ext>
+              </a:extLst>
+            </a:blip>
+            <a:stretch>
+              <a:fillRect/>
+            </a:stretch>
+          </p:blipFill>
+          <p:spPr>
             <a:xfrm>
-              <a:off x="1885950" y="2914650"/>
-              <a:ext cx="7562850" cy="1466850"/>
-              <a:chOff x="876300" y="2495550"/>
-              <a:chExt cx="7562850" cy="1466850"/>
+              <a:off x="5419630" y="1461812"/>
+              <a:ext cx="1352739" cy="3943901"/>
             </a:xfrm>
-          </p:grpSpPr>
-          <p:sp>
-            <p:nvSpPr>
-              <p:cNvPr id="3" name="직사각형 2"/>
-              <p:cNvSpPr/>
-              <p:nvPr/>
-            </p:nvSpPr>
-            <p:spPr>
-              <a:xfrm>
-                <a:off x="876300" y="2495550"/>
-                <a:ext cx="7562850" cy="1466850"/>
-              </a:xfrm>
-              <a:prstGeom prst="rect">
-                <a:avLst/>
-              </a:prstGeom>
-            </p:spPr>
-            <p:style>
-              <a:lnRef idx="2">
-                <a:schemeClr val="accent1">
-                  <a:shade val="50000"/>
-                </a:schemeClr>
-              </a:lnRef>
-              <a:fillRef idx="1">
-                <a:schemeClr val="accent1"/>
-              </a:fillRef>
-              <a:effectRef idx="0">
-                <a:schemeClr val="accent1"/>
-              </a:effectRef>
-              <a:fontRef idx="minor">
-                <a:schemeClr val="lt1"/>
-              </a:fontRef>
-            </p:style>
-            <p:txBody>
-              <a:bodyPr rtlCol="0" anchor="ctr"/>
-              <a:lstStyle/>
-              <a:p>
-                <a:pPr algn="ctr"/>
-                <a:endParaRPr lang="ko-KR" altLang="en-US"/>
-              </a:p>
-            </p:txBody>
-          </p:sp>
-          <p:sp>
-            <p:nvSpPr>
-              <p:cNvPr id="6" name="모서리가 둥근 직사각형 5"/>
-              <p:cNvSpPr/>
-              <p:nvPr/>
-            </p:nvSpPr>
-            <p:spPr>
-              <a:xfrm>
-                <a:off x="1409700" y="2857500"/>
-                <a:ext cx="2773820" cy="762000"/>
-              </a:xfrm>
-              <a:prstGeom prst="roundRect">
-                <a:avLst/>
-              </a:prstGeom>
+            <a:prstGeom prst="rect">
+              <a:avLst/>
+            </a:prstGeom>
+          </p:spPr>
+        </p:pic>
+        <p:pic>
+          <p:nvPicPr>
+            <p:cNvPr id="8" name="그림 7"/>
+            <p:cNvPicPr>
+              <a:picLocks noChangeAspect="1"/>
+            </p:cNvPicPr>
+            <p:nvPr/>
+          </p:nvPicPr>
+          <p:blipFill>
+            <a:blip r:embed="rId5">
+              <a:extLst>
+                <a:ext uri="{28A0092B-C50C-407E-A947-70E740481C1C}">
+                  <a14:useLocalDpi xmlns:a14="http://schemas.microsoft.com/office/drawing/2010/main" val="0"/>
+                </a:ext>
+              </a:extLst>
+            </a:blip>
+            <a:stretch>
+              <a:fillRect/>
+            </a:stretch>
+          </p:blipFill>
+          <p:spPr>
+            <a:xfrm>
+              <a:off x="6772369" y="1461813"/>
+              <a:ext cx="1409897" cy="3943901"/>
+            </a:xfrm>
+            <a:prstGeom prst="rect">
+              <a:avLst/>
+            </a:prstGeom>
+          </p:spPr>
+        </p:pic>
+      </p:grpSp>
+      <p:pic>
+        <p:nvPicPr>
+          <p:cNvPr id="12" name="그림 11"/>
+          <p:cNvPicPr>
+            <a:picLocks noChangeAspect="1"/>
+          </p:cNvPicPr>
+          <p:nvPr/>
+        </p:nvPicPr>
+        <p:blipFill>
+          <a:blip r:embed="rId6">
+            <a:extLst>
+              <a:ext uri="{28A0092B-C50C-407E-A947-70E740481C1C}">
+                <a14:useLocalDpi xmlns:a14="http://schemas.microsoft.com/office/drawing/2010/main" val="0"/>
+              </a:ext>
+            </a:extLst>
+          </a:blip>
+          <a:stretch>
+            <a:fillRect/>
+          </a:stretch>
+        </p:blipFill>
+        <p:spPr>
+          <a:xfrm>
+            <a:off x="0" y="1621941"/>
+            <a:ext cx="3408386" cy="3699149"/>
+          </a:xfrm>
+          <a:prstGeom prst="rect">
+            <a:avLst/>
+          </a:prstGeom>
+        </p:spPr>
+      </p:pic>
+      <p:sp>
+        <p:nvSpPr>
+          <p:cNvPr id="17" name="모서리가 둥근 직사각형 16"/>
+          <p:cNvSpPr/>
+          <p:nvPr/>
+        </p:nvSpPr>
+        <p:spPr>
+          <a:xfrm>
+            <a:off x="227542" y="5234769"/>
+            <a:ext cx="2953301" cy="665019"/>
+          </a:xfrm>
+          <a:prstGeom prst="roundRect">
+            <a:avLst/>
+          </a:prstGeom>
+          <a:solidFill>
+            <a:schemeClr val="bg1"/>
+          </a:solidFill>
+        </p:spPr>
+        <p:style>
+          <a:lnRef idx="2">
+            <a:schemeClr val="accent1">
+              <a:shade val="50000"/>
+            </a:schemeClr>
+          </a:lnRef>
+          <a:fillRef idx="1">
+            <a:schemeClr val="accent1"/>
+          </a:fillRef>
+          <a:effectRef idx="0">
+            <a:schemeClr val="accent1"/>
+          </a:effectRef>
+          <a:fontRef idx="minor">
+            <a:schemeClr val="lt1"/>
+          </a:fontRef>
+        </p:style>
+        <p:txBody>
+          <a:bodyPr rtlCol="0" anchor="ctr"/>
+          <a:lstStyle/>
+          <a:p>
+            <a:pPr algn="ctr"/>
+            <a:r>
+              <a:rPr lang="ko-KR" altLang="en-US" dirty="0" smtClean="0">
+                <a:solidFill>
+                  <a:schemeClr val="tx1"/>
+                </a:solidFill>
+              </a:rPr>
+              <a:t>월별 매출</a:t>
+            </a:r>
+            <a:endParaRPr lang="ko-KR" altLang="en-US" dirty="0">
               <a:solidFill>
-                <a:schemeClr val="bg2"/>
+                <a:schemeClr val="tx1"/>
               </a:solidFill>
-            </p:spPr>
-            <p:style>
-              <a:lnRef idx="2">
-                <a:schemeClr val="accent1">
-                  <a:shade val="50000"/>
-                </a:schemeClr>
-              </a:lnRef>
-              <a:fillRef idx="1">
-                <a:schemeClr val="accent1"/>
-              </a:fillRef>
-              <a:effectRef idx="0">
-                <a:schemeClr val="accent1"/>
-              </a:effectRef>
-              <a:fontRef idx="minor">
-                <a:schemeClr val="lt1"/>
-              </a:fontRef>
-            </p:style>
-            <p:txBody>
-              <a:bodyPr rtlCol="0" anchor="ctr"/>
-              <a:lstStyle/>
-              <a:p>
-                <a:pPr algn="ctr"/>
-                <a:r>
-                  <a:rPr lang="en-US" altLang="ko-KR" dirty="0" smtClean="0">
-                    <a:solidFill>
-                      <a:schemeClr val="tx1"/>
-                    </a:solidFill>
-                  </a:rPr>
-                  <a:t>NULL</a:t>
-                </a:r>
-                <a:endParaRPr lang="ko-KR" altLang="en-US" dirty="0">
-                  <a:solidFill>
-                    <a:schemeClr val="tx1"/>
-                  </a:solidFill>
-                </a:endParaRPr>
-              </a:p>
-            </p:txBody>
-          </p:sp>
-          <p:sp>
-            <p:nvSpPr>
-              <p:cNvPr id="26" name="모서리가 둥근 직사각형 25"/>
-              <p:cNvSpPr/>
-              <p:nvPr/>
-            </p:nvSpPr>
-            <p:spPr>
-              <a:xfrm>
-                <a:off x="5134397" y="2857500"/>
-                <a:ext cx="2773820" cy="762000"/>
-              </a:xfrm>
-              <a:prstGeom prst="roundRect">
-                <a:avLst/>
-              </a:prstGeom>
+            </a:endParaRPr>
+          </a:p>
+        </p:txBody>
+      </p:sp>
+      <p:sp>
+        <p:nvSpPr>
+          <p:cNvPr id="18" name="모서리가 둥근 직사각형 17"/>
+          <p:cNvSpPr/>
+          <p:nvPr/>
+        </p:nvSpPr>
+        <p:spPr>
+          <a:xfrm>
+            <a:off x="4315761" y="5347617"/>
+            <a:ext cx="2953301" cy="665019"/>
+          </a:xfrm>
+          <a:prstGeom prst="roundRect">
+            <a:avLst/>
+          </a:prstGeom>
+          <a:solidFill>
+            <a:schemeClr val="bg1"/>
+          </a:solidFill>
+        </p:spPr>
+        <p:style>
+          <a:lnRef idx="2">
+            <a:schemeClr val="accent1">
+              <a:shade val="50000"/>
+            </a:schemeClr>
+          </a:lnRef>
+          <a:fillRef idx="1">
+            <a:schemeClr val="accent1"/>
+          </a:fillRef>
+          <a:effectRef idx="0">
+            <a:schemeClr val="accent1"/>
+          </a:effectRef>
+          <a:fontRef idx="minor">
+            <a:schemeClr val="lt1"/>
+          </a:fontRef>
+        </p:style>
+        <p:txBody>
+          <a:bodyPr rtlCol="0" anchor="ctr"/>
+          <a:lstStyle/>
+          <a:p>
+            <a:pPr algn="ctr"/>
+            <a:r>
+              <a:rPr lang="ko-KR" altLang="en-US" dirty="0" smtClean="0">
+                <a:solidFill>
+                  <a:schemeClr val="tx1"/>
+                </a:solidFill>
+              </a:rPr>
+              <a:t>각 </a:t>
+            </a:r>
+            <a:r>
+              <a:rPr lang="ko-KR" altLang="en-US" dirty="0" err="1" smtClean="0">
+                <a:solidFill>
+                  <a:schemeClr val="tx1"/>
+                </a:solidFill>
+              </a:rPr>
+              <a:t>메뉴별</a:t>
+            </a:r>
+            <a:r>
+              <a:rPr lang="ko-KR" altLang="en-US" dirty="0" smtClean="0">
+                <a:solidFill>
+                  <a:schemeClr val="tx1"/>
+                </a:solidFill>
+              </a:rPr>
+              <a:t> 매출</a:t>
+            </a:r>
+            <a:endParaRPr lang="ko-KR" altLang="en-US" dirty="0">
               <a:solidFill>
-                <a:schemeClr val="bg2"/>
+                <a:schemeClr val="tx1"/>
               </a:solidFill>
-            </p:spPr>
-            <p:style>
-              <a:lnRef idx="2">
-                <a:schemeClr val="accent1">
-                  <a:shade val="50000"/>
-                </a:schemeClr>
-              </a:lnRef>
-              <a:fillRef idx="1">
-                <a:schemeClr val="accent1"/>
-              </a:fillRef>
-              <a:effectRef idx="0">
-                <a:schemeClr val="accent1"/>
-              </a:effectRef>
-              <a:fontRef idx="minor">
-                <a:schemeClr val="lt1"/>
-              </a:fontRef>
-            </p:style>
-            <p:txBody>
-              <a:bodyPr rtlCol="0" anchor="ctr"/>
-              <a:lstStyle/>
-              <a:p>
-                <a:pPr algn="ctr"/>
-                <a:r>
-                  <a:rPr lang="en-US" altLang="ko-KR" dirty="0" smtClean="0">
-                    <a:solidFill>
-                      <a:schemeClr val="tx1"/>
-                    </a:solidFill>
-                  </a:rPr>
-                  <a:t>NULL</a:t>
-                </a:r>
-                <a:endParaRPr lang="ko-KR" altLang="en-US" dirty="0">
-                  <a:solidFill>
-                    <a:schemeClr val="tx1"/>
-                  </a:solidFill>
-                </a:endParaRPr>
-              </a:p>
-            </p:txBody>
-          </p:sp>
-        </p:grpSp>
+            </a:endParaRPr>
+          </a:p>
+        </p:txBody>
+      </p:sp>
+      <p:sp>
+        <p:nvSpPr>
+          <p:cNvPr id="19" name="모서리가 둥근 직사각형 18"/>
+          <p:cNvSpPr/>
+          <p:nvPr/>
+        </p:nvSpPr>
+        <p:spPr>
+          <a:xfrm>
+            <a:off x="8694919" y="5347617"/>
+            <a:ext cx="2953301" cy="665019"/>
+          </a:xfrm>
+          <a:prstGeom prst="roundRect">
+            <a:avLst/>
+          </a:prstGeom>
+          <a:solidFill>
+            <a:schemeClr val="bg1"/>
+          </a:solidFill>
+        </p:spPr>
+        <p:style>
+          <a:lnRef idx="2">
+            <a:schemeClr val="accent1">
+              <a:shade val="50000"/>
+            </a:schemeClr>
+          </a:lnRef>
+          <a:fillRef idx="1">
+            <a:schemeClr val="accent1"/>
+          </a:fillRef>
+          <a:effectRef idx="0">
+            <a:schemeClr val="accent1"/>
+          </a:effectRef>
+          <a:fontRef idx="minor">
+            <a:schemeClr val="lt1"/>
+          </a:fontRef>
+        </p:style>
+        <p:txBody>
+          <a:bodyPr rtlCol="0" anchor="ctr"/>
+          <a:lstStyle/>
+          <a:p>
+            <a:pPr algn="ctr"/>
+            <a:r>
+              <a:rPr lang="ko-KR" altLang="en-US" dirty="0" smtClean="0">
+                <a:solidFill>
+                  <a:schemeClr val="tx1"/>
+                </a:solidFill>
+              </a:rPr>
+              <a:t>종류별 매출</a:t>
+            </a:r>
+            <a:endParaRPr lang="ko-KR" altLang="en-US" dirty="0">
+              <a:solidFill>
+                <a:schemeClr val="tx1"/>
+              </a:solidFill>
+            </a:endParaRPr>
+          </a:p>
+        </p:txBody>
+      </p:sp>
+      <p:grpSp>
+        <p:nvGrpSpPr>
+          <p:cNvPr id="21" name="그룹 20"/>
+          <p:cNvGrpSpPr/>
+          <p:nvPr/>
+        </p:nvGrpSpPr>
+        <p:grpSpPr>
+          <a:xfrm>
+            <a:off x="3443555" y="1066331"/>
+            <a:ext cx="4739152" cy="5041392"/>
+            <a:chOff x="3408386" y="1066331"/>
+            <a:chExt cx="4739152" cy="5041392"/>
+          </a:xfrm>
+        </p:grpSpPr>
+        <p:cxnSp>
+          <p:nvCxnSpPr>
+            <p:cNvPr id="14" name="직선 연결선 13"/>
+            <p:cNvCxnSpPr/>
+            <p:nvPr/>
+          </p:nvCxnSpPr>
+          <p:spPr>
+            <a:xfrm>
+              <a:off x="3786554" y="3331525"/>
+              <a:ext cx="3482508" cy="0"/>
+            </a:xfrm>
+            <a:prstGeom prst="line">
+              <a:avLst/>
+            </a:prstGeom>
+            <a:ln w="38100">
+              <a:solidFill>
+                <a:srgbClr val="FF0000"/>
+              </a:solidFill>
+            </a:ln>
+          </p:spPr>
+          <p:style>
+            <a:lnRef idx="1">
+              <a:schemeClr val="accent1"/>
+            </a:lnRef>
+            <a:fillRef idx="0">
+              <a:schemeClr val="accent1"/>
+            </a:fillRef>
+            <a:effectRef idx="0">
+              <a:schemeClr val="accent1"/>
+            </a:effectRef>
+            <a:fontRef idx="minor">
+              <a:schemeClr val="tx1"/>
+            </a:fontRef>
+          </p:style>
+        </p:cxnSp>
         <p:sp>
           <p:nvSpPr>
-            <p:cNvPr id="9" name="모서리가 둥근 직사각형 8"/>
+            <p:cNvPr id="20" name="직사각형 19"/>
             <p:cNvSpPr/>
             <p:nvPr/>
           </p:nvSpPr>
           <p:spPr>
             <a:xfrm>
-              <a:off x="2419350" y="2076450"/>
-              <a:ext cx="6498517" cy="1028700"/>
+              <a:off x="3408386" y="1066331"/>
+              <a:ext cx="4739152" cy="5041392"/>
             </a:xfrm>
-            <a:prstGeom prst="roundRect">
+            <a:prstGeom prst="rect">
               <a:avLst/>
             </a:prstGeom>
-            <a:solidFill>
-              <a:schemeClr val="accent1">
-                <a:lumMod val="40000"/>
-                <a:lumOff val="60000"/>
-              </a:schemeClr>
-            </a:solidFill>
+            <a:noFill/>
+            <a:ln w="57150">
+              <a:solidFill>
+                <a:srgbClr val="FF0000"/>
+              </a:solidFill>
+            </a:ln>
           </p:spPr>
           <p:style>
             <a:lnRef idx="2">
@@ -16523,75 +17557,7 @@
             <a:lstStyle/>
             <a:p>
               <a:pPr algn="ctr"/>
-              <a:r>
-                <a:rPr lang="en-US" altLang="ko-KR" sz="2000" dirty="0" err="1" smtClean="0">
-                  <a:solidFill>
-                    <a:schemeClr val="tx1"/>
-                  </a:solidFill>
-                </a:rPr>
-                <a:t>HashMap</a:t>
-              </a:r>
-              <a:r>
-                <a:rPr lang="en-US" altLang="ko-KR" sz="2000" dirty="0" smtClean="0">
-                  <a:solidFill>
-                    <a:schemeClr val="tx1"/>
-                  </a:solidFill>
-                </a:rPr>
-                <a:t> &lt; </a:t>
-              </a:r>
-              <a:r>
-                <a:rPr lang="en-US" altLang="ko-KR" sz="2000" dirty="0" err="1" smtClean="0">
-                  <a:solidFill>
-                    <a:schemeClr val="tx1"/>
-                  </a:solidFill>
-                </a:rPr>
-                <a:t>MemberVO</a:t>
-              </a:r>
-              <a:r>
-                <a:rPr lang="en-US" altLang="ko-KR" sz="2000" dirty="0" smtClean="0">
-                  <a:solidFill>
-                    <a:schemeClr val="tx1"/>
-                  </a:solidFill>
-                </a:rPr>
-                <a:t> , </a:t>
-              </a:r>
-              <a:r>
-                <a:rPr lang="en-US" altLang="ko-KR" sz="2000" dirty="0" err="1" smtClean="0">
-                  <a:solidFill>
-                    <a:schemeClr val="tx1"/>
-                  </a:solidFill>
-                </a:rPr>
-                <a:t>ArrayList</a:t>
-              </a:r>
-              <a:r>
-                <a:rPr lang="en-US" altLang="ko-KR" sz="2000" dirty="0" smtClean="0">
-                  <a:solidFill>
-                    <a:schemeClr val="tx1"/>
-                  </a:solidFill>
-                </a:rPr>
-                <a:t>&lt;</a:t>
-              </a:r>
-              <a:r>
-                <a:rPr lang="en-US" altLang="ko-KR" sz="2000" dirty="0" err="1" smtClean="0">
-                  <a:solidFill>
-                    <a:schemeClr val="tx1"/>
-                  </a:solidFill>
-                </a:rPr>
-                <a:t>MenuVO</a:t>
-              </a:r>
-              <a:r>
-                <a:rPr lang="en-US" altLang="ko-KR" sz="2000" dirty="0" smtClean="0">
-                  <a:solidFill>
-                    <a:schemeClr val="tx1"/>
-                  </a:solidFill>
-                </a:rPr>
-                <a:t>&gt; &gt;</a:t>
-              </a:r>
-              <a:endParaRPr lang="ko-KR" altLang="en-US" sz="2000" dirty="0">
-                <a:solidFill>
-                  <a:schemeClr val="tx1"/>
-                </a:solidFill>
-              </a:endParaRPr>
+              <a:endParaRPr lang="ko-KR" altLang="en-US"/>
             </a:p>
           </p:txBody>
         </p:sp>
@@ -16609,7 +17575,83 @@
   <p:timing>
     <p:tnLst>
       <p:par>
-        <p:cTn id="1" dur="indefinite" restart="never" nodeType="tmRoot"/>
+        <p:cTn id="1" dur="indefinite" restart="never" nodeType="tmRoot">
+          <p:childTnLst>
+            <p:seq concurrent="1" nextAc="seek">
+              <p:cTn id="2" dur="indefinite" nodeType="mainSeq">
+                <p:childTnLst>
+                  <p:par>
+                    <p:cTn id="3" fill="hold">
+                      <p:stCondLst>
+                        <p:cond delay="indefinite"/>
+                      </p:stCondLst>
+                      <p:childTnLst>
+                        <p:par>
+                          <p:cTn id="4" fill="hold">
+                            <p:stCondLst>
+                              <p:cond delay="0"/>
+                            </p:stCondLst>
+                            <p:childTnLst>
+                              <p:par>
+                                <p:cTn id="5" presetID="10" presetClass="entr" presetSubtype="0" fill="hold" nodeType="clickEffect">
+                                  <p:stCondLst>
+                                    <p:cond delay="0"/>
+                                  </p:stCondLst>
+                                  <p:childTnLst>
+                                    <p:set>
+                                      <p:cBhvr>
+                                        <p:cTn id="6" dur="1" fill="hold">
+                                          <p:stCondLst>
+                                            <p:cond delay="0"/>
+                                          </p:stCondLst>
+                                        </p:cTn>
+                                        <p:tgtEl>
+                                          <p:spTgt spid="21"/>
+                                        </p:tgtEl>
+                                        <p:attrNameLst>
+                                          <p:attrName>style.visibility</p:attrName>
+                                        </p:attrNameLst>
+                                      </p:cBhvr>
+                                      <p:to>
+                                        <p:strVal val="visible"/>
+                                      </p:to>
+                                    </p:set>
+                                    <p:animEffect transition="in" filter="fade">
+                                      <p:cBhvr>
+                                        <p:cTn id="7" dur="500"/>
+                                        <p:tgtEl>
+                                          <p:spTgt spid="21"/>
+                                        </p:tgtEl>
+                                      </p:cBhvr>
+                                    </p:animEffect>
+                                  </p:childTnLst>
+                                </p:cTn>
+                              </p:par>
+                            </p:childTnLst>
+                          </p:cTn>
+                        </p:par>
+                      </p:childTnLst>
+                    </p:cTn>
+                  </p:par>
+                </p:childTnLst>
+              </p:cTn>
+              <p:prevCondLst>
+                <p:cond evt="onPrev" delay="0">
+                  <p:tgtEl>
+                    <p:sldTgt/>
+                  </p:tgtEl>
+                </p:cond>
+              </p:prevCondLst>
+              <p:nextCondLst>
+                <p:cond evt="onNext" delay="0">
+                  <p:tgtEl>
+                    <p:sldTgt/>
+                  </p:tgtEl>
+                </p:cond>
+              </p:nextCondLst>
+            </p:seq>
+          </p:childTnLst>
+        </p:cTn>
       </p:par>
     </p:tnLst>
   </p:timing>
@@ -16773,7 +17815,7 @@
                   </a:prstClr>
                 </a:solidFill>
               </a:rPr>
-              <a:t>1. </a:t>
+              <a:t>5. </a:t>
             </a:r>
             <a:r>
               <a:rPr lang="ko-KR" altLang="en-US" sz="2000" b="1" dirty="0" smtClean="0">
@@ -16784,29 +17826,7 @@
                   </a:prstClr>
                 </a:solidFill>
               </a:rPr>
-              <a:t>로그인 </a:t>
-            </a:r>
-            <a:r>
-              <a:rPr lang="ko-KR" altLang="en-US" sz="2000" b="1" dirty="0" err="1" smtClean="0">
-                <a:solidFill>
-                  <a:prstClr val="black">
-                    <a:lumMod val="75000"/>
-                    <a:lumOff val="25000"/>
-                  </a:prstClr>
-                </a:solidFill>
-              </a:rPr>
-              <a:t>비로그인의</a:t>
-            </a:r>
-            <a:r>
-              <a:rPr lang="ko-KR" altLang="en-US" sz="2000" b="1" dirty="0" smtClean="0">
-                <a:solidFill>
-                  <a:prstClr val="black">
-                    <a:lumMod val="75000"/>
-                    <a:lumOff val="25000"/>
-                  </a:prstClr>
-                </a:solidFill>
-              </a:rPr>
-              <a:t> 구분</a:t>
+              <a:t>매출관리</a:t>
             </a:r>
             <a:endParaRPr lang="en-US" altLang="ko-KR" sz="2000" b="1" dirty="0" smtClean="0">
               <a:solidFill>
@@ -16819,580 +17839,88 @@
           </a:p>
         </p:txBody>
       </p:sp>
-      <p:grpSp>
-        <p:nvGrpSpPr>
-          <p:cNvPr id="17" name="그룹 16"/>
-          <p:cNvGrpSpPr/>
+      <p:pic>
+        <p:nvPicPr>
+          <p:cNvPr id="2" name="그림 1"/>
+          <p:cNvPicPr>
+            <a:picLocks noChangeAspect="1"/>
+          </p:cNvPicPr>
           <p:nvPr/>
-        </p:nvGrpSpPr>
-        <p:grpSpPr>
+        </p:nvPicPr>
+        <p:blipFill>
+          <a:blip r:embed="rId3">
+            <a:extLst>
+              <a:ext uri="{28A0092B-C50C-407E-A947-70E740481C1C}">
+                <a14:useLocalDpi xmlns:a14="http://schemas.microsoft.com/office/drawing/2010/main" val="0"/>
+              </a:ext>
+            </a:extLst>
+          </a:blip>
+          <a:stretch>
+            <a:fillRect/>
+          </a:stretch>
+        </p:blipFill>
+        <p:spPr>
           <a:xfrm>
-            <a:off x="1143280" y="1525173"/>
-            <a:ext cx="5320145" cy="2298680"/>
-            <a:chOff x="581890" y="1525175"/>
-            <a:chExt cx="5320145" cy="2298680"/>
-          </a:xfrm>
-        </p:grpSpPr>
-        <p:sp>
-          <p:nvSpPr>
-            <p:cNvPr id="3" name="직사각형 2"/>
-            <p:cNvSpPr/>
-            <p:nvPr/>
-          </p:nvSpPr>
-          <p:spPr>
-            <a:xfrm>
-              <a:off x="581890" y="1525175"/>
-              <a:ext cx="5320145" cy="2298680"/>
-            </a:xfrm>
-            <a:prstGeom prst="rect">
-              <a:avLst/>
-            </a:prstGeom>
-          </p:spPr>
-          <p:style>
-            <a:lnRef idx="2">
-              <a:schemeClr val="accent1">
-                <a:shade val="50000"/>
-              </a:schemeClr>
-            </a:lnRef>
-            <a:fillRef idx="1">
-              <a:schemeClr val="accent1"/>
-            </a:fillRef>
-            <a:effectRef idx="0">
-              <a:schemeClr val="accent1"/>
-            </a:effectRef>
-            <a:fontRef idx="minor">
-              <a:schemeClr val="lt1"/>
-            </a:fontRef>
-          </p:style>
-          <p:txBody>
-            <a:bodyPr rtlCol="0" anchor="ctr"/>
-            <a:lstStyle/>
-            <a:p>
-              <a:pPr algn="ctr"/>
-              <a:endParaRPr lang="ko-KR" altLang="en-US"/>
-            </a:p>
-          </p:txBody>
-        </p:sp>
-        <p:sp>
-          <p:nvSpPr>
-            <p:cNvPr id="8" name="모서리가 둥근 직사각형 7"/>
-            <p:cNvSpPr/>
-            <p:nvPr/>
-          </p:nvSpPr>
-          <p:spPr>
-            <a:xfrm>
-              <a:off x="671953" y="2313709"/>
-              <a:ext cx="5140011" cy="665019"/>
-            </a:xfrm>
-            <a:prstGeom prst="roundRect">
-              <a:avLst/>
-            </a:prstGeom>
-            <a:solidFill>
-              <a:schemeClr val="bg1"/>
-            </a:solidFill>
-          </p:spPr>
-          <p:style>
-            <a:lnRef idx="2">
-              <a:schemeClr val="accent1">
-                <a:shade val="50000"/>
-              </a:schemeClr>
-            </a:lnRef>
-            <a:fillRef idx="1">
-              <a:schemeClr val="accent1"/>
-            </a:fillRef>
-            <a:effectRef idx="0">
-              <a:schemeClr val="accent1"/>
-            </a:effectRef>
-            <a:fontRef idx="minor">
-              <a:schemeClr val="lt1"/>
-            </a:fontRef>
-          </p:style>
-          <p:txBody>
-            <a:bodyPr rtlCol="0" anchor="ctr"/>
-            <a:lstStyle/>
-            <a:p>
-              <a:pPr algn="ctr"/>
-              <a:r>
-                <a:rPr lang="en-US" altLang="ko-KR" dirty="0" err="1" smtClean="0">
-                  <a:solidFill>
-                    <a:schemeClr val="tx1"/>
-                  </a:solidFill>
-                </a:rPr>
-                <a:t>HashMap</a:t>
-              </a:r>
-              <a:r>
-                <a:rPr lang="en-US" altLang="ko-KR" dirty="0" smtClean="0">
-                  <a:solidFill>
-                    <a:schemeClr val="tx1"/>
-                  </a:solidFill>
-                </a:rPr>
-                <a:t>&lt;null , null&gt; </a:t>
-              </a:r>
-              <a:endParaRPr lang="ko-KR" altLang="en-US" dirty="0">
-                <a:solidFill>
-                  <a:schemeClr val="tx1"/>
-                </a:solidFill>
-              </a:endParaRPr>
-            </a:p>
-          </p:txBody>
-        </p:sp>
-        <p:sp>
-          <p:nvSpPr>
-            <p:cNvPr id="21" name="모서리가 둥근 직사각형 20"/>
-            <p:cNvSpPr/>
-            <p:nvPr/>
-          </p:nvSpPr>
-          <p:spPr>
-            <a:xfrm>
-              <a:off x="672352" y="1602517"/>
-              <a:ext cx="5139611" cy="665019"/>
-            </a:xfrm>
-            <a:prstGeom prst="roundRect">
-              <a:avLst/>
-            </a:prstGeom>
-            <a:solidFill>
-              <a:schemeClr val="bg1"/>
-            </a:solidFill>
-          </p:spPr>
-          <p:style>
-            <a:lnRef idx="2">
-              <a:schemeClr val="accent1">
-                <a:shade val="50000"/>
-              </a:schemeClr>
-            </a:lnRef>
-            <a:fillRef idx="1">
-              <a:schemeClr val="accent1"/>
-            </a:fillRef>
-            <a:effectRef idx="0">
-              <a:schemeClr val="accent1"/>
-            </a:effectRef>
-            <a:fontRef idx="minor">
-              <a:schemeClr val="lt1"/>
-            </a:fontRef>
-          </p:style>
-          <p:txBody>
-            <a:bodyPr rtlCol="0" anchor="ctr"/>
-            <a:lstStyle/>
-            <a:p>
-              <a:pPr algn="ctr"/>
-              <a:r>
-                <a:rPr lang="en-US" altLang="ko-KR" dirty="0" err="1" smtClean="0">
-                  <a:solidFill>
-                    <a:schemeClr val="tx1"/>
-                  </a:solidFill>
-                </a:rPr>
-                <a:t>HashMap</a:t>
-              </a:r>
-              <a:r>
-                <a:rPr lang="en-US" altLang="ko-KR" dirty="0" smtClean="0">
-                  <a:solidFill>
-                    <a:schemeClr val="tx1"/>
-                  </a:solidFill>
-                </a:rPr>
-                <a:t>&lt;</a:t>
-              </a:r>
-              <a:r>
-                <a:rPr lang="ko-KR" altLang="en-US" dirty="0" smtClean="0">
-                  <a:solidFill>
-                    <a:schemeClr val="tx1"/>
-                  </a:solidFill>
-                </a:rPr>
-                <a:t>회원정보</a:t>
-              </a:r>
-              <a:r>
-                <a:rPr lang="en-US" altLang="ko-KR" dirty="0" smtClean="0">
-                  <a:solidFill>
-                    <a:schemeClr val="tx1"/>
-                  </a:solidFill>
-                </a:rPr>
-                <a:t> , </a:t>
-              </a:r>
-              <a:r>
-                <a:rPr lang="ko-KR" altLang="en-US" dirty="0" smtClean="0">
-                  <a:solidFill>
-                    <a:schemeClr val="tx1"/>
-                  </a:solidFill>
-                </a:rPr>
-                <a:t>장바구니</a:t>
-              </a:r>
-              <a:r>
-                <a:rPr lang="en-US" altLang="ko-KR" dirty="0" smtClean="0">
-                  <a:solidFill>
-                    <a:schemeClr val="tx1"/>
-                  </a:solidFill>
-                </a:rPr>
-                <a:t>&gt; </a:t>
-              </a:r>
-              <a:endParaRPr lang="ko-KR" altLang="en-US" dirty="0">
-                <a:solidFill>
-                  <a:schemeClr val="tx1"/>
-                </a:solidFill>
-              </a:endParaRPr>
-            </a:p>
-          </p:txBody>
-        </p:sp>
-        <p:sp>
-          <p:nvSpPr>
-            <p:cNvPr id="32" name="모서리가 둥근 직사각형 31"/>
-            <p:cNvSpPr/>
-            <p:nvPr/>
-          </p:nvSpPr>
-          <p:spPr>
-            <a:xfrm>
-              <a:off x="671956" y="3044535"/>
-              <a:ext cx="5140011" cy="665019"/>
-            </a:xfrm>
-            <a:prstGeom prst="roundRect">
-              <a:avLst/>
-            </a:prstGeom>
-            <a:solidFill>
-              <a:schemeClr val="accent2">
-                <a:lumMod val="60000"/>
-                <a:lumOff val="40000"/>
-              </a:schemeClr>
-            </a:solidFill>
-          </p:spPr>
-          <p:style>
-            <a:lnRef idx="2">
-              <a:schemeClr val="accent1">
-                <a:shade val="50000"/>
-              </a:schemeClr>
-            </a:lnRef>
-            <a:fillRef idx="1">
-              <a:schemeClr val="accent1"/>
-            </a:fillRef>
-            <a:effectRef idx="0">
-              <a:schemeClr val="accent1"/>
-            </a:effectRef>
-            <a:fontRef idx="minor">
-              <a:schemeClr val="lt1"/>
-            </a:fontRef>
-          </p:style>
-          <p:txBody>
-            <a:bodyPr rtlCol="0" anchor="ctr"/>
-            <a:lstStyle/>
-            <a:p>
-              <a:pPr algn="ctr"/>
-              <a:r>
-                <a:rPr lang="ko-KR" altLang="en-US" dirty="0" smtClean="0">
-                  <a:solidFill>
-                    <a:schemeClr val="tx1"/>
-                  </a:solidFill>
-                </a:rPr>
-                <a:t>회원정보 </a:t>
-              </a:r>
-              <a:r>
-                <a:rPr lang="en-US" altLang="ko-KR" dirty="0" smtClean="0">
-                  <a:solidFill>
-                    <a:schemeClr val="tx1"/>
-                  </a:solidFill>
-                </a:rPr>
-                <a:t>= null, </a:t>
-              </a:r>
-              <a:r>
-                <a:rPr lang="ko-KR" altLang="en-US" dirty="0" smtClean="0">
-                  <a:solidFill>
-                    <a:schemeClr val="tx1"/>
-                  </a:solidFill>
-                </a:rPr>
-                <a:t>장바구니 </a:t>
-              </a:r>
-              <a:r>
-                <a:rPr lang="en-US" altLang="ko-KR" dirty="0" smtClean="0">
-                  <a:solidFill>
-                    <a:schemeClr val="tx1"/>
-                  </a:solidFill>
-                </a:rPr>
-                <a:t>= null</a:t>
-              </a:r>
-              <a:endParaRPr lang="ko-KR" altLang="en-US" dirty="0">
-                <a:solidFill>
-                  <a:schemeClr val="tx1"/>
-                </a:solidFill>
-              </a:endParaRPr>
-            </a:p>
-          </p:txBody>
-        </p:sp>
-      </p:grpSp>
-      <p:grpSp>
-        <p:nvGrpSpPr>
-          <p:cNvPr id="12" name="그룹 11"/>
-          <p:cNvGrpSpPr/>
-          <p:nvPr/>
-        </p:nvGrpSpPr>
-        <p:grpSpPr>
-          <a:xfrm>
-            <a:off x="7720445" y="373049"/>
-            <a:ext cx="4000500" cy="875126"/>
-            <a:chOff x="7720445" y="1525175"/>
-            <a:chExt cx="4000500" cy="875126"/>
-          </a:xfrm>
-        </p:grpSpPr>
-        <p:sp>
-          <p:nvSpPr>
-            <p:cNvPr id="9" name="직사각형 8"/>
-            <p:cNvSpPr/>
-            <p:nvPr/>
-          </p:nvSpPr>
-          <p:spPr>
-            <a:xfrm>
-              <a:off x="7720445" y="1525175"/>
-              <a:ext cx="4000500" cy="875126"/>
-            </a:xfrm>
-            <a:prstGeom prst="rect">
-              <a:avLst/>
-            </a:prstGeom>
-          </p:spPr>
-          <p:style>
-            <a:lnRef idx="2">
-              <a:schemeClr val="accent1">
-                <a:shade val="50000"/>
-              </a:schemeClr>
-            </a:lnRef>
-            <a:fillRef idx="1">
-              <a:schemeClr val="accent1"/>
-            </a:fillRef>
-            <a:effectRef idx="0">
-              <a:schemeClr val="accent1"/>
-            </a:effectRef>
-            <a:fontRef idx="minor">
-              <a:schemeClr val="lt1"/>
-            </a:fontRef>
-          </p:style>
-          <p:txBody>
-            <a:bodyPr rtlCol="0" anchor="ctr"/>
-            <a:lstStyle/>
-            <a:p>
-              <a:pPr algn="ctr"/>
-              <a:endParaRPr lang="ko-KR" altLang="en-US"/>
-            </a:p>
-          </p:txBody>
-        </p:sp>
-        <p:sp>
-          <p:nvSpPr>
-            <p:cNvPr id="33" name="모서리가 둥근 직사각형 32"/>
-            <p:cNvSpPr/>
-            <p:nvPr/>
-          </p:nvSpPr>
-          <p:spPr>
-            <a:xfrm>
-              <a:off x="7720445" y="1627908"/>
-              <a:ext cx="4000500" cy="665019"/>
-            </a:xfrm>
-            <a:prstGeom prst="roundRect">
-              <a:avLst/>
-            </a:prstGeom>
-            <a:solidFill>
-              <a:schemeClr val="accent2">
-                <a:lumMod val="60000"/>
-                <a:lumOff val="40000"/>
-              </a:schemeClr>
-            </a:solidFill>
-          </p:spPr>
-          <p:style>
-            <a:lnRef idx="2">
-              <a:schemeClr val="accent1">
-                <a:shade val="50000"/>
-              </a:schemeClr>
-            </a:lnRef>
-            <a:fillRef idx="1">
-              <a:schemeClr val="accent1"/>
-            </a:fillRef>
-            <a:effectRef idx="0">
-              <a:schemeClr val="accent1"/>
-            </a:effectRef>
-            <a:fontRef idx="minor">
-              <a:schemeClr val="lt1"/>
-            </a:fontRef>
-          </p:style>
-          <p:txBody>
-            <a:bodyPr rtlCol="0" anchor="ctr"/>
-            <a:lstStyle/>
-            <a:p>
-              <a:pPr algn="ctr"/>
-              <a:r>
-                <a:rPr lang="en-US" altLang="ko-KR" dirty="0" err="1" smtClean="0">
-                  <a:solidFill>
-                    <a:schemeClr val="tx1"/>
-                  </a:solidFill>
-                </a:rPr>
-                <a:t>Map.size</a:t>
-              </a:r>
-              <a:r>
-                <a:rPr lang="en-US" altLang="ko-KR" dirty="0" smtClean="0">
-                  <a:solidFill>
-                    <a:schemeClr val="tx1"/>
-                  </a:solidFill>
-                </a:rPr>
-                <a:t>() == 0</a:t>
-              </a:r>
-            </a:p>
-            <a:p>
-              <a:pPr algn="ctr"/>
-              <a:r>
-                <a:rPr lang="en-US" altLang="ko-KR" dirty="0" err="1" smtClean="0">
-                  <a:solidFill>
-                    <a:schemeClr val="tx1"/>
-                  </a:solidFill>
-                </a:rPr>
-                <a:t>MemberVO</a:t>
-              </a:r>
-              <a:r>
-                <a:rPr lang="en-US" altLang="ko-KR" dirty="0" smtClean="0">
-                  <a:solidFill>
-                    <a:schemeClr val="tx1"/>
-                  </a:solidFill>
-                </a:rPr>
-                <a:t> = null</a:t>
-              </a:r>
-              <a:endParaRPr lang="ko-KR" altLang="en-US" dirty="0">
-                <a:solidFill>
-                  <a:schemeClr val="tx1"/>
-                </a:solidFill>
-              </a:endParaRPr>
-            </a:p>
-          </p:txBody>
-        </p:sp>
-      </p:grpSp>
-      <p:sp>
-        <p:nvSpPr>
-          <p:cNvPr id="10" name="TextBox 9"/>
-          <p:cNvSpPr txBox="1"/>
-          <p:nvPr/>
-        </p:nvSpPr>
-        <p:spPr>
-          <a:xfrm rot="20694089">
-            <a:off x="5774823" y="458424"/>
-            <a:ext cx="1880754" cy="369332"/>
+            <a:off x="5526107" y="1346559"/>
+            <a:ext cx="6520532" cy="4793633"/>
           </a:xfrm>
           <a:prstGeom prst="rect">
             <a:avLst/>
           </a:prstGeom>
-          <a:noFill/>
         </p:spPr>
-        <p:txBody>
-          <a:bodyPr wrap="square" rtlCol="0">
-            <a:spAutoFit/>
-          </a:bodyPr>
-          <a:lstStyle/>
-          <a:p>
-            <a:r>
-              <a:rPr lang="ko-KR" altLang="en-US" dirty="0" smtClean="0"/>
-              <a:t>주문하기페이지</a:t>
-            </a:r>
-            <a:endParaRPr lang="ko-KR" altLang="en-US" dirty="0"/>
-          </a:p>
-        </p:txBody>
-      </p:sp>
-      <p:grpSp>
-        <p:nvGrpSpPr>
-          <p:cNvPr id="14" name="그룹 13"/>
-          <p:cNvGrpSpPr/>
+      </p:pic>
+      <p:pic>
+        <p:nvPicPr>
+          <p:cNvPr id="8" name="그림 7"/>
+          <p:cNvPicPr>
+            <a:picLocks noChangeAspect="1"/>
+          </p:cNvPicPr>
           <p:nvPr/>
-        </p:nvGrpSpPr>
-        <p:grpSpPr>
-          <a:xfrm rot="20790866">
-            <a:off x="6180069" y="406511"/>
-            <a:ext cx="1433946" cy="1683328"/>
-            <a:chOff x="6089072" y="1693717"/>
-            <a:chExt cx="1433946" cy="1683328"/>
+        </p:nvPicPr>
+        <p:blipFill>
+          <a:blip r:embed="rId4">
+            <a:extLst>
+              <a:ext uri="{28A0092B-C50C-407E-A947-70E740481C1C}">
+                <a14:useLocalDpi xmlns:a14="http://schemas.microsoft.com/office/drawing/2010/main" val="0"/>
+              </a:ext>
+            </a:extLst>
+          </a:blip>
+          <a:stretch>
+            <a:fillRect/>
+          </a:stretch>
+        </p:blipFill>
+        <p:spPr>
+          <a:xfrm>
+            <a:off x="672352" y="2079141"/>
+            <a:ext cx="3408386" cy="3699149"/>
           </a:xfrm>
-        </p:grpSpPr>
-        <p:sp>
-          <p:nvSpPr>
-            <p:cNvPr id="4" name="오른쪽 화살표 3"/>
-            <p:cNvSpPr/>
-            <p:nvPr/>
-          </p:nvSpPr>
-          <p:spPr>
-            <a:xfrm>
-              <a:off x="6089072" y="2267536"/>
-              <a:ext cx="1433946" cy="498764"/>
-            </a:xfrm>
-            <a:prstGeom prst="rightArrow">
-              <a:avLst/>
-            </a:prstGeom>
-          </p:spPr>
-          <p:style>
-            <a:lnRef idx="2">
-              <a:schemeClr val="accent1">
-                <a:shade val="50000"/>
-              </a:schemeClr>
-            </a:lnRef>
-            <a:fillRef idx="1">
-              <a:schemeClr val="accent1"/>
-            </a:fillRef>
-            <a:effectRef idx="0">
-              <a:schemeClr val="accent1"/>
-            </a:effectRef>
-            <a:fontRef idx="minor">
-              <a:schemeClr val="lt1"/>
-            </a:fontRef>
-          </p:style>
-          <p:txBody>
-            <a:bodyPr rtlCol="0" anchor="ctr"/>
-            <a:lstStyle/>
-            <a:p>
-              <a:pPr algn="ctr"/>
-              <a:endParaRPr lang="ko-KR" altLang="en-US"/>
-            </a:p>
-          </p:txBody>
-        </p:sp>
-        <p:sp>
-          <p:nvSpPr>
-            <p:cNvPr id="11" name="곱셈 기호 10"/>
-            <p:cNvSpPr/>
-            <p:nvPr/>
-          </p:nvSpPr>
-          <p:spPr>
-            <a:xfrm>
-              <a:off x="6192982" y="1693717"/>
-              <a:ext cx="1174173" cy="1683328"/>
-            </a:xfrm>
-            <a:prstGeom prst="mathMultiply">
-              <a:avLst/>
-            </a:prstGeom>
-          </p:spPr>
-          <p:style>
-            <a:lnRef idx="2">
-              <a:schemeClr val="accent1">
-                <a:shade val="50000"/>
-              </a:schemeClr>
-            </a:lnRef>
-            <a:fillRef idx="1">
-              <a:schemeClr val="accent1"/>
-            </a:fillRef>
-            <a:effectRef idx="0">
-              <a:schemeClr val="accent1"/>
-            </a:effectRef>
-            <a:fontRef idx="minor">
-              <a:schemeClr val="lt1"/>
-            </a:fontRef>
-          </p:style>
-          <p:txBody>
-            <a:bodyPr rtlCol="0" anchor="ctr"/>
-            <a:lstStyle/>
-            <a:p>
-              <a:pPr algn="ctr"/>
-              <a:endParaRPr lang="ko-KR" altLang="en-US"/>
-            </a:p>
-          </p:txBody>
-        </p:sp>
-      </p:grpSp>
+          <a:prstGeom prst="rect">
+            <a:avLst/>
+          </a:prstGeom>
+        </p:spPr>
+      </p:pic>
       <p:sp>
         <p:nvSpPr>
-          <p:cNvPr id="38" name="직사각형 37"/>
+          <p:cNvPr id="10" name="오른쪽 화살표 9"/>
           <p:cNvSpPr/>
           <p:nvPr/>
         </p:nvSpPr>
         <p:spPr>
           <a:xfrm>
-            <a:off x="582284" y="4046113"/>
-            <a:ext cx="5320145" cy="2298680"/>
+            <a:off x="4300140" y="3629628"/>
+            <a:ext cx="1097013" cy="244186"/>
           </a:xfrm>
-          <a:prstGeom prst="rect">
+          <a:prstGeom prst="rightArrow">
             <a:avLst/>
           </a:prstGeom>
+          <a:solidFill>
+            <a:srgbClr val="FF0000"/>
+          </a:solidFill>
+          <a:ln>
+            <a:solidFill>
+              <a:schemeClr val="tx1"/>
+            </a:solidFill>
+          </a:ln>
         </p:spPr>
         <p:style>
           <a:lnRef idx="2">
@@ -17421,23 +17949,20 @@
       </p:sp>
       <p:sp>
         <p:nvSpPr>
-          <p:cNvPr id="39" name="모서리가 둥근 직사각형 38"/>
+          <p:cNvPr id="11" name="모서리가 둥근 직사각형 10"/>
           <p:cNvSpPr/>
           <p:nvPr/>
         </p:nvSpPr>
         <p:spPr>
           <a:xfrm>
-            <a:off x="671955" y="4910877"/>
-            <a:ext cx="5140011" cy="665019"/>
+            <a:off x="899894" y="5741189"/>
+            <a:ext cx="2953301" cy="665019"/>
           </a:xfrm>
           <a:prstGeom prst="roundRect">
             <a:avLst/>
           </a:prstGeom>
           <a:solidFill>
-            <a:schemeClr val="accent2">
-              <a:lumMod val="60000"/>
-              <a:lumOff val="40000"/>
-            </a:schemeClr>
+            <a:schemeClr val="bg1"/>
           </a:solidFill>
         </p:spPr>
         <p:style>
@@ -17467,79 +17992,7 @@
                   <a:schemeClr val="tx1"/>
                 </a:solidFill>
               </a:rPr>
-              <a:t>회원정보 </a:t>
-            </a:r>
-            <a:r>
-              <a:rPr lang="en-US" altLang="ko-KR" dirty="0" smtClean="0">
-                <a:solidFill>
-                  <a:schemeClr val="tx1"/>
-                </a:solidFill>
-              </a:rPr>
-              <a:t>= </a:t>
-            </a:r>
-            <a:r>
-              <a:rPr lang="en-US" altLang="ko-KR" dirty="0" err="1" smtClean="0">
-                <a:solidFill>
-                  <a:schemeClr val="tx1"/>
-                </a:solidFill>
-              </a:rPr>
-              <a:t>MemberVO</a:t>
-            </a:r>
-            <a:endParaRPr lang="en-US" altLang="ko-KR" dirty="0">
-              <a:solidFill>
-                <a:schemeClr val="tx1"/>
-              </a:solidFill>
-            </a:endParaRPr>
-          </a:p>
-          <a:p>
-            <a:pPr algn="ctr"/>
-            <a:r>
-              <a:rPr lang="ko-KR" altLang="en-US" dirty="0" smtClean="0">
-                <a:solidFill>
-                  <a:schemeClr val="tx1"/>
-                </a:solidFill>
-              </a:rPr>
-              <a:t>장바구니 </a:t>
-            </a:r>
-            <a:r>
-              <a:rPr lang="en-US" altLang="ko-KR" dirty="0" smtClean="0">
-                <a:solidFill>
-                  <a:schemeClr val="tx1"/>
-                </a:solidFill>
-              </a:rPr>
-              <a:t>= </a:t>
-            </a:r>
-            <a:r>
-              <a:rPr lang="en-US" altLang="ko-KR" dirty="0" err="1" smtClean="0">
-                <a:solidFill>
-                  <a:schemeClr val="tx1"/>
-                </a:solidFill>
-              </a:rPr>
-              <a:t>ArrayList</a:t>
-            </a:r>
-            <a:r>
-              <a:rPr lang="en-US" altLang="ko-KR" dirty="0" smtClean="0">
-                <a:solidFill>
-                  <a:schemeClr val="tx1"/>
-                </a:solidFill>
-              </a:rPr>
-              <a:t>&lt;</a:t>
-            </a:r>
-            <a:r>
-              <a:rPr lang="en-US" altLang="ko-KR" dirty="0" err="1" smtClean="0">
-                <a:solidFill>
-                  <a:schemeClr val="tx1"/>
-                </a:solidFill>
-              </a:rPr>
-              <a:t>MenuVO</a:t>
-            </a:r>
-            <a:r>
-              <a:rPr lang="en-US" altLang="ko-KR" dirty="0">
-                <a:solidFill>
-                  <a:schemeClr val="tx1"/>
-                </a:solidFill>
-              </a:rPr>
-              <a:t>&gt;</a:t>
+              <a:t>월별 매출</a:t>
             </a:r>
             <a:endParaRPr lang="ko-KR" altLang="en-US" dirty="0">
               <a:solidFill>
@@ -17549,54 +18002,111 @@
           </a:p>
         </p:txBody>
       </p:sp>
-      <p:sp>
-        <p:nvSpPr>
-          <p:cNvPr id="18" name="모서리가 둥근 직사각형 17"/>
-          <p:cNvSpPr/>
+      <p:grpSp>
+        <p:nvGrpSpPr>
+          <p:cNvPr id="12" name="그룹 11"/>
+          <p:cNvGrpSpPr/>
           <p:nvPr/>
-        </p:nvSpPr>
-        <p:spPr>
+        </p:nvGrpSpPr>
+        <p:grpSpPr>
           <a:xfrm>
-            <a:off x="176645" y="1787236"/>
-            <a:ext cx="845331" cy="1714500"/>
+            <a:off x="1718896" y="3674918"/>
+            <a:ext cx="3696448" cy="1905000"/>
+            <a:chOff x="672351" y="4419601"/>
+            <a:chExt cx="3696448" cy="1905000"/>
           </a:xfrm>
-          <a:prstGeom prst="roundRect">
-            <a:avLst/>
-          </a:prstGeom>
-        </p:spPr>
-        <p:style>
-          <a:lnRef idx="2">
-            <a:schemeClr val="accent1">
-              <a:shade val="50000"/>
-            </a:schemeClr>
-          </a:lnRef>
-          <a:fillRef idx="1">
-            <a:schemeClr val="accent1"/>
-          </a:fillRef>
-          <a:effectRef idx="0">
-            <a:schemeClr val="accent1"/>
-          </a:effectRef>
-          <a:fontRef idx="minor">
-            <a:schemeClr val="lt1"/>
-          </a:fontRef>
-        </p:style>
-        <p:txBody>
-          <a:bodyPr rtlCol="0" anchor="ctr"/>
-          <a:lstStyle/>
-          <a:p>
-            <a:pPr algn="ctr"/>
-            <a:r>
-              <a:rPr lang="ko-KR" altLang="en-US" dirty="0" smtClean="0"/>
-              <a:t>로그아웃 상태</a:t>
-            </a:r>
-            <a:endParaRPr lang="ko-KR" altLang="en-US" dirty="0"/>
-          </a:p>
-        </p:txBody>
-      </p:sp>
+        </p:grpSpPr>
+        <p:sp>
+          <p:nvSpPr>
+            <p:cNvPr id="13" name="폭발 2 12"/>
+            <p:cNvSpPr/>
+            <p:nvPr/>
+          </p:nvSpPr>
+          <p:spPr>
+            <a:xfrm>
+              <a:off x="672351" y="4419601"/>
+              <a:ext cx="3696448" cy="1905000"/>
+            </a:xfrm>
+            <a:prstGeom prst="irregularSeal2">
+              <a:avLst/>
+            </a:prstGeom>
+            <a:solidFill>
+              <a:srgbClr val="FFFF00"/>
+            </a:solidFill>
+          </p:spPr>
+          <p:style>
+            <a:lnRef idx="2">
+              <a:schemeClr val="accent1">
+                <a:shade val="50000"/>
+              </a:schemeClr>
+            </a:lnRef>
+            <a:fillRef idx="1">
+              <a:schemeClr val="accent1"/>
+            </a:fillRef>
+            <a:effectRef idx="0">
+              <a:schemeClr val="accent1"/>
+            </a:effectRef>
+            <a:fontRef idx="minor">
+              <a:schemeClr val="lt1"/>
+            </a:fontRef>
+          </p:style>
+          <p:txBody>
+            <a:bodyPr rtlCol="0" anchor="ctr"/>
+            <a:lstStyle/>
+            <a:p>
+              <a:pPr algn="ctr"/>
+              <a:endParaRPr lang="ko-KR" altLang="en-US"/>
+            </a:p>
+          </p:txBody>
+        </p:sp>
+        <p:sp>
+          <p:nvSpPr>
+            <p:cNvPr id="14" name="TextBox 13"/>
+            <p:cNvSpPr txBox="1"/>
+            <p:nvPr/>
+          </p:nvSpPr>
+          <p:spPr>
+            <a:xfrm rot="20538356">
+              <a:off x="1002150" y="5016355"/>
+              <a:ext cx="2730404" cy="830997"/>
+            </a:xfrm>
+            <a:prstGeom prst="rect">
+              <a:avLst/>
+            </a:prstGeom>
+            <a:noFill/>
+          </p:spPr>
+          <p:txBody>
+            <a:bodyPr wrap="square" rtlCol="0">
+              <a:spAutoFit/>
+            </a:bodyPr>
+            <a:lstStyle/>
+            <a:p>
+              <a:pPr algn="ctr"/>
+              <a:r>
+                <a:rPr lang="ko-KR" altLang="en-US" sz="2400" dirty="0" smtClean="0"/>
+                <a:t>그래프를 통한</a:t>
+              </a:r>
+              <a:endParaRPr lang="en-US" altLang="ko-KR" sz="2400" dirty="0" smtClean="0"/>
+            </a:p>
+            <a:p>
+              <a:pPr algn="ctr"/>
+              <a:r>
+                <a:rPr lang="ko-KR" altLang="en-US" sz="2400" dirty="0" smtClean="0"/>
+                <a:t>시각</a:t>
+              </a:r>
+              <a:r>
+                <a:rPr lang="ko-KR" altLang="en-US" sz="2400" dirty="0"/>
+                <a:t>화</a:t>
+              </a:r>
+              <a:endParaRPr lang="ko-KR" altLang="en-US" sz="2400" dirty="0"/>
+            </a:p>
+          </p:txBody>
+        </p:sp>
+      </p:grpSp>
     </p:spTree>
     <p:extLst>
       <p:ext uri="{BB962C8B-B14F-4D97-AF65-F5344CB8AC3E}">
-        <p14:creationId xmlns:p14="http://schemas.microsoft.com/office/powerpoint/2010/main" val="3691261172"/>
+        <p14:creationId xmlns:p14="http://schemas.microsoft.com/office/powerpoint/2010/main" val="2016093056"/>
       </p:ext>
     </p:extLst>
   </p:cSld>
@@ -17606,9 +18116,176 @@
   <p:timing>
     <p:tnLst>
       <p:par>
-        <p:cTn id="1" dur="indefinite" restart="never" nodeType="tmRoot"/>
+        <p:cTn id="1" dur="indefinite" restart="never" nodeType="tmRoot">
+          <p:childTnLst>
+            <p:seq concurrent="1" nextAc="seek">
+              <p:cTn id="2" dur="indefinite" nodeType="mainSeq">
+                <p:childTnLst>
+                  <p:par>
+                    <p:cTn id="3" fill="hold">
+                      <p:stCondLst>
+                        <p:cond delay="indefinite"/>
+                      </p:stCondLst>
+                      <p:childTnLst>
+                        <p:par>
+                          <p:cTn id="4" fill="hold">
+                            <p:stCondLst>
+                              <p:cond delay="0"/>
+                            </p:stCondLst>
+                            <p:childTnLst>
+                              <p:par>
+                                <p:cTn id="5" presetID="10" presetClass="entr" presetSubtype="0" fill="hold" nodeType="clickEffect">
+                                  <p:stCondLst>
+                                    <p:cond delay="0"/>
+                                  </p:stCondLst>
+                                  <p:childTnLst>
+                                    <p:set>
+                                      <p:cBhvr>
+                                        <p:cTn id="6" dur="1" fill="hold">
+                                          <p:stCondLst>
+                                            <p:cond delay="0"/>
+                                          </p:stCondLst>
+                                        </p:cTn>
+                                        <p:tgtEl>
+                                          <p:spTgt spid="12"/>
+                                        </p:tgtEl>
+                                        <p:attrNameLst>
+                                          <p:attrName>style.visibility</p:attrName>
+                                        </p:attrNameLst>
+                                      </p:cBhvr>
+                                      <p:to>
+                                        <p:strVal val="visible"/>
+                                      </p:to>
+                                    </p:set>
+                                    <p:animEffect transition="in" filter="fade">
+                                      <p:cBhvr>
+                                        <p:cTn id="7" dur="500"/>
+                                        <p:tgtEl>
+                                          <p:spTgt spid="12"/>
+                                        </p:tgtEl>
+                                      </p:cBhvr>
+                                    </p:animEffect>
+                                  </p:childTnLst>
+                                </p:cTn>
+                              </p:par>
+                              <p:par>
+                                <p:cTn id="8" presetID="10" presetClass="entr" presetSubtype="0" fill="hold" grpId="0" nodeType="withEffect">
+                                  <p:stCondLst>
+                                    <p:cond delay="0"/>
+                                  </p:stCondLst>
+                                  <p:childTnLst>
+                                    <p:set>
+                                      <p:cBhvr>
+                                        <p:cTn id="9" dur="1" fill="hold">
+                                          <p:stCondLst>
+                                            <p:cond delay="0"/>
+                                          </p:stCondLst>
+                                        </p:cTn>
+                                        <p:tgtEl>
+                                          <p:spTgt spid="10"/>
+                                        </p:tgtEl>
+                                        <p:attrNameLst>
+                                          <p:attrName>style.visibility</p:attrName>
+                                        </p:attrNameLst>
+                                      </p:cBhvr>
+                                      <p:to>
+                                        <p:strVal val="visible"/>
+                                      </p:to>
+                                    </p:set>
+                                    <p:animEffect transition="in" filter="fade">
+                                      <p:cBhvr>
+                                        <p:cTn id="10" dur="500"/>
+                                        <p:tgtEl>
+                                          <p:spTgt spid="10"/>
+                                        </p:tgtEl>
+                                      </p:cBhvr>
+                                    </p:animEffect>
+                                  </p:childTnLst>
+                                </p:cTn>
+                              </p:par>
+                            </p:childTnLst>
+                          </p:cTn>
+                        </p:par>
+                      </p:childTnLst>
+                    </p:cTn>
+                  </p:par>
+                  <p:par>
+                    <p:cTn id="11" fill="hold">
+                      <p:stCondLst>
+                        <p:cond delay="indefinite"/>
+                      </p:stCondLst>
+                      <p:childTnLst>
+                        <p:par>
+                          <p:cTn id="12" fill="hold">
+                            <p:stCondLst>
+                              <p:cond delay="0"/>
+                            </p:stCondLst>
+                            <p:childTnLst>
+                              <p:par>
+                                <p:cTn id="13" presetID="10" presetClass="entr" presetSubtype="0" fill="hold" nodeType="clickEffect">
+                                  <p:stCondLst>
+                                    <p:cond delay="0"/>
+                                  </p:stCondLst>
+                                  <p:childTnLst>
+                                    <p:set>
+                                      <p:cBhvr>
+                                        <p:cTn id="14" dur="1" fill="hold">
+                                          <p:stCondLst>
+                                            <p:cond delay="0"/>
+                                          </p:stCondLst>
+                                        </p:cTn>
+                                        <p:tgtEl>
+                                          <p:spTgt spid="2"/>
+                                        </p:tgtEl>
+                                        <p:attrNameLst>
+                                          <p:attrName>style.visibility</p:attrName>
+                                        </p:attrNameLst>
+                                      </p:cBhvr>
+                                      <p:to>
+                                        <p:strVal val="visible"/>
+                                      </p:to>
+                                    </p:set>
+                                    <p:animEffect transition="in" filter="fade">
+                                      <p:cBhvr>
+                                        <p:cTn id="15" dur="500"/>
+                                        <p:tgtEl>
+                                          <p:spTgt spid="2"/>
+                                        </p:tgtEl>
+                                      </p:cBhvr>
+                                    </p:animEffect>
+                                  </p:childTnLst>
+                                </p:cTn>
+                              </p:par>
+                            </p:childTnLst>
+                          </p:cTn>
+                        </p:par>
+                      </p:childTnLst>
+                    </p:cTn>
+                  </p:par>
+                </p:childTnLst>
+              </p:cTn>
+              <p:prevCondLst>
+                <p:cond evt="onPrev" delay="0">
+                  <p:tgtEl>
+                    <p:sldTgt/>
+                  </p:tgtEl>
+                </p:cond>
+              </p:prevCondLst>
+              <p:nextCondLst>
+                <p:cond evt="onNext" delay="0">
+                  <p:tgtEl>
+                    <p:sldTgt/>
+                  </p:tgtEl>
+                </p:cond>
+              </p:nextCondLst>
+            </p:seq>
+          </p:childTnLst>
+        </p:cTn>
       </p:par>
     </p:tnLst>
+    <p:bldLst>
+      <p:bldP spid="10" grpId="0" animBg="1"/>
+    </p:bldLst>
   </p:timing>
 </p:sld>
 </file>
@@ -17737,404 +18414,145 @@
       </p:sp>
       <p:sp>
         <p:nvSpPr>
-          <p:cNvPr id="5" name="직사각형 4"/>
+          <p:cNvPr id="16" name="직사각형 15"/>
           <p:cNvSpPr/>
           <p:nvPr/>
         </p:nvSpPr>
         <p:spPr>
           <a:xfrm>
-            <a:off x="5400950" y="495152"/>
-            <a:ext cx="1199598" cy="952048"/>
+            <a:off x="1260850" y="971176"/>
+            <a:ext cx="3587797" cy="553998"/>
           </a:xfrm>
           <a:prstGeom prst="rect">
             <a:avLst/>
           </a:prstGeom>
         </p:spPr>
-        <p:style>
-          <a:lnRef idx="2">
-            <a:schemeClr val="accent1">
-              <a:shade val="50000"/>
-            </a:schemeClr>
-          </a:lnRef>
-          <a:fillRef idx="1">
-            <a:schemeClr val="accent1"/>
-          </a:fillRef>
-          <a:effectRef idx="0">
-            <a:schemeClr val="accent1"/>
-          </a:effectRef>
-          <a:fontRef idx="minor">
-            <a:schemeClr val="lt1"/>
-          </a:fontRef>
-        </p:style>
         <p:txBody>
-          <a:bodyPr rtlCol="0" anchor="ctr"/>
+          <a:bodyPr wrap="square">
+            <a:spAutoFit/>
+          </a:bodyPr>
           <a:lstStyle/>
           <a:p>
-            <a:pPr algn="ctr"/>
+            <a:pPr>
+              <a:lnSpc>
+                <a:spcPct val="150000"/>
+              </a:lnSpc>
+            </a:pPr>
             <a:r>
-              <a:rPr lang="ko-KR" altLang="en-US" dirty="0" smtClean="0"/>
-              <a:t>매출</a:t>
+              <a:rPr lang="en-US" altLang="ko-KR" sz="2000" b="1" dirty="0" smtClean="0">
+                <a:solidFill>
+                  <a:prstClr val="black">
+                    <a:lumMod val="75000"/>
+                    <a:lumOff val="25000"/>
+                  </a:prstClr>
+                </a:solidFill>
+              </a:rPr>
+              <a:t>5. </a:t>
             </a:r>
-            <a:endParaRPr lang="ko-KR" altLang="en-US" dirty="0"/>
+            <a:r>
+              <a:rPr lang="ko-KR" altLang="en-US" sz="2000" b="1" dirty="0" smtClean="0">
+                <a:solidFill>
+                  <a:prstClr val="black">
+                    <a:lumMod val="75000"/>
+                    <a:lumOff val="25000"/>
+                  </a:prstClr>
+                </a:solidFill>
+              </a:rPr>
+              <a:t>매출관리</a:t>
+            </a:r>
+            <a:endParaRPr lang="en-US" altLang="ko-KR" sz="2000" b="1" dirty="0" smtClean="0">
+              <a:solidFill>
+                <a:prstClr val="black">
+                  <a:lumMod val="75000"/>
+                  <a:lumOff val="25000"/>
+                </a:prstClr>
+              </a:solidFill>
+            </a:endParaRPr>
           </a:p>
         </p:txBody>
       </p:sp>
+      <p:pic>
+        <p:nvPicPr>
+          <p:cNvPr id="5" name="그림 4"/>
+          <p:cNvPicPr>
+            <a:picLocks noChangeAspect="1"/>
+          </p:cNvPicPr>
+          <p:nvPr/>
+        </p:nvPicPr>
+        <p:blipFill>
+          <a:blip r:embed="rId3">
+            <a:extLst>
+              <a:ext uri="{28A0092B-C50C-407E-A947-70E740481C1C}">
+                <a14:useLocalDpi xmlns:a14="http://schemas.microsoft.com/office/drawing/2010/main" val="0"/>
+              </a:ext>
+            </a:extLst>
+          </a:blip>
+          <a:stretch>
+            <a:fillRect/>
+          </a:stretch>
+        </p:blipFill>
+        <p:spPr>
+          <a:xfrm>
+            <a:off x="5313990" y="971175"/>
+            <a:ext cx="6878010" cy="5391903"/>
+          </a:xfrm>
+          <a:prstGeom prst="rect">
+            <a:avLst/>
+          </a:prstGeom>
+        </p:spPr>
+      </p:pic>
+      <p:pic>
+        <p:nvPicPr>
+          <p:cNvPr id="6" name="그림 5"/>
+          <p:cNvPicPr>
+            <a:picLocks noChangeAspect="1"/>
+          </p:cNvPicPr>
+          <p:nvPr/>
+        </p:nvPicPr>
+        <p:blipFill>
+          <a:blip r:embed="rId4">
+            <a:extLst>
+              <a:ext uri="{28A0092B-C50C-407E-A947-70E740481C1C}">
+                <a14:useLocalDpi xmlns:a14="http://schemas.microsoft.com/office/drawing/2010/main" val="0"/>
+              </a:ext>
+            </a:extLst>
+          </a:blip>
+          <a:stretch>
+            <a:fillRect/>
+          </a:stretch>
+        </p:blipFill>
+        <p:spPr>
+          <a:xfrm>
+            <a:off x="0" y="1769829"/>
+            <a:ext cx="5161590" cy="3794594"/>
+          </a:xfrm>
+          <a:prstGeom prst="rect">
+            <a:avLst/>
+          </a:prstGeom>
+        </p:spPr>
+      </p:pic>
       <p:sp>
         <p:nvSpPr>
-          <p:cNvPr id="2" name="모서리가 둥근 직사각형 1"/>
+          <p:cNvPr id="7" name="오른쪽 화살표 6"/>
           <p:cNvSpPr/>
           <p:nvPr/>
         </p:nvSpPr>
         <p:spPr>
           <a:xfrm>
-            <a:off x="872836" y="1662543"/>
-            <a:ext cx="10255827" cy="4603173"/>
+            <a:off x="4163510" y="3629628"/>
+            <a:ext cx="1097013" cy="244186"/>
           </a:xfrm>
-          <a:prstGeom prst="roundRect">
-            <a:avLst/>
-          </a:prstGeom>
-        </p:spPr>
-        <p:style>
-          <a:lnRef idx="2">
-            <a:schemeClr val="accent1">
-              <a:shade val="50000"/>
-            </a:schemeClr>
-          </a:lnRef>
-          <a:fillRef idx="1">
-            <a:schemeClr val="accent1"/>
-          </a:fillRef>
-          <a:effectRef idx="0">
-            <a:schemeClr val="accent1"/>
-          </a:effectRef>
-          <a:fontRef idx="minor">
-            <a:schemeClr val="lt1"/>
-          </a:fontRef>
-        </p:style>
-        <p:txBody>
-          <a:bodyPr rtlCol="0" anchor="ctr"/>
-          <a:lstStyle/>
-          <a:p>
-            <a:pPr algn="ctr"/>
-            <a:endParaRPr lang="ko-KR" altLang="en-US" dirty="0"/>
-          </a:p>
-        </p:txBody>
-      </p:sp>
-      <p:sp>
-        <p:nvSpPr>
-          <p:cNvPr id="6" name="타원 5"/>
-          <p:cNvSpPr/>
-          <p:nvPr/>
-        </p:nvSpPr>
-        <p:spPr>
-          <a:xfrm>
-            <a:off x="1143280" y="2166506"/>
-            <a:ext cx="1631373" cy="945572"/>
-          </a:xfrm>
-          <a:prstGeom prst="ellipse">
+          <a:prstGeom prst="rightArrow">
             <a:avLst/>
           </a:prstGeom>
           <a:solidFill>
-            <a:schemeClr val="bg2"/>
+            <a:srgbClr val="FF0000"/>
           </a:solidFill>
-        </p:spPr>
-        <p:style>
-          <a:lnRef idx="2">
-            <a:schemeClr val="accent1">
-              <a:shade val="50000"/>
-            </a:schemeClr>
-          </a:lnRef>
-          <a:fillRef idx="1">
-            <a:schemeClr val="accent1"/>
-          </a:fillRef>
-          <a:effectRef idx="0">
-            <a:schemeClr val="accent1"/>
-          </a:effectRef>
-          <a:fontRef idx="minor">
-            <a:schemeClr val="lt1"/>
-          </a:fontRef>
-        </p:style>
-        <p:txBody>
-          <a:bodyPr rtlCol="0" anchor="ctr"/>
-          <a:lstStyle/>
-          <a:p>
-            <a:pPr algn="ctr"/>
-            <a:r>
-              <a:rPr lang="en-US" altLang="ko-KR" dirty="0" smtClean="0">
-                <a:solidFill>
-                  <a:schemeClr val="tx1"/>
-                </a:solidFill>
-              </a:rPr>
-              <a:t>1</a:t>
-            </a:r>
-            <a:r>
-              <a:rPr lang="ko-KR" altLang="en-US" dirty="0" smtClean="0">
-                <a:solidFill>
-                  <a:schemeClr val="tx1"/>
-                </a:solidFill>
-              </a:rPr>
-              <a:t>월 매출</a:t>
-            </a:r>
-            <a:endParaRPr lang="ko-KR" altLang="en-US" dirty="0">
-              <a:solidFill>
-                <a:schemeClr val="tx1"/>
-              </a:solidFill>
-            </a:endParaRPr>
-          </a:p>
-        </p:txBody>
-      </p:sp>
-      <p:sp>
-        <p:nvSpPr>
-          <p:cNvPr id="13" name="타원 12"/>
-          <p:cNvSpPr/>
-          <p:nvPr/>
-        </p:nvSpPr>
-        <p:spPr>
-          <a:xfrm>
-            <a:off x="2983921" y="2166506"/>
-            <a:ext cx="1631373" cy="945572"/>
-          </a:xfrm>
-          <a:prstGeom prst="ellipse">
-            <a:avLst/>
-          </a:prstGeom>
-          <a:solidFill>
-            <a:schemeClr val="bg2"/>
-          </a:solidFill>
-        </p:spPr>
-        <p:style>
-          <a:lnRef idx="2">
-            <a:schemeClr val="accent1">
-              <a:shade val="50000"/>
-            </a:schemeClr>
-          </a:lnRef>
-          <a:fillRef idx="1">
-            <a:schemeClr val="accent1"/>
-          </a:fillRef>
-          <a:effectRef idx="0">
-            <a:schemeClr val="accent1"/>
-          </a:effectRef>
-          <a:fontRef idx="minor">
-            <a:schemeClr val="lt1"/>
-          </a:fontRef>
-        </p:style>
-        <p:txBody>
-          <a:bodyPr rtlCol="0" anchor="ctr"/>
-          <a:lstStyle/>
-          <a:p>
-            <a:pPr algn="ctr"/>
-            <a:r>
-              <a:rPr lang="en-US" altLang="ko-KR" dirty="0" smtClean="0">
-                <a:solidFill>
-                  <a:schemeClr val="tx1"/>
-                </a:solidFill>
-              </a:rPr>
-              <a:t>2</a:t>
-            </a:r>
-            <a:r>
-              <a:rPr lang="ko-KR" altLang="en-US" dirty="0" smtClean="0">
-                <a:solidFill>
-                  <a:schemeClr val="tx1"/>
-                </a:solidFill>
-              </a:rPr>
-              <a:t>월 매출</a:t>
-            </a:r>
-            <a:endParaRPr lang="ko-KR" altLang="en-US" dirty="0">
-              <a:solidFill>
-                <a:schemeClr val="tx1"/>
-              </a:solidFill>
-            </a:endParaRPr>
-          </a:p>
-        </p:txBody>
-      </p:sp>
-      <p:sp>
-        <p:nvSpPr>
-          <p:cNvPr id="23" name="타원 22"/>
-          <p:cNvSpPr/>
-          <p:nvPr/>
-        </p:nvSpPr>
-        <p:spPr>
-          <a:xfrm>
-            <a:off x="7816041" y="2166506"/>
-            <a:ext cx="1901537" cy="945572"/>
-          </a:xfrm>
-          <a:prstGeom prst="ellipse">
-            <a:avLst/>
-          </a:prstGeom>
-          <a:solidFill>
-            <a:schemeClr val="bg2"/>
-          </a:solidFill>
-        </p:spPr>
-        <p:style>
-          <a:lnRef idx="2">
-            <a:schemeClr val="accent1">
-              <a:shade val="50000"/>
-            </a:schemeClr>
-          </a:lnRef>
-          <a:fillRef idx="1">
-            <a:schemeClr val="accent1"/>
-          </a:fillRef>
-          <a:effectRef idx="0">
-            <a:schemeClr val="accent1"/>
-          </a:effectRef>
-          <a:fontRef idx="minor">
-            <a:schemeClr val="lt1"/>
-          </a:fontRef>
-        </p:style>
-        <p:txBody>
-          <a:bodyPr rtlCol="0" anchor="ctr"/>
-          <a:lstStyle/>
-          <a:p>
-            <a:pPr algn="ctr"/>
-            <a:r>
-              <a:rPr lang="en-US" altLang="ko-KR" dirty="0" smtClean="0">
-                <a:solidFill>
-                  <a:schemeClr val="tx1"/>
-                </a:solidFill>
-              </a:rPr>
-              <a:t>12</a:t>
-            </a:r>
-            <a:r>
-              <a:rPr lang="ko-KR" altLang="en-US" dirty="0" smtClean="0">
-                <a:solidFill>
-                  <a:schemeClr val="tx1"/>
-                </a:solidFill>
-              </a:rPr>
-              <a:t>월 매출</a:t>
-            </a:r>
-            <a:endParaRPr lang="ko-KR" altLang="en-US" dirty="0">
-              <a:solidFill>
-                <a:schemeClr val="tx1"/>
-              </a:solidFill>
-            </a:endParaRPr>
-          </a:p>
-        </p:txBody>
-      </p:sp>
-      <p:sp>
-        <p:nvSpPr>
-          <p:cNvPr id="24" name="왼쪽 화살표 23"/>
-          <p:cNvSpPr/>
-          <p:nvPr/>
-        </p:nvSpPr>
-        <p:spPr>
-          <a:xfrm>
-            <a:off x="6776950" y="1662543"/>
-            <a:ext cx="1184563" cy="666752"/>
-          </a:xfrm>
-          <a:prstGeom prst="leftArrow">
-            <a:avLst/>
-          </a:prstGeom>
-          <a:solidFill>
-            <a:schemeClr val="accent4"/>
-          </a:solidFill>
-        </p:spPr>
-        <p:style>
-          <a:lnRef idx="2">
-            <a:schemeClr val="accent1">
-              <a:shade val="50000"/>
-            </a:schemeClr>
-          </a:lnRef>
-          <a:fillRef idx="1">
-            <a:schemeClr val="accent1"/>
-          </a:fillRef>
-          <a:effectRef idx="0">
-            <a:schemeClr val="accent1"/>
-          </a:effectRef>
-          <a:fontRef idx="minor">
-            <a:schemeClr val="lt1"/>
-          </a:fontRef>
-        </p:style>
-        <p:txBody>
-          <a:bodyPr rtlCol="0" anchor="ctr"/>
-          <a:lstStyle/>
-          <a:p>
-            <a:pPr algn="ctr"/>
-            <a:r>
-              <a:rPr lang="ko-KR" altLang="en-US" dirty="0" smtClean="0">
-                <a:solidFill>
-                  <a:schemeClr val="tx1"/>
-                </a:solidFill>
-              </a:rPr>
-              <a:t>유저</a:t>
-            </a:r>
-            <a:endParaRPr lang="ko-KR" altLang="en-US" dirty="0">
-              <a:solidFill>
-                <a:schemeClr val="tx1"/>
-              </a:solidFill>
-            </a:endParaRPr>
-          </a:p>
-        </p:txBody>
-      </p:sp>
-      <p:sp>
-        <p:nvSpPr>
-          <p:cNvPr id="27" name="왼쪽 화살표 26"/>
-          <p:cNvSpPr/>
-          <p:nvPr/>
-        </p:nvSpPr>
-        <p:spPr>
-          <a:xfrm>
-            <a:off x="9818024" y="2305916"/>
-            <a:ext cx="1184563" cy="666752"/>
-          </a:xfrm>
-          <a:prstGeom prst="leftArrow">
-            <a:avLst/>
-          </a:prstGeom>
-          <a:solidFill>
-            <a:schemeClr val="accent4"/>
-          </a:solidFill>
-        </p:spPr>
-        <p:style>
-          <a:lnRef idx="2">
-            <a:schemeClr val="accent1">
-              <a:shade val="50000"/>
-            </a:schemeClr>
-          </a:lnRef>
-          <a:fillRef idx="1">
-            <a:schemeClr val="accent1"/>
-          </a:fillRef>
-          <a:effectRef idx="0">
-            <a:schemeClr val="accent1"/>
-          </a:effectRef>
-          <a:fontRef idx="minor">
-            <a:schemeClr val="lt1"/>
-          </a:fontRef>
-        </p:style>
-        <p:txBody>
-          <a:bodyPr rtlCol="0" anchor="ctr"/>
-          <a:lstStyle/>
-          <a:p>
-            <a:pPr algn="ctr"/>
-            <a:r>
-              <a:rPr lang="ko-KR" altLang="en-US" dirty="0" smtClean="0">
-                <a:solidFill>
-                  <a:schemeClr val="tx1"/>
-                </a:solidFill>
-              </a:rPr>
-              <a:t>테이블</a:t>
-            </a:r>
-            <a:endParaRPr lang="ko-KR" altLang="en-US" dirty="0">
-              <a:solidFill>
-                <a:schemeClr val="tx1"/>
-              </a:solidFill>
-            </a:endParaRPr>
-          </a:p>
-        </p:txBody>
-      </p:sp>
-      <p:sp>
-        <p:nvSpPr>
-          <p:cNvPr id="25" name="순서도: 연결자 24"/>
-          <p:cNvSpPr/>
-          <p:nvPr/>
-        </p:nvSpPr>
-        <p:spPr>
-          <a:xfrm>
-            <a:off x="5400950" y="2462648"/>
-            <a:ext cx="218208" cy="218208"/>
-          </a:xfrm>
-          <a:prstGeom prst="flowChartConnector">
-            <a:avLst/>
-          </a:prstGeom>
-          <a:solidFill>
-            <a:schemeClr val="bg2"/>
-          </a:solidFill>
+          <a:ln>
+            <a:solidFill>
+              <a:schemeClr val="tx1"/>
+            </a:solidFill>
+          </a:ln>
         </p:spPr>
         <p:style>
           <a:lnRef idx="2">
@@ -18161,23 +18579,202 @@
           </a:p>
         </p:txBody>
       </p:sp>
+    </p:spTree>
+    <p:extLst>
+      <p:ext uri="{BB962C8B-B14F-4D97-AF65-F5344CB8AC3E}">
+        <p14:creationId xmlns:p14="http://schemas.microsoft.com/office/powerpoint/2010/main" val="2016093056"/>
+      </p:ext>
+    </p:extLst>
+  </p:cSld>
+  <p:clrMapOvr>
+    <a:masterClrMapping/>
+  </p:clrMapOvr>
+  <p:timing>
+    <p:tnLst>
+      <p:par>
+        <p:cTn id="1" dur="indefinite" restart="never" nodeType="tmRoot">
+          <p:childTnLst>
+            <p:seq concurrent="1" nextAc="seek">
+              <p:cTn id="2" dur="indefinite" nodeType="mainSeq">
+                <p:childTnLst>
+                  <p:par>
+                    <p:cTn id="3" fill="hold">
+                      <p:stCondLst>
+                        <p:cond delay="indefinite"/>
+                      </p:stCondLst>
+                      <p:childTnLst>
+                        <p:par>
+                          <p:cTn id="4" fill="hold">
+                            <p:stCondLst>
+                              <p:cond delay="0"/>
+                            </p:stCondLst>
+                            <p:childTnLst>
+                              <p:par>
+                                <p:cTn id="5" presetID="10" presetClass="entr" presetSubtype="0" fill="hold" grpId="0" nodeType="clickEffect">
+                                  <p:stCondLst>
+                                    <p:cond delay="0"/>
+                                  </p:stCondLst>
+                                  <p:childTnLst>
+                                    <p:set>
+                                      <p:cBhvr>
+                                        <p:cTn id="6" dur="1" fill="hold">
+                                          <p:stCondLst>
+                                            <p:cond delay="0"/>
+                                          </p:stCondLst>
+                                        </p:cTn>
+                                        <p:tgtEl>
+                                          <p:spTgt spid="7"/>
+                                        </p:tgtEl>
+                                        <p:attrNameLst>
+                                          <p:attrName>style.visibility</p:attrName>
+                                        </p:attrNameLst>
+                                      </p:cBhvr>
+                                      <p:to>
+                                        <p:strVal val="visible"/>
+                                      </p:to>
+                                    </p:set>
+                                    <p:animEffect transition="in" filter="fade">
+                                      <p:cBhvr>
+                                        <p:cTn id="7" dur="500"/>
+                                        <p:tgtEl>
+                                          <p:spTgt spid="7"/>
+                                        </p:tgtEl>
+                                      </p:cBhvr>
+                                    </p:animEffect>
+                                  </p:childTnLst>
+                                </p:cTn>
+                              </p:par>
+                            </p:childTnLst>
+                          </p:cTn>
+                        </p:par>
+                      </p:childTnLst>
+                    </p:cTn>
+                  </p:par>
+                  <p:par>
+                    <p:cTn id="8" fill="hold">
+                      <p:stCondLst>
+                        <p:cond delay="indefinite"/>
+                      </p:stCondLst>
+                      <p:childTnLst>
+                        <p:par>
+                          <p:cTn id="9" fill="hold">
+                            <p:stCondLst>
+                              <p:cond delay="0"/>
+                            </p:stCondLst>
+                            <p:childTnLst>
+                              <p:par>
+                                <p:cTn id="10" presetID="10" presetClass="entr" presetSubtype="0" fill="hold" nodeType="clickEffect">
+                                  <p:stCondLst>
+                                    <p:cond delay="0"/>
+                                  </p:stCondLst>
+                                  <p:childTnLst>
+                                    <p:set>
+                                      <p:cBhvr>
+                                        <p:cTn id="11" dur="1" fill="hold">
+                                          <p:stCondLst>
+                                            <p:cond delay="0"/>
+                                          </p:stCondLst>
+                                        </p:cTn>
+                                        <p:tgtEl>
+                                          <p:spTgt spid="5"/>
+                                        </p:tgtEl>
+                                        <p:attrNameLst>
+                                          <p:attrName>style.visibility</p:attrName>
+                                        </p:attrNameLst>
+                                      </p:cBhvr>
+                                      <p:to>
+                                        <p:strVal val="visible"/>
+                                      </p:to>
+                                    </p:set>
+                                    <p:animEffect transition="in" filter="fade">
+                                      <p:cBhvr>
+                                        <p:cTn id="12" dur="500"/>
+                                        <p:tgtEl>
+                                          <p:spTgt spid="5"/>
+                                        </p:tgtEl>
+                                      </p:cBhvr>
+                                    </p:animEffect>
+                                  </p:childTnLst>
+                                </p:cTn>
+                              </p:par>
+                            </p:childTnLst>
+                          </p:cTn>
+                        </p:par>
+                      </p:childTnLst>
+                    </p:cTn>
+                  </p:par>
+                </p:childTnLst>
+              </p:cTn>
+              <p:prevCondLst>
+                <p:cond evt="onPrev" delay="0">
+                  <p:tgtEl>
+                    <p:sldTgt/>
+                  </p:tgtEl>
+                </p:cond>
+              </p:prevCondLst>
+              <p:nextCondLst>
+                <p:cond evt="onNext" delay="0">
+                  <p:tgtEl>
+                    <p:sldTgt/>
+                  </p:tgtEl>
+                </p:cond>
+              </p:nextCondLst>
+            </p:seq>
+          </p:childTnLst>
+        </p:cTn>
+      </p:par>
+    </p:tnLst>
+    <p:bldLst>
+      <p:bldP spid="7" grpId="0" animBg="1"/>
+    </p:bldLst>
+  </p:timing>
+</p:sld>
+</file>
+
+<file path=ppt/slides/slide23.xml><?xml version="1.0" encoding="utf-8"?>
+<p:sld xmlns:a="http://schemas.openxmlformats.org/drawingml/2006/main" xmlns:r="http://schemas.openxmlformats.org/officeDocument/2006/relationships" xmlns:p="http://schemas.openxmlformats.org/presentationml/2006/main">
+  <p:cSld>
+    <p:spTree>
+      <p:nvGrpSpPr>
+        <p:cNvPr id="1" name=""/>
+        <p:cNvGrpSpPr/>
+        <p:nvPr/>
+      </p:nvGrpSpPr>
+      <p:grpSpPr>
+        <a:xfrm>
+          <a:off x="0" y="0"/>
+          <a:ext cx="0" cy="0"/>
+          <a:chOff x="0" y="0"/>
+          <a:chExt cx="0" cy="0"/>
+        </a:xfrm>
+      </p:grpSpPr>
       <p:sp>
         <p:nvSpPr>
-          <p:cNvPr id="29" name="순서도: 연결자 28"/>
+          <p:cNvPr id="57" name="직사각형 56"/>
           <p:cNvSpPr/>
           <p:nvPr/>
         </p:nvSpPr>
         <p:spPr>
           <a:xfrm>
-            <a:off x="5891645" y="2474773"/>
-            <a:ext cx="218208" cy="218208"/>
+            <a:off x="322729" y="271929"/>
+            <a:ext cx="699247" cy="699247"/>
           </a:xfrm>
-          <a:prstGeom prst="flowChartConnector">
+          <a:prstGeom prst="rect">
             <a:avLst/>
           </a:prstGeom>
           <a:solidFill>
-            <a:schemeClr val="bg2"/>
+            <a:srgbClr val="F14A38"/>
           </a:solidFill>
+          <a:ln>
+            <a:noFill/>
+          </a:ln>
+          <a:effectLst>
+            <a:outerShdw blurRad="241300" dist="63500" dir="5400000" sx="97000" sy="97000" algn="t" rotWithShape="0">
+              <a:prstClr val="black">
+                <a:alpha val="40000"/>
+              </a:prstClr>
+            </a:outerShdw>
+          </a:effectLst>
         </p:spPr>
         <p:style>
           <a:lnRef idx="2">
@@ -18200,106 +18797,236 @@
           <a:lstStyle/>
           <a:p>
             <a:pPr algn="ctr"/>
-            <a:endParaRPr lang="ko-KR" altLang="en-US"/>
+            <a:r>
+              <a:rPr lang="en-US" altLang="ko-KR" b="1" dirty="0" smtClean="0"/>
+              <a:t>03</a:t>
+            </a:r>
+            <a:endParaRPr lang="ko-KR" altLang="en-US" b="1" dirty="0"/>
           </a:p>
         </p:txBody>
       </p:sp>
       <p:sp>
         <p:nvSpPr>
-          <p:cNvPr id="30" name="순서도: 연결자 29"/>
+          <p:cNvPr id="58" name="직사각형 57"/>
           <p:cNvSpPr/>
           <p:nvPr/>
         </p:nvSpPr>
         <p:spPr>
           <a:xfrm>
-            <a:off x="6413270" y="2474773"/>
-            <a:ext cx="218208" cy="218208"/>
+            <a:off x="1143280" y="235334"/>
+            <a:ext cx="6080480" cy="830997"/>
           </a:xfrm>
-          <a:prstGeom prst="flowChartConnector">
+          <a:prstGeom prst="rect">
             <a:avLst/>
           </a:prstGeom>
-          <a:solidFill>
-            <a:schemeClr val="bg2"/>
-          </a:solidFill>
         </p:spPr>
-        <p:style>
-          <a:lnRef idx="2">
-            <a:schemeClr val="accent1">
-              <a:shade val="50000"/>
-            </a:schemeClr>
-          </a:lnRef>
-          <a:fillRef idx="1">
-            <a:schemeClr val="accent1"/>
-          </a:fillRef>
-          <a:effectRef idx="0">
-            <a:schemeClr val="accent1"/>
-          </a:effectRef>
-          <a:fontRef idx="minor">
-            <a:schemeClr val="lt1"/>
-          </a:fontRef>
-        </p:style>
         <p:txBody>
-          <a:bodyPr rtlCol="0" anchor="ctr"/>
+          <a:bodyPr wrap="square">
+            <a:spAutoFit/>
+          </a:bodyPr>
           <a:lstStyle/>
           <a:p>
-            <a:pPr algn="ctr"/>
-            <a:endParaRPr lang="ko-KR" altLang="en-US"/>
+            <a:pPr>
+              <a:lnSpc>
+                <a:spcPct val="150000"/>
+              </a:lnSpc>
+            </a:pPr>
+            <a:r>
+              <a:rPr lang="ko-KR" altLang="en-US" sz="3200" b="1" i="1" dirty="0" smtClean="0">
+                <a:solidFill>
+                  <a:schemeClr val="tx1">
+                    <a:lumMod val="65000"/>
+                    <a:lumOff val="35000"/>
+                  </a:schemeClr>
+                </a:solidFill>
+              </a:rPr>
+              <a:t>프로그램 구현</a:t>
+            </a:r>
+            <a:endParaRPr lang="ko-KR" altLang="en-US" sz="2800" dirty="0">
+              <a:solidFill>
+                <a:schemeClr val="tx1">
+                  <a:lumMod val="65000"/>
+                  <a:lumOff val="35000"/>
+                </a:schemeClr>
+              </a:solidFill>
+            </a:endParaRPr>
           </a:p>
         </p:txBody>
       </p:sp>
       <p:sp>
         <p:nvSpPr>
-          <p:cNvPr id="31" name="순서도: 연결자 30"/>
+          <p:cNvPr id="16" name="직사각형 15"/>
           <p:cNvSpPr/>
           <p:nvPr/>
         </p:nvSpPr>
         <p:spPr>
           <a:xfrm>
-            <a:off x="6883387" y="2476505"/>
-            <a:ext cx="218208" cy="218208"/>
+            <a:off x="1260850" y="971176"/>
+            <a:ext cx="3587797" cy="553998"/>
           </a:xfrm>
-          <a:prstGeom prst="flowChartConnector">
+          <a:prstGeom prst="rect">
             <a:avLst/>
           </a:prstGeom>
-          <a:solidFill>
-            <a:schemeClr val="bg2"/>
-          </a:solidFill>
         </p:spPr>
-        <p:style>
-          <a:lnRef idx="2">
-            <a:schemeClr val="accent1">
-              <a:shade val="50000"/>
-            </a:schemeClr>
-          </a:lnRef>
-          <a:fillRef idx="1">
-            <a:schemeClr val="accent1"/>
-          </a:fillRef>
-          <a:effectRef idx="0">
-            <a:schemeClr val="accent1"/>
-          </a:effectRef>
-          <a:fontRef idx="minor">
-            <a:schemeClr val="lt1"/>
-          </a:fontRef>
-        </p:style>
         <p:txBody>
-          <a:bodyPr rtlCol="0" anchor="ctr"/>
+          <a:bodyPr wrap="square">
+            <a:spAutoFit/>
+          </a:bodyPr>
           <a:lstStyle/>
           <a:p>
-            <a:pPr algn="ctr"/>
-            <a:endParaRPr lang="ko-KR" altLang="en-US"/>
+            <a:pPr>
+              <a:lnSpc>
+                <a:spcPct val="150000"/>
+              </a:lnSpc>
+            </a:pPr>
+            <a:r>
+              <a:rPr lang="en-US" altLang="ko-KR" sz="2000" b="1" dirty="0" smtClean="0">
+                <a:solidFill>
+                  <a:prstClr val="black">
+                    <a:lumMod val="75000"/>
+                    <a:lumOff val="25000"/>
+                  </a:prstClr>
+                </a:solidFill>
+              </a:rPr>
+              <a:t>5. </a:t>
+            </a:r>
+            <a:r>
+              <a:rPr lang="ko-KR" altLang="en-US" sz="2000" b="1" dirty="0" smtClean="0">
+                <a:solidFill>
+                  <a:prstClr val="black">
+                    <a:lumMod val="75000"/>
+                    <a:lumOff val="25000"/>
+                  </a:prstClr>
+                </a:solidFill>
+              </a:rPr>
+              <a:t>매출관리</a:t>
+            </a:r>
+            <a:endParaRPr lang="en-US" altLang="ko-KR" sz="2000" b="1" dirty="0" smtClean="0">
+              <a:solidFill>
+                <a:prstClr val="black">
+                  <a:lumMod val="75000"/>
+                  <a:lumOff val="25000"/>
+                </a:prstClr>
+              </a:solidFill>
+            </a:endParaRPr>
           </a:p>
         </p:txBody>
       </p:sp>
+      <p:pic>
+        <p:nvPicPr>
+          <p:cNvPr id="2" name="그림 1"/>
+          <p:cNvPicPr>
+            <a:picLocks noChangeAspect="1"/>
+          </p:cNvPicPr>
+          <p:nvPr/>
+        </p:nvPicPr>
+        <p:blipFill>
+          <a:blip r:embed="rId3">
+            <a:extLst>
+              <a:ext uri="{28A0092B-C50C-407E-A947-70E740481C1C}">
+                <a14:useLocalDpi xmlns:a14="http://schemas.microsoft.com/office/drawing/2010/main" val="0"/>
+              </a:ext>
+            </a:extLst>
+          </a:blip>
+          <a:stretch>
+            <a:fillRect/>
+          </a:stretch>
+        </p:blipFill>
+        <p:spPr>
+          <a:xfrm>
+            <a:off x="4848647" y="1066331"/>
+            <a:ext cx="6849431" cy="5410956"/>
+          </a:xfrm>
+          <a:prstGeom prst="rect">
+            <a:avLst/>
+          </a:prstGeom>
+        </p:spPr>
+      </p:pic>
+      <p:grpSp>
+        <p:nvGrpSpPr>
+          <p:cNvPr id="7" name="그룹 6"/>
+          <p:cNvGrpSpPr/>
+          <p:nvPr/>
+        </p:nvGrpSpPr>
+        <p:grpSpPr>
+          <a:xfrm>
+            <a:off x="484153" y="1359408"/>
+            <a:ext cx="3958832" cy="5032773"/>
+            <a:chOff x="5419630" y="1461812"/>
+            <a:chExt cx="2762636" cy="3943902"/>
+          </a:xfrm>
+        </p:grpSpPr>
+        <p:pic>
+          <p:nvPicPr>
+            <p:cNvPr id="8" name="그림 7"/>
+            <p:cNvPicPr>
+              <a:picLocks noChangeAspect="1"/>
+            </p:cNvPicPr>
+            <p:nvPr/>
+          </p:nvPicPr>
+          <p:blipFill>
+            <a:blip r:embed="rId4">
+              <a:extLst>
+                <a:ext uri="{28A0092B-C50C-407E-A947-70E740481C1C}">
+                  <a14:useLocalDpi xmlns:a14="http://schemas.microsoft.com/office/drawing/2010/main" val="0"/>
+                </a:ext>
+              </a:extLst>
+            </a:blip>
+            <a:stretch>
+              <a:fillRect/>
+            </a:stretch>
+          </p:blipFill>
+          <p:spPr>
+            <a:xfrm>
+              <a:off x="5419630" y="1461812"/>
+              <a:ext cx="1352739" cy="3943901"/>
+            </a:xfrm>
+            <a:prstGeom prst="rect">
+              <a:avLst/>
+            </a:prstGeom>
+          </p:spPr>
+        </p:pic>
+        <p:pic>
+          <p:nvPicPr>
+            <p:cNvPr id="9" name="그림 8"/>
+            <p:cNvPicPr>
+              <a:picLocks noChangeAspect="1"/>
+            </p:cNvPicPr>
+            <p:nvPr/>
+          </p:nvPicPr>
+          <p:blipFill>
+            <a:blip r:embed="rId5">
+              <a:extLst>
+                <a:ext uri="{28A0092B-C50C-407E-A947-70E740481C1C}">
+                  <a14:useLocalDpi xmlns:a14="http://schemas.microsoft.com/office/drawing/2010/main" val="0"/>
+                </a:ext>
+              </a:extLst>
+            </a:blip>
+            <a:stretch>
+              <a:fillRect/>
+            </a:stretch>
+          </p:blipFill>
+          <p:spPr>
+            <a:xfrm>
+              <a:off x="6772369" y="1461813"/>
+              <a:ext cx="1409897" cy="3943901"/>
+            </a:xfrm>
+            <a:prstGeom prst="rect">
+              <a:avLst/>
+            </a:prstGeom>
+          </p:spPr>
+        </p:pic>
+      </p:grpSp>
       <p:sp>
         <p:nvSpPr>
-          <p:cNvPr id="26" name="모서리가 둥근 직사각형 25"/>
+          <p:cNvPr id="10" name="모서리가 둥근 직사각형 9"/>
           <p:cNvSpPr/>
           <p:nvPr/>
         </p:nvSpPr>
         <p:spPr>
           <a:xfrm>
-            <a:off x="5298323" y="1722287"/>
-            <a:ext cx="1404851" cy="583629"/>
+            <a:off x="945965" y="6332355"/>
+            <a:ext cx="2953301" cy="665019"/>
           </a:xfrm>
           <a:prstGeom prst="roundRect">
             <a:avLst/>
@@ -18330,12 +19057,12 @@
           <a:p>
             <a:pPr algn="ctr"/>
             <a:r>
-              <a:rPr lang="en-US" altLang="ko-KR" dirty="0" smtClean="0">
+              <a:rPr lang="ko-KR" altLang="en-US" dirty="0" smtClean="0">
                 <a:solidFill>
                   <a:schemeClr val="tx1"/>
                 </a:solidFill>
               </a:rPr>
-              <a:t>sales2018</a:t>
+              <a:t>종류별 매출</a:t>
             </a:r>
             <a:endParaRPr lang="ko-KR" altLang="en-US" dirty="0">
               <a:solidFill>
@@ -18345,10 +19072,853 @@
           </a:p>
         </p:txBody>
       </p:sp>
+      <p:sp>
+        <p:nvSpPr>
+          <p:cNvPr id="11" name="오른쪽 화살표 10"/>
+          <p:cNvSpPr/>
+          <p:nvPr/>
+        </p:nvSpPr>
+        <p:spPr>
+          <a:xfrm>
+            <a:off x="3635013" y="3640310"/>
+            <a:ext cx="1097013" cy="244186"/>
+          </a:xfrm>
+          <a:prstGeom prst="rightArrow">
+            <a:avLst/>
+          </a:prstGeom>
+          <a:solidFill>
+            <a:srgbClr val="FF0000"/>
+          </a:solidFill>
+          <a:ln>
+            <a:solidFill>
+              <a:schemeClr val="tx1"/>
+            </a:solidFill>
+          </a:ln>
+        </p:spPr>
+        <p:style>
+          <a:lnRef idx="2">
+            <a:schemeClr val="accent1">
+              <a:shade val="50000"/>
+            </a:schemeClr>
+          </a:lnRef>
+          <a:fillRef idx="1">
+            <a:schemeClr val="accent1"/>
+          </a:fillRef>
+          <a:effectRef idx="0">
+            <a:schemeClr val="accent1"/>
+          </a:effectRef>
+          <a:fontRef idx="minor">
+            <a:schemeClr val="lt1"/>
+          </a:fontRef>
+        </p:style>
+        <p:txBody>
+          <a:bodyPr rtlCol="0" anchor="ctr"/>
+          <a:lstStyle/>
+          <a:p>
+            <a:pPr algn="ctr"/>
+            <a:endParaRPr lang="ko-KR" altLang="en-US"/>
+          </a:p>
+        </p:txBody>
+      </p:sp>
     </p:spTree>
     <p:extLst>
       <p:ext uri="{BB962C8B-B14F-4D97-AF65-F5344CB8AC3E}">
-        <p14:creationId xmlns:p14="http://schemas.microsoft.com/office/powerpoint/2010/main" val="3520646968"/>
+        <p14:creationId xmlns:p14="http://schemas.microsoft.com/office/powerpoint/2010/main" val="154476371"/>
+      </p:ext>
+    </p:extLst>
+  </p:cSld>
+  <p:clrMapOvr>
+    <a:masterClrMapping/>
+  </p:clrMapOvr>
+  <p:timing>
+    <p:tnLst>
+      <p:par>
+        <p:cTn id="1" dur="indefinite" restart="never" nodeType="tmRoot">
+          <p:childTnLst>
+            <p:seq concurrent="1" nextAc="seek">
+              <p:cTn id="2" dur="indefinite" nodeType="mainSeq">
+                <p:childTnLst>
+                  <p:par>
+                    <p:cTn id="3" fill="hold">
+                      <p:stCondLst>
+                        <p:cond delay="indefinite"/>
+                      </p:stCondLst>
+                      <p:childTnLst>
+                        <p:par>
+                          <p:cTn id="4" fill="hold">
+                            <p:stCondLst>
+                              <p:cond delay="0"/>
+                            </p:stCondLst>
+                            <p:childTnLst>
+                              <p:par>
+                                <p:cTn id="5" presetID="10" presetClass="entr" presetSubtype="0" fill="hold" grpId="0" nodeType="clickEffect">
+                                  <p:stCondLst>
+                                    <p:cond delay="0"/>
+                                  </p:stCondLst>
+                                  <p:childTnLst>
+                                    <p:set>
+                                      <p:cBhvr>
+                                        <p:cTn id="6" dur="1" fill="hold">
+                                          <p:stCondLst>
+                                            <p:cond delay="0"/>
+                                          </p:stCondLst>
+                                        </p:cTn>
+                                        <p:tgtEl>
+                                          <p:spTgt spid="11"/>
+                                        </p:tgtEl>
+                                        <p:attrNameLst>
+                                          <p:attrName>style.visibility</p:attrName>
+                                        </p:attrNameLst>
+                                      </p:cBhvr>
+                                      <p:to>
+                                        <p:strVal val="visible"/>
+                                      </p:to>
+                                    </p:set>
+                                    <p:animEffect transition="in" filter="fade">
+                                      <p:cBhvr>
+                                        <p:cTn id="7" dur="500"/>
+                                        <p:tgtEl>
+                                          <p:spTgt spid="11"/>
+                                        </p:tgtEl>
+                                      </p:cBhvr>
+                                    </p:animEffect>
+                                  </p:childTnLst>
+                                </p:cTn>
+                              </p:par>
+                            </p:childTnLst>
+                          </p:cTn>
+                        </p:par>
+                      </p:childTnLst>
+                    </p:cTn>
+                  </p:par>
+                  <p:par>
+                    <p:cTn id="8" fill="hold">
+                      <p:stCondLst>
+                        <p:cond delay="indefinite"/>
+                      </p:stCondLst>
+                      <p:childTnLst>
+                        <p:par>
+                          <p:cTn id="9" fill="hold">
+                            <p:stCondLst>
+                              <p:cond delay="0"/>
+                            </p:stCondLst>
+                            <p:childTnLst>
+                              <p:par>
+                                <p:cTn id="10" presetID="10" presetClass="entr" presetSubtype="0" fill="hold" nodeType="clickEffect">
+                                  <p:stCondLst>
+                                    <p:cond delay="0"/>
+                                  </p:stCondLst>
+                                  <p:childTnLst>
+                                    <p:set>
+                                      <p:cBhvr>
+                                        <p:cTn id="11" dur="1" fill="hold">
+                                          <p:stCondLst>
+                                            <p:cond delay="0"/>
+                                          </p:stCondLst>
+                                        </p:cTn>
+                                        <p:tgtEl>
+                                          <p:spTgt spid="2"/>
+                                        </p:tgtEl>
+                                        <p:attrNameLst>
+                                          <p:attrName>style.visibility</p:attrName>
+                                        </p:attrNameLst>
+                                      </p:cBhvr>
+                                      <p:to>
+                                        <p:strVal val="visible"/>
+                                      </p:to>
+                                    </p:set>
+                                    <p:animEffect transition="in" filter="fade">
+                                      <p:cBhvr>
+                                        <p:cTn id="12" dur="500"/>
+                                        <p:tgtEl>
+                                          <p:spTgt spid="2"/>
+                                        </p:tgtEl>
+                                      </p:cBhvr>
+                                    </p:animEffect>
+                                  </p:childTnLst>
+                                </p:cTn>
+                              </p:par>
+                            </p:childTnLst>
+                          </p:cTn>
+                        </p:par>
+                      </p:childTnLst>
+                    </p:cTn>
+                  </p:par>
+                </p:childTnLst>
+              </p:cTn>
+              <p:prevCondLst>
+                <p:cond evt="onPrev" delay="0">
+                  <p:tgtEl>
+                    <p:sldTgt/>
+                  </p:tgtEl>
+                </p:cond>
+              </p:prevCondLst>
+              <p:nextCondLst>
+                <p:cond evt="onNext" delay="0">
+                  <p:tgtEl>
+                    <p:sldTgt/>
+                  </p:tgtEl>
+                </p:cond>
+              </p:nextCondLst>
+            </p:seq>
+          </p:childTnLst>
+        </p:cTn>
+      </p:par>
+    </p:tnLst>
+    <p:bldLst>
+      <p:bldP spid="11" grpId="0" animBg="1"/>
+    </p:bldLst>
+  </p:timing>
+</p:sld>
+</file>
+
+<file path=ppt/slides/slide24.xml><?xml version="1.0" encoding="utf-8"?>
+<p:sld xmlns:a="http://schemas.openxmlformats.org/drawingml/2006/main" xmlns:r="http://schemas.openxmlformats.org/officeDocument/2006/relationships" xmlns:p="http://schemas.openxmlformats.org/presentationml/2006/main">
+  <p:cSld>
+    <p:spTree>
+      <p:nvGrpSpPr>
+        <p:cNvPr id="1" name=""/>
+        <p:cNvGrpSpPr/>
+        <p:nvPr/>
+      </p:nvGrpSpPr>
+      <p:grpSpPr>
+        <a:xfrm>
+          <a:off x="0" y="0"/>
+          <a:ext cx="0" cy="0"/>
+          <a:chOff x="0" y="0"/>
+          <a:chExt cx="0" cy="0"/>
+        </a:xfrm>
+      </p:grpSpPr>
+      <p:sp>
+        <p:nvSpPr>
+          <p:cNvPr id="57" name="직사각형 56"/>
+          <p:cNvSpPr/>
+          <p:nvPr/>
+        </p:nvSpPr>
+        <p:spPr>
+          <a:xfrm>
+            <a:off x="322729" y="271929"/>
+            <a:ext cx="699247" cy="699247"/>
+          </a:xfrm>
+          <a:prstGeom prst="rect">
+            <a:avLst/>
+          </a:prstGeom>
+          <a:solidFill>
+            <a:srgbClr val="F14A38"/>
+          </a:solidFill>
+          <a:ln>
+            <a:noFill/>
+          </a:ln>
+          <a:effectLst>
+            <a:outerShdw blurRad="241300" dist="63500" dir="5400000" sx="97000" sy="97000" algn="t" rotWithShape="0">
+              <a:prstClr val="black">
+                <a:alpha val="40000"/>
+              </a:prstClr>
+            </a:outerShdw>
+          </a:effectLst>
+        </p:spPr>
+        <p:style>
+          <a:lnRef idx="2">
+            <a:schemeClr val="accent1">
+              <a:shade val="50000"/>
+            </a:schemeClr>
+          </a:lnRef>
+          <a:fillRef idx="1">
+            <a:schemeClr val="accent1"/>
+          </a:fillRef>
+          <a:effectRef idx="0">
+            <a:schemeClr val="accent1"/>
+          </a:effectRef>
+          <a:fontRef idx="minor">
+            <a:schemeClr val="lt1"/>
+          </a:fontRef>
+        </p:style>
+        <p:txBody>
+          <a:bodyPr rtlCol="0" anchor="ctr"/>
+          <a:lstStyle/>
+          <a:p>
+            <a:pPr algn="ctr"/>
+            <a:r>
+              <a:rPr lang="en-US" altLang="ko-KR" b="1" dirty="0" smtClean="0"/>
+              <a:t>02</a:t>
+            </a:r>
+            <a:endParaRPr lang="ko-KR" altLang="en-US" b="1" dirty="0"/>
+          </a:p>
+        </p:txBody>
+      </p:sp>
+      <p:sp>
+        <p:nvSpPr>
+          <p:cNvPr id="58" name="직사각형 57"/>
+          <p:cNvSpPr/>
+          <p:nvPr/>
+        </p:nvSpPr>
+        <p:spPr>
+          <a:xfrm>
+            <a:off x="1143280" y="235334"/>
+            <a:ext cx="6080480" cy="735842"/>
+          </a:xfrm>
+          <a:prstGeom prst="rect">
+            <a:avLst/>
+          </a:prstGeom>
+        </p:spPr>
+        <p:txBody>
+          <a:bodyPr wrap="square">
+            <a:spAutoFit/>
+          </a:bodyPr>
+          <a:lstStyle/>
+          <a:p>
+            <a:pPr>
+              <a:lnSpc>
+                <a:spcPct val="150000"/>
+              </a:lnSpc>
+            </a:pPr>
+            <a:r>
+              <a:rPr lang="ko-KR" altLang="en-US" sz="3200" b="1" i="1" dirty="0" smtClean="0">
+                <a:solidFill>
+                  <a:schemeClr val="tx1">
+                    <a:lumMod val="65000"/>
+                    <a:lumOff val="35000"/>
+                  </a:schemeClr>
+                </a:solidFill>
+              </a:rPr>
+              <a:t>동작시나리오</a:t>
+            </a:r>
+            <a:endParaRPr lang="ko-KR" altLang="en-US" sz="2800" dirty="0">
+              <a:solidFill>
+                <a:schemeClr val="tx1">
+                  <a:lumMod val="65000"/>
+                  <a:lumOff val="35000"/>
+                </a:schemeClr>
+              </a:solidFill>
+            </a:endParaRPr>
+          </a:p>
+        </p:txBody>
+      </p:sp>
+      <p:sp>
+        <p:nvSpPr>
+          <p:cNvPr id="82" name="직사각형 81"/>
+          <p:cNvSpPr/>
+          <p:nvPr/>
+        </p:nvSpPr>
+        <p:spPr>
+          <a:xfrm>
+            <a:off x="322729" y="1532766"/>
+            <a:ext cx="5859768" cy="4524315"/>
+          </a:xfrm>
+          <a:prstGeom prst="rect">
+            <a:avLst/>
+          </a:prstGeom>
+        </p:spPr>
+        <p:txBody>
+          <a:bodyPr wrap="square">
+            <a:spAutoFit/>
+          </a:bodyPr>
+          <a:lstStyle/>
+          <a:p>
+            <a:pPr algn="r">
+              <a:lnSpc>
+                <a:spcPct val="150000"/>
+              </a:lnSpc>
+            </a:pPr>
+            <a:r>
+              <a:rPr lang="en-US" altLang="ko-KR" sz="3200" b="1" dirty="0" smtClean="0">
+                <a:solidFill>
+                  <a:prstClr val="black">
+                    <a:lumMod val="75000"/>
+                    <a:lumOff val="25000"/>
+                  </a:prstClr>
+                </a:solidFill>
+                <a:latin typeface="+mn-ea"/>
+              </a:rPr>
+              <a:t>1.</a:t>
+            </a:r>
+            <a:r>
+              <a:rPr lang="ko-KR" altLang="en-US" sz="3200" b="1" dirty="0" smtClean="0">
+                <a:solidFill>
+                  <a:prstClr val="black">
+                    <a:lumMod val="75000"/>
+                    <a:lumOff val="25000"/>
+                  </a:prstClr>
+                </a:solidFill>
+                <a:latin typeface="+mn-ea"/>
+              </a:rPr>
+              <a:t>로그인 </a:t>
+            </a:r>
+            <a:r>
+              <a:rPr lang="ko-KR" altLang="en-US" sz="3200" b="1" dirty="0" err="1" smtClean="0">
+                <a:solidFill>
+                  <a:prstClr val="black">
+                    <a:lumMod val="75000"/>
+                    <a:lumOff val="25000"/>
+                  </a:prstClr>
+                </a:solidFill>
+                <a:latin typeface="+mn-ea"/>
+              </a:rPr>
+              <a:t>비로그인의</a:t>
+            </a:r>
+            <a:r>
+              <a:rPr lang="ko-KR" altLang="en-US" sz="3200" b="1" dirty="0" smtClean="0">
+                <a:solidFill>
+                  <a:prstClr val="black">
+                    <a:lumMod val="75000"/>
+                    <a:lumOff val="25000"/>
+                  </a:prstClr>
+                </a:solidFill>
+                <a:latin typeface="+mn-ea"/>
+              </a:rPr>
+              <a:t> 구분</a:t>
+            </a:r>
+            <a:endParaRPr lang="en-US" altLang="ko-KR" sz="3200" b="1" dirty="0" smtClean="0">
+              <a:solidFill>
+                <a:prstClr val="black">
+                  <a:lumMod val="75000"/>
+                  <a:lumOff val="25000"/>
+                </a:prstClr>
+              </a:solidFill>
+              <a:latin typeface="+mn-ea"/>
+            </a:endParaRPr>
+          </a:p>
+          <a:p>
+            <a:pPr algn="r">
+              <a:lnSpc>
+                <a:spcPct val="150000"/>
+              </a:lnSpc>
+            </a:pPr>
+            <a:r>
+              <a:rPr lang="ko-KR" altLang="en-US" sz="3200" b="1" dirty="0" smtClean="0">
+                <a:solidFill>
+                  <a:prstClr val="black">
+                    <a:lumMod val="75000"/>
+                    <a:lumOff val="25000"/>
+                  </a:prstClr>
+                </a:solidFill>
+                <a:latin typeface="+mn-ea"/>
+              </a:rPr>
+              <a:t>관리자와 일반 사용자의 구분</a:t>
+            </a:r>
+            <a:endParaRPr lang="en-US" altLang="ko-KR" sz="3200" b="1" dirty="0" smtClean="0">
+              <a:solidFill>
+                <a:prstClr val="black">
+                  <a:lumMod val="75000"/>
+                  <a:lumOff val="25000"/>
+                </a:prstClr>
+              </a:solidFill>
+              <a:latin typeface="+mn-ea"/>
+            </a:endParaRPr>
+          </a:p>
+          <a:p>
+            <a:pPr algn="r">
+              <a:lnSpc>
+                <a:spcPct val="150000"/>
+              </a:lnSpc>
+            </a:pPr>
+            <a:r>
+              <a:rPr lang="en-US" altLang="ko-KR" sz="3200" b="1" dirty="0" smtClean="0">
+                <a:solidFill>
+                  <a:prstClr val="black">
+                    <a:lumMod val="75000"/>
+                    <a:lumOff val="25000"/>
+                  </a:prstClr>
+                </a:solidFill>
+                <a:latin typeface="+mn-ea"/>
+              </a:rPr>
+              <a:t>2. </a:t>
+            </a:r>
+            <a:r>
+              <a:rPr lang="ko-KR" altLang="en-US" sz="3200" b="1" dirty="0" smtClean="0">
+                <a:solidFill>
+                  <a:prstClr val="black">
+                    <a:lumMod val="75000"/>
+                    <a:lumOff val="25000"/>
+                  </a:prstClr>
+                </a:solidFill>
+                <a:latin typeface="+mn-ea"/>
+              </a:rPr>
+              <a:t>장바구니의 유지성</a:t>
+            </a:r>
+            <a:r>
+              <a:rPr lang="en-US" altLang="ko-KR" sz="3200" b="1" dirty="0" smtClean="0">
+                <a:solidFill>
+                  <a:prstClr val="black">
+                    <a:lumMod val="75000"/>
+                    <a:lumOff val="25000"/>
+                  </a:prstClr>
+                </a:solidFill>
+                <a:latin typeface="+mn-ea"/>
+              </a:rPr>
+              <a:t>,</a:t>
+            </a:r>
+            <a:r>
+              <a:rPr lang="ko-KR" altLang="en-US" sz="3200" b="1" dirty="0">
+                <a:solidFill>
+                  <a:prstClr val="black">
+                    <a:lumMod val="75000"/>
+                    <a:lumOff val="25000"/>
+                  </a:prstClr>
+                </a:solidFill>
+                <a:latin typeface="+mn-ea"/>
+              </a:rPr>
+              <a:t> </a:t>
+            </a:r>
+            <a:r>
+              <a:rPr lang="ko-KR" altLang="en-US" sz="3200" b="1" dirty="0" err="1" smtClean="0">
+                <a:solidFill>
+                  <a:prstClr val="black">
+                    <a:lumMod val="75000"/>
+                    <a:lumOff val="25000"/>
+                  </a:prstClr>
+                </a:solidFill>
+                <a:latin typeface="+mn-ea"/>
+              </a:rPr>
+              <a:t>연동</a:t>
+            </a:r>
+            <a:r>
+              <a:rPr lang="ko-KR" altLang="en-US" sz="3200" b="1" dirty="0" err="1">
+                <a:solidFill>
+                  <a:prstClr val="black">
+                    <a:lumMod val="75000"/>
+                    <a:lumOff val="25000"/>
+                  </a:prstClr>
+                </a:solidFill>
+                <a:latin typeface="+mn-ea"/>
+              </a:rPr>
+              <a:t>성</a:t>
+            </a:r>
+            <a:r>
+              <a:rPr lang="ko-KR" altLang="en-US" sz="3200" b="1" dirty="0" smtClean="0">
+                <a:solidFill>
+                  <a:prstClr val="black">
+                    <a:lumMod val="75000"/>
+                    <a:lumOff val="25000"/>
+                  </a:prstClr>
+                </a:solidFill>
+                <a:latin typeface="+mn-ea"/>
+              </a:rPr>
+              <a:t> </a:t>
+            </a:r>
+            <a:endParaRPr lang="en-US" altLang="ko-KR" sz="3200" b="1" dirty="0" smtClean="0">
+              <a:solidFill>
+                <a:prstClr val="black">
+                  <a:lumMod val="75000"/>
+                  <a:lumOff val="25000"/>
+                </a:prstClr>
+              </a:solidFill>
+              <a:latin typeface="+mn-ea"/>
+            </a:endParaRPr>
+          </a:p>
+          <a:p>
+            <a:pPr algn="r">
+              <a:lnSpc>
+                <a:spcPct val="150000"/>
+              </a:lnSpc>
+            </a:pPr>
+            <a:r>
+              <a:rPr lang="en-US" altLang="ko-KR" sz="3200" b="1" dirty="0" smtClean="0">
+                <a:solidFill>
+                  <a:prstClr val="black">
+                    <a:lumMod val="75000"/>
+                    <a:lumOff val="25000"/>
+                  </a:prstClr>
+                </a:solidFill>
+                <a:latin typeface="+mn-ea"/>
+              </a:rPr>
+              <a:t>3. </a:t>
+            </a:r>
+            <a:r>
+              <a:rPr lang="ko-KR" altLang="en-US" sz="3200" b="1" dirty="0" smtClean="0">
+                <a:solidFill>
+                  <a:prstClr val="black">
+                    <a:lumMod val="75000"/>
+                    <a:lumOff val="25000"/>
+                  </a:prstClr>
+                </a:solidFill>
+                <a:latin typeface="+mn-ea"/>
+              </a:rPr>
+              <a:t>콘솔에서 그래프와 를 구현 함으로서 그래픽적인 시각 효과를 가져옴</a:t>
+            </a:r>
+            <a:r>
+              <a:rPr lang="en-US" altLang="ko-KR" sz="3200" b="1" dirty="0" smtClean="0">
+                <a:solidFill>
+                  <a:prstClr val="black">
+                    <a:lumMod val="75000"/>
+                    <a:lumOff val="25000"/>
+                  </a:prstClr>
+                </a:solidFill>
+                <a:latin typeface="+mn-ea"/>
+              </a:rPr>
+              <a:t> </a:t>
+            </a:r>
+            <a:endParaRPr lang="en-US" altLang="ko-KR" sz="3200" b="1" dirty="0">
+              <a:solidFill>
+                <a:prstClr val="black">
+                  <a:lumMod val="75000"/>
+                  <a:lumOff val="25000"/>
+                </a:prstClr>
+              </a:solidFill>
+              <a:latin typeface="+mn-ea"/>
+            </a:endParaRPr>
+          </a:p>
+        </p:txBody>
+      </p:sp>
+      <p:sp>
+        <p:nvSpPr>
+          <p:cNvPr id="81" name="직사각형 80"/>
+          <p:cNvSpPr/>
+          <p:nvPr/>
+        </p:nvSpPr>
+        <p:spPr>
+          <a:xfrm>
+            <a:off x="6182497" y="1718580"/>
+            <a:ext cx="5859768" cy="3785652"/>
+          </a:xfrm>
+          <a:prstGeom prst="rect">
+            <a:avLst/>
+          </a:prstGeom>
+        </p:spPr>
+        <p:txBody>
+          <a:bodyPr wrap="square">
+            <a:spAutoFit/>
+          </a:bodyPr>
+          <a:lstStyle/>
+          <a:p>
+            <a:pPr algn="r">
+              <a:lnSpc>
+                <a:spcPct val="150000"/>
+              </a:lnSpc>
+            </a:pPr>
+            <a:r>
+              <a:rPr lang="en-US" altLang="ko-KR" sz="3200" b="1" dirty="0" smtClean="0">
+                <a:solidFill>
+                  <a:prstClr val="black">
+                    <a:lumMod val="75000"/>
+                    <a:lumOff val="25000"/>
+                  </a:prstClr>
+                </a:solidFill>
+                <a:latin typeface="+mn-ea"/>
+              </a:rPr>
+              <a:t>1. 2. </a:t>
+            </a:r>
+            <a:r>
+              <a:rPr lang="ko-KR" altLang="en-US" sz="3200" b="1" dirty="0" smtClean="0">
+                <a:solidFill>
+                  <a:prstClr val="black">
+                    <a:lumMod val="75000"/>
+                    <a:lumOff val="25000"/>
+                  </a:prstClr>
+                </a:solidFill>
+                <a:latin typeface="+mn-ea"/>
+              </a:rPr>
+              <a:t>장바구니의 유지성</a:t>
+            </a:r>
+            <a:r>
+              <a:rPr lang="en-US" altLang="ko-KR" sz="3200" b="1" dirty="0" smtClean="0">
+                <a:solidFill>
+                  <a:prstClr val="black">
+                    <a:lumMod val="75000"/>
+                    <a:lumOff val="25000"/>
+                  </a:prstClr>
+                </a:solidFill>
+                <a:latin typeface="+mn-ea"/>
+              </a:rPr>
+              <a:t>,</a:t>
+            </a:r>
+            <a:r>
+              <a:rPr lang="ko-KR" altLang="en-US" sz="3200" b="1" dirty="0">
+                <a:solidFill>
+                  <a:prstClr val="black">
+                    <a:lumMod val="75000"/>
+                    <a:lumOff val="25000"/>
+                  </a:prstClr>
+                </a:solidFill>
+                <a:latin typeface="+mn-ea"/>
+              </a:rPr>
+              <a:t> </a:t>
+            </a:r>
+            <a:r>
+              <a:rPr lang="ko-KR" altLang="en-US" sz="3200" b="1" dirty="0" err="1" smtClean="0">
+                <a:solidFill>
+                  <a:prstClr val="black">
+                    <a:lumMod val="75000"/>
+                    <a:lumOff val="25000"/>
+                  </a:prstClr>
+                </a:solidFill>
+                <a:latin typeface="+mn-ea"/>
+              </a:rPr>
+              <a:t>연동</a:t>
+            </a:r>
+            <a:r>
+              <a:rPr lang="ko-KR" altLang="en-US" sz="3200" b="1" dirty="0" err="1">
+                <a:solidFill>
+                  <a:prstClr val="black">
+                    <a:lumMod val="75000"/>
+                    <a:lumOff val="25000"/>
+                  </a:prstClr>
+                </a:solidFill>
+                <a:latin typeface="+mn-ea"/>
+              </a:rPr>
+              <a:t>성</a:t>
+            </a:r>
+            <a:r>
+              <a:rPr lang="ko-KR" altLang="en-US" sz="3200" b="1" dirty="0" smtClean="0">
+                <a:solidFill>
+                  <a:prstClr val="black">
+                    <a:lumMod val="75000"/>
+                    <a:lumOff val="25000"/>
+                  </a:prstClr>
+                </a:solidFill>
+                <a:latin typeface="+mn-ea"/>
+              </a:rPr>
+              <a:t> </a:t>
+            </a:r>
+            <a:endParaRPr lang="en-US" altLang="ko-KR" sz="3200" b="1" dirty="0" smtClean="0">
+              <a:solidFill>
+                <a:prstClr val="black">
+                  <a:lumMod val="75000"/>
+                  <a:lumOff val="25000"/>
+                </a:prstClr>
+              </a:solidFill>
+              <a:latin typeface="+mn-ea"/>
+            </a:endParaRPr>
+          </a:p>
+          <a:p>
+            <a:pPr algn="r">
+              <a:lnSpc>
+                <a:spcPct val="150000"/>
+              </a:lnSpc>
+            </a:pPr>
+            <a:r>
+              <a:rPr lang="en-US" altLang="ko-KR" sz="3200" b="1" dirty="0" smtClean="0">
+                <a:solidFill>
+                  <a:prstClr val="black">
+                    <a:lumMod val="75000"/>
+                    <a:lumOff val="25000"/>
+                  </a:prstClr>
+                </a:solidFill>
+                <a:latin typeface="+mn-ea"/>
+              </a:rPr>
+              <a:t>3. </a:t>
+            </a:r>
+            <a:r>
+              <a:rPr lang="ko-KR" altLang="en-US" sz="3200" b="1" dirty="0" smtClean="0">
+                <a:solidFill>
+                  <a:prstClr val="black">
+                    <a:lumMod val="75000"/>
+                    <a:lumOff val="25000"/>
+                  </a:prstClr>
+                </a:solidFill>
+                <a:latin typeface="+mn-ea"/>
+              </a:rPr>
+              <a:t>콘솔에서 그래프와 를 구현 함으로서 그래픽적인 시각 효과를 가져옴</a:t>
+            </a:r>
+            <a:r>
+              <a:rPr lang="en-US" altLang="ko-KR" sz="3200" b="1" dirty="0" smtClean="0">
+                <a:solidFill>
+                  <a:prstClr val="black">
+                    <a:lumMod val="75000"/>
+                    <a:lumOff val="25000"/>
+                  </a:prstClr>
+                </a:solidFill>
+                <a:latin typeface="+mn-ea"/>
+              </a:rPr>
+              <a:t> </a:t>
+            </a:r>
+            <a:endParaRPr lang="en-US" altLang="ko-KR" sz="3200" b="1" dirty="0">
+              <a:solidFill>
+                <a:prstClr val="black">
+                  <a:lumMod val="75000"/>
+                  <a:lumOff val="25000"/>
+                </a:prstClr>
+              </a:solidFill>
+              <a:latin typeface="+mn-ea"/>
+            </a:endParaRPr>
+          </a:p>
+        </p:txBody>
+      </p:sp>
+      <p:sp>
+        <p:nvSpPr>
+          <p:cNvPr id="83" name="직사각형 82"/>
+          <p:cNvSpPr/>
+          <p:nvPr/>
+        </p:nvSpPr>
+        <p:spPr>
+          <a:xfrm>
+            <a:off x="1260850" y="971176"/>
+            <a:ext cx="3587797" cy="553998"/>
+          </a:xfrm>
+          <a:prstGeom prst="rect">
+            <a:avLst/>
+          </a:prstGeom>
+        </p:spPr>
+        <p:txBody>
+          <a:bodyPr wrap="square">
+            <a:spAutoFit/>
+          </a:bodyPr>
+          <a:lstStyle/>
+          <a:p>
+            <a:pPr>
+              <a:lnSpc>
+                <a:spcPct val="150000"/>
+              </a:lnSpc>
+            </a:pPr>
+            <a:r>
+              <a:rPr lang="en-US" altLang="ko-KR" sz="2000" b="1" dirty="0" smtClean="0">
+                <a:solidFill>
+                  <a:prstClr val="black">
+                    <a:lumMod val="75000"/>
+                    <a:lumOff val="25000"/>
+                  </a:prstClr>
+                </a:solidFill>
+              </a:rPr>
+              <a:t>1. </a:t>
+            </a:r>
+            <a:r>
+              <a:rPr lang="ko-KR" altLang="en-US" sz="2000" b="1" dirty="0" smtClean="0">
+                <a:solidFill>
+                  <a:prstClr val="black">
+                    <a:lumMod val="75000"/>
+                    <a:lumOff val="25000"/>
+                  </a:prstClr>
+                </a:solidFill>
+              </a:rPr>
+              <a:t>로그인 </a:t>
+            </a:r>
+            <a:r>
+              <a:rPr lang="ko-KR" altLang="en-US" sz="2000" b="1" dirty="0" err="1" smtClean="0">
+                <a:solidFill>
+                  <a:prstClr val="black">
+                    <a:lumMod val="75000"/>
+                    <a:lumOff val="25000"/>
+                  </a:prstClr>
+                </a:solidFill>
+              </a:rPr>
+              <a:t>비로그인의</a:t>
+            </a:r>
+            <a:r>
+              <a:rPr lang="ko-KR" altLang="en-US" sz="2000" b="1" dirty="0" smtClean="0">
+                <a:solidFill>
+                  <a:prstClr val="black">
+                    <a:lumMod val="75000"/>
+                    <a:lumOff val="25000"/>
+                  </a:prstClr>
+                </a:solidFill>
+              </a:rPr>
+              <a:t> 구분</a:t>
+            </a:r>
+            <a:endParaRPr lang="en-US" altLang="ko-KR" sz="2000" b="1" dirty="0" smtClean="0">
+              <a:solidFill>
+                <a:prstClr val="black">
+                  <a:lumMod val="75000"/>
+                  <a:lumOff val="25000"/>
+                </a:prstClr>
+              </a:solidFill>
+            </a:endParaRPr>
+          </a:p>
+        </p:txBody>
+      </p:sp>
+    </p:spTree>
+    <p:extLst>
+      <p:ext uri="{BB962C8B-B14F-4D97-AF65-F5344CB8AC3E}">
+        <p14:creationId xmlns:p14="http://schemas.microsoft.com/office/powerpoint/2010/main" val="2198506226"/>
       </p:ext>
     </p:extLst>
   </p:cSld>
@@ -18365,7 +19935,7 @@
 </p:sld>
 </file>
 
-<file path=ppt/slides/slide23.xml><?xml version="1.0" encoding="utf-8"?>
+<file path=ppt/slides/slide25.xml><?xml version="1.0" encoding="utf-8"?>
 <p:sld xmlns:a="http://schemas.openxmlformats.org/drawingml/2006/main" xmlns:r="http://schemas.openxmlformats.org/officeDocument/2006/relationships" xmlns:p="http://schemas.openxmlformats.org/presentationml/2006/main">
   <p:cSld>
     <p:spTree>
@@ -19028,7 +20598,7 @@
 </p:sld>
 </file>
 
-<file path=ppt/slides/slide24.xml><?xml version="1.0" encoding="utf-8"?>
+<file path=ppt/slides/slide26.xml><?xml version="1.0" encoding="utf-8"?>
 <p:sld xmlns:a="http://schemas.openxmlformats.org/drawingml/2006/main" xmlns:r="http://schemas.openxmlformats.org/officeDocument/2006/relationships" xmlns:p="http://schemas.openxmlformats.org/presentationml/2006/main">
   <p:cSld>
     <p:spTree>
@@ -27786,18 +29356,7 @@
                     </a:prstClr>
                   </a:solidFill>
                 </a:rPr>
-                <a:t>(</a:t>
-              </a:r>
-              <a:r>
-                <a:rPr lang="en-US" altLang="ko-KR" sz="1400" dirty="0" smtClean="0">
-                  <a:solidFill>
-                    <a:prstClr val="black">
-                      <a:lumMod val="75000"/>
-                      <a:lumOff val="25000"/>
-                    </a:prstClr>
-                  </a:solidFill>
-                </a:rPr>
-                <a:t>JAVA </a:t>
+                <a:t>(JAVA </a:t>
               </a:r>
               <a:r>
                 <a:rPr lang="ko-KR" altLang="en-US" sz="1400" dirty="0" smtClean="0">
@@ -28072,7 +29631,7 @@
 </p:sld>
 </file>
 
-<file path=ppt/slides/slide25.xml><?xml version="1.0" encoding="utf-8"?>
+<file path=ppt/slides/slide27.xml><?xml version="1.0" encoding="utf-8"?>
 <p:sld xmlns:a="http://schemas.openxmlformats.org/drawingml/2006/main" xmlns:r="http://schemas.openxmlformats.org/officeDocument/2006/relationships" xmlns:p="http://schemas.openxmlformats.org/presentationml/2006/main">
   <p:cSld>
     <p:spTree>
@@ -33409,40 +34968,7 @@
                       </a:prstClr>
                     </a:solidFill>
                   </a:rPr>
-                  <a:t>관리자로서 </a:t>
-                </a:r>
-                <a:r>
-                  <a:rPr lang="ko-KR" altLang="en-US" sz="1600" dirty="0" smtClean="0">
-                    <a:solidFill>
-                      <a:prstClr val="black">
-                        <a:lumMod val="75000"/>
-                        <a:lumOff val="25000"/>
-                      </a:prstClr>
-                    </a:solidFill>
-                  </a:rPr>
-                  <a:t>관리하기 </a:t>
-                </a:r>
-                <a:r>
-                  <a:rPr lang="ko-KR" altLang="en-US" sz="1600" dirty="0" smtClean="0">
-                    <a:solidFill>
-                      <a:prstClr val="black">
-                        <a:lumMod val="75000"/>
-                        <a:lumOff val="25000"/>
-                      </a:prstClr>
-                    </a:solidFill>
-                  </a:rPr>
-                  <a:t>힘든 </a:t>
-                </a:r>
-                <a:r>
-                  <a:rPr lang="ko-KR" altLang="en-US" sz="1600" dirty="0" smtClean="0">
-                    <a:solidFill>
-                      <a:prstClr val="black">
-                        <a:lumMod val="75000"/>
-                        <a:lumOff val="25000"/>
-                      </a:prstClr>
-                    </a:solidFill>
-                  </a:rPr>
-                  <a:t> 매출관리</a:t>
+                  <a:t>관리자로서 관리하기 힘든  매출관리</a:t>
                 </a:r>
                 <a:r>
                   <a:rPr lang="en-US" altLang="ko-KR" sz="1600" dirty="0" smtClean="0">
@@ -33464,29 +34990,7 @@
                       </a:prstClr>
                     </a:solidFill>
                   </a:rPr>
-                  <a:t>예약운영을 </a:t>
-                </a:r>
-                <a:r>
-                  <a:rPr lang="ko-KR" altLang="en-US" sz="1600" dirty="0" smtClean="0">
-                    <a:solidFill>
-                      <a:prstClr val="black">
-                        <a:lumMod val="75000"/>
-                        <a:lumOff val="25000"/>
-                      </a:prstClr>
-                    </a:solidFill>
-                  </a:rPr>
-                  <a:t>하나의 프로그램에 담아 편리한 어플리케이션을 </a:t>
-                </a:r>
-                <a:r>
-                  <a:rPr lang="ko-KR" altLang="en-US" sz="1600" dirty="0" smtClean="0">
-                    <a:solidFill>
-                      <a:prstClr val="black">
-                        <a:lumMod val="75000"/>
-                        <a:lumOff val="25000"/>
-                      </a:prstClr>
-                    </a:solidFill>
-                  </a:rPr>
-                  <a:t>만들고자 한다</a:t>
+                  <a:t>예약운영을 하나의 프로그램에 담아 편리한 어플리케이션을 만들고자 한다</a:t>
                 </a:r>
                 <a:r>
                   <a:rPr lang="en-US" altLang="ko-KR" sz="1600" dirty="0" smtClean="0">
@@ -33741,18 +35245,7 @@
                       </a:prstClr>
                     </a:solidFill>
                   </a:rPr>
-                  <a:t>- JAVA, ORACLE </a:t>
-                </a:r>
-                <a:r>
-                  <a:rPr lang="en-US" altLang="ko-KR" sz="1400" dirty="0" smtClean="0">
-                    <a:solidFill>
-                      <a:prstClr val="black">
-                        <a:lumMod val="75000"/>
-                        <a:lumOff val="25000"/>
-                      </a:prstClr>
-                    </a:solidFill>
-                  </a:rPr>
-                  <a:t>DB</a:t>
+                  <a:t>- JAVA, ORACLE DB</a:t>
                 </a:r>
                 <a:endParaRPr lang="ko-KR" altLang="en-US" sz="1000" dirty="0">
                   <a:solidFill>
@@ -40738,198 +42231,55 @@
       </p:grpSp>
       <p:grpSp>
         <p:nvGrpSpPr>
-          <p:cNvPr id="42" name="그룹 41"/>
+          <p:cNvPr id="6" name="그룹 5"/>
           <p:cNvGrpSpPr/>
           <p:nvPr/>
         </p:nvGrpSpPr>
         <p:grpSpPr>
           <a:xfrm>
-            <a:off x="7165708" y="1295130"/>
-            <a:ext cx="4582001" cy="3022415"/>
-            <a:chOff x="7165708" y="1295130"/>
-            <a:chExt cx="4582001" cy="3022415"/>
+            <a:off x="2716632" y="2252462"/>
+            <a:ext cx="4354501" cy="2584069"/>
+            <a:chOff x="2716632" y="2252462"/>
+            <a:chExt cx="4354501" cy="2584069"/>
           </a:xfrm>
         </p:grpSpPr>
         <p:grpSp>
           <p:nvGrpSpPr>
-            <p:cNvPr id="14" name="그룹 13"/>
-            <p:cNvGrpSpPr/>
-            <p:nvPr/>
-          </p:nvGrpSpPr>
-          <p:grpSpPr>
-            <a:xfrm rot="20647153">
-              <a:off x="7194267" y="2857874"/>
-              <a:ext cx="1230823" cy="1459671"/>
-              <a:chOff x="6089072" y="1693717"/>
-              <a:chExt cx="1433946" cy="1683328"/>
-            </a:xfrm>
-            <a:solidFill>
-              <a:schemeClr val="accent4"/>
-            </a:solidFill>
-          </p:grpSpPr>
-          <p:sp>
-            <p:nvSpPr>
-              <p:cNvPr id="4" name="오른쪽 화살표 3"/>
-              <p:cNvSpPr/>
-              <p:nvPr/>
-            </p:nvSpPr>
-            <p:spPr>
-              <a:xfrm>
-                <a:off x="6089072" y="2267536"/>
-                <a:ext cx="1433946" cy="498764"/>
-              </a:xfrm>
-              <a:prstGeom prst="rightArrow">
-                <a:avLst/>
-              </a:prstGeom>
-              <a:grpFill/>
-            </p:spPr>
-            <p:style>
-              <a:lnRef idx="2">
-                <a:schemeClr val="accent1">
-                  <a:shade val="50000"/>
-                </a:schemeClr>
-              </a:lnRef>
-              <a:fillRef idx="1">
-                <a:schemeClr val="accent1"/>
-              </a:fillRef>
-              <a:effectRef idx="0">
-                <a:schemeClr val="accent1"/>
-              </a:effectRef>
-              <a:fontRef idx="minor">
-                <a:schemeClr val="lt1"/>
-              </a:fontRef>
-            </p:style>
-            <p:txBody>
-              <a:bodyPr rtlCol="0" anchor="ctr"/>
-              <a:lstStyle/>
-              <a:p>
-                <a:pPr algn="ctr"/>
-                <a:endParaRPr lang="ko-KR" altLang="en-US"/>
-              </a:p>
-            </p:txBody>
-          </p:sp>
-          <p:sp>
-            <p:nvSpPr>
-              <p:cNvPr id="11" name="곱셈 기호 10"/>
-              <p:cNvSpPr/>
-              <p:nvPr/>
-            </p:nvSpPr>
-            <p:spPr>
-              <a:xfrm>
-                <a:off x="6192982" y="1693717"/>
-                <a:ext cx="1174173" cy="1683328"/>
-              </a:xfrm>
-              <a:prstGeom prst="mathMultiply">
-                <a:avLst/>
-              </a:prstGeom>
-              <a:grpFill/>
-            </p:spPr>
-            <p:style>
-              <a:lnRef idx="2">
-                <a:schemeClr val="accent1">
-                  <a:shade val="50000"/>
-                </a:schemeClr>
-              </a:lnRef>
-              <a:fillRef idx="1">
-                <a:schemeClr val="accent1"/>
-              </a:fillRef>
-              <a:effectRef idx="0">
-                <a:schemeClr val="accent1"/>
-              </a:effectRef>
-              <a:fontRef idx="minor">
-                <a:schemeClr val="lt1"/>
-              </a:fontRef>
-            </p:style>
-            <p:txBody>
-              <a:bodyPr rtlCol="0" anchor="ctr"/>
-              <a:lstStyle/>
-              <a:p>
-                <a:pPr algn="ctr"/>
-                <a:endParaRPr lang="ko-KR" altLang="en-US"/>
-              </a:p>
-            </p:txBody>
-          </p:sp>
-        </p:grpSp>
-        <p:grpSp>
-          <p:nvGrpSpPr>
-            <p:cNvPr id="26" name="그룹 25"/>
+            <p:cNvPr id="19" name="그룹 18"/>
             <p:cNvGrpSpPr/>
             <p:nvPr/>
           </p:nvGrpSpPr>
           <p:grpSpPr>
             <a:xfrm>
-              <a:off x="7165708" y="1295130"/>
-              <a:ext cx="4582001" cy="2298680"/>
-              <a:chOff x="7165708" y="1295130"/>
-              <a:chExt cx="4582001" cy="2298680"/>
+              <a:off x="2716632" y="2252462"/>
+              <a:ext cx="4354501" cy="2584069"/>
+              <a:chOff x="2716632" y="2252462"/>
+              <a:chExt cx="4354501" cy="2584069"/>
             </a:xfrm>
           </p:grpSpPr>
-          <p:sp>
-            <p:nvSpPr>
-              <p:cNvPr id="28" name="오른쪽 화살표 27"/>
-              <p:cNvSpPr/>
-              <p:nvPr/>
-            </p:nvSpPr>
-            <p:spPr>
-              <a:xfrm rot="20563025">
-                <a:off x="7165708" y="2607940"/>
-                <a:ext cx="1097013" cy="244186"/>
-              </a:xfrm>
-              <a:prstGeom prst="rightArrow">
-                <a:avLst/>
-              </a:prstGeom>
-              <a:solidFill>
-                <a:schemeClr val="accent6"/>
-              </a:solidFill>
-            </p:spPr>
-            <p:style>
-              <a:lnRef idx="2">
-                <a:schemeClr val="accent1">
-                  <a:shade val="50000"/>
-                </a:schemeClr>
-              </a:lnRef>
-              <a:fillRef idx="1">
-                <a:schemeClr val="accent1"/>
-              </a:fillRef>
-              <a:effectRef idx="0">
-                <a:schemeClr val="accent1"/>
-              </a:effectRef>
-              <a:fontRef idx="minor">
-                <a:schemeClr val="lt1"/>
-              </a:fontRef>
-            </p:style>
-            <p:txBody>
-              <a:bodyPr rtlCol="0" anchor="ctr"/>
-              <a:lstStyle/>
-              <a:p>
-                <a:pPr algn="ctr"/>
-                <a:endParaRPr lang="ko-KR" altLang="en-US"/>
-              </a:p>
-            </p:txBody>
-          </p:sp>
           <p:grpSp>
             <p:nvGrpSpPr>
-              <p:cNvPr id="29" name="그룹 28"/>
+              <p:cNvPr id="5" name="그룹 4"/>
               <p:cNvGrpSpPr/>
               <p:nvPr/>
             </p:nvGrpSpPr>
             <p:grpSpPr>
               <a:xfrm>
-                <a:off x="8501729" y="1295130"/>
+                <a:off x="3825153" y="2537851"/>
                 <a:ext cx="3245980" cy="2298680"/>
-                <a:chOff x="4230275" y="2865759"/>
+                <a:chOff x="4183520" y="2679250"/>
                 <a:chExt cx="3245980" cy="2298680"/>
               </a:xfrm>
             </p:grpSpPr>
             <p:sp>
               <p:nvSpPr>
-                <p:cNvPr id="30" name="직사각형 29"/>
+                <p:cNvPr id="23" name="직사각형 22"/>
                 <p:cNvSpPr/>
                 <p:nvPr/>
               </p:nvSpPr>
               <p:spPr>
                 <a:xfrm>
-                  <a:off x="4230275" y="2865759"/>
+                  <a:off x="4183520" y="2679250"/>
                   <a:ext cx="3245980" cy="2298680"/>
                 </a:xfrm>
                 <a:prstGeom prst="rect">
@@ -40963,13 +42313,13 @@
             </p:sp>
             <p:sp>
               <p:nvSpPr>
-                <p:cNvPr id="31" name="모서리가 둥근 직사각형 30"/>
+                <p:cNvPr id="24" name="모서리가 둥근 직사각형 23"/>
                 <p:cNvSpPr/>
                 <p:nvPr/>
               </p:nvSpPr>
               <p:spPr>
                 <a:xfrm>
-                  <a:off x="4405496" y="3150279"/>
+                  <a:off x="4329859" y="3286530"/>
                   <a:ext cx="2953301" cy="665019"/>
                 </a:xfrm>
                 <a:prstGeom prst="roundRect">
@@ -41006,7 +42356,7 @@
                         <a:schemeClr val="tx1"/>
                       </a:solidFill>
                     </a:rPr>
-                    <a:t>장바구니 담기 페이지</a:t>
+                    <a:t>메뉴보기 페이지</a:t>
                   </a:r>
                   <a:endParaRPr lang="ko-KR" altLang="en-US" dirty="0">
                     <a:solidFill>
@@ -41017,50 +42367,23 @@
               </p:txBody>
             </p:sp>
           </p:grpSp>
-        </p:grpSp>
-      </p:grpSp>
-      <p:grpSp>
-        <p:nvGrpSpPr>
-          <p:cNvPr id="19" name="그룹 18"/>
-          <p:cNvGrpSpPr/>
-          <p:nvPr/>
-        </p:nvGrpSpPr>
-        <p:grpSpPr>
-          <a:xfrm>
-            <a:off x="2716632" y="2252462"/>
-            <a:ext cx="4354501" cy="2584069"/>
-            <a:chOff x="2716632" y="2252462"/>
-            <a:chExt cx="4354501" cy="2584069"/>
-          </a:xfrm>
-        </p:grpSpPr>
-        <p:grpSp>
-          <p:nvGrpSpPr>
-            <p:cNvPr id="5" name="그룹 4"/>
-            <p:cNvGrpSpPr/>
-            <p:nvPr/>
-          </p:nvGrpSpPr>
-          <p:grpSpPr>
-            <a:xfrm>
-              <a:off x="3825153" y="2537851"/>
-              <a:ext cx="3245980" cy="2298680"/>
-              <a:chOff x="4183520" y="2679250"/>
-              <a:chExt cx="3245980" cy="2298680"/>
-            </a:xfrm>
-          </p:grpSpPr>
           <p:sp>
             <p:nvSpPr>
-              <p:cNvPr id="23" name="직사각형 22"/>
+              <p:cNvPr id="2" name="오른쪽 화살표 1"/>
               <p:cNvSpPr/>
               <p:nvPr/>
             </p:nvSpPr>
             <p:spPr>
-              <a:xfrm>
-                <a:off x="4183520" y="2679250"/>
-                <a:ext cx="3245980" cy="2298680"/>
+              <a:xfrm rot="698918">
+                <a:off x="2718480" y="2713126"/>
+                <a:ext cx="1097013" cy="244186"/>
               </a:xfrm>
-              <a:prstGeom prst="rect">
+              <a:prstGeom prst="rightArrow">
                 <a:avLst/>
               </a:prstGeom>
+              <a:solidFill>
+                <a:schemeClr val="accent6"/>
+              </a:solidFill>
             </p:spPr>
             <p:style>
               <a:lnRef idx="2">
@@ -41083,26 +42406,72 @@
               <a:lstStyle/>
               <a:p>
                 <a:pPr algn="ctr"/>
-                <a:endParaRPr lang="ko-KR" altLang="en-US" dirty="0"/>
+                <a:endParaRPr lang="ko-KR" altLang="en-US"/>
               </a:p>
             </p:txBody>
           </p:sp>
           <p:sp>
             <p:nvSpPr>
-              <p:cNvPr id="24" name="모서리가 둥근 직사각형 23"/>
+              <p:cNvPr id="25" name="오른쪽 화살표 24"/>
+              <p:cNvSpPr/>
+              <p:nvPr/>
+            </p:nvSpPr>
+            <p:spPr>
+              <a:xfrm rot="20563025">
+                <a:off x="2716632" y="4485984"/>
+                <a:ext cx="1097013" cy="244186"/>
+              </a:xfrm>
+              <a:prstGeom prst="rightArrow">
+                <a:avLst/>
+              </a:prstGeom>
+              <a:solidFill>
+                <a:schemeClr val="accent4"/>
+              </a:solidFill>
+            </p:spPr>
+            <p:style>
+              <a:lnRef idx="2">
+                <a:schemeClr val="accent1">
+                  <a:shade val="50000"/>
+                </a:schemeClr>
+              </a:lnRef>
+              <a:fillRef idx="1">
+                <a:schemeClr val="accent1"/>
+              </a:fillRef>
+              <a:effectRef idx="0">
+                <a:schemeClr val="accent1"/>
+              </a:effectRef>
+              <a:fontRef idx="minor">
+                <a:schemeClr val="lt1"/>
+              </a:fontRef>
+            </p:style>
+            <p:txBody>
+              <a:bodyPr rtlCol="0" anchor="ctr"/>
+              <a:lstStyle/>
+              <a:p>
+                <a:pPr algn="ctr"/>
+                <a:endParaRPr lang="ko-KR" altLang="en-US"/>
+              </a:p>
+            </p:txBody>
+          </p:sp>
+          <p:sp>
+            <p:nvSpPr>
+              <p:cNvPr id="7" name="모서리가 둥근 직사각형 6"/>
               <p:cNvSpPr/>
               <p:nvPr/>
             </p:nvSpPr>
             <p:spPr>
               <a:xfrm>
-                <a:off x="4329859" y="3286530"/>
-                <a:ext cx="2953301" cy="665019"/>
+                <a:off x="3971492" y="2252462"/>
+                <a:ext cx="2953301" cy="757108"/>
               </a:xfrm>
               <a:prstGeom prst="roundRect">
                 <a:avLst/>
               </a:prstGeom>
               <a:solidFill>
-                <a:schemeClr val="bg1"/>
+                <a:schemeClr val="accent2">
+                  <a:lumMod val="60000"/>
+                  <a:lumOff val="40000"/>
+                </a:schemeClr>
               </a:solidFill>
             </p:spPr>
             <p:style>
@@ -41132,7 +42501,7 @@
                       <a:schemeClr val="tx1"/>
                     </a:solidFill>
                   </a:rPr>
-                  <a:t>메뉴보기 페이지</a:t>
+                  <a:t>공통 접근 가능</a:t>
                 </a:r>
                 <a:endParaRPr lang="ko-KR" altLang="en-US" dirty="0">
                   <a:solidFill>
@@ -41145,109 +42514,20 @@
         </p:grpSp>
         <p:sp>
           <p:nvSpPr>
-            <p:cNvPr id="2" name="오른쪽 화살표 1"/>
-            <p:cNvSpPr/>
-            <p:nvPr/>
-          </p:nvSpPr>
-          <p:spPr>
-            <a:xfrm rot="698918">
-              <a:off x="2718480" y="2713126"/>
-              <a:ext cx="1097013" cy="244186"/>
-            </a:xfrm>
-            <a:prstGeom prst="rightArrow">
-              <a:avLst/>
-            </a:prstGeom>
-            <a:solidFill>
-              <a:schemeClr val="accent6"/>
-            </a:solidFill>
-          </p:spPr>
-          <p:style>
-            <a:lnRef idx="2">
-              <a:schemeClr val="accent1">
-                <a:shade val="50000"/>
-              </a:schemeClr>
-            </a:lnRef>
-            <a:fillRef idx="1">
-              <a:schemeClr val="accent1"/>
-            </a:fillRef>
-            <a:effectRef idx="0">
-              <a:schemeClr val="accent1"/>
-            </a:effectRef>
-            <a:fontRef idx="minor">
-              <a:schemeClr val="lt1"/>
-            </a:fontRef>
-          </p:style>
-          <p:txBody>
-            <a:bodyPr rtlCol="0" anchor="ctr"/>
-            <a:lstStyle/>
-            <a:p>
-              <a:pPr algn="ctr"/>
-              <a:endParaRPr lang="ko-KR" altLang="en-US"/>
-            </a:p>
-          </p:txBody>
-        </p:sp>
-        <p:sp>
-          <p:nvSpPr>
-            <p:cNvPr id="25" name="오른쪽 화살표 24"/>
-            <p:cNvSpPr/>
-            <p:nvPr/>
-          </p:nvSpPr>
-          <p:spPr>
-            <a:xfrm rot="20563025">
-              <a:off x="2716632" y="4485984"/>
-              <a:ext cx="1097013" cy="244186"/>
-            </a:xfrm>
-            <a:prstGeom prst="rightArrow">
-              <a:avLst/>
-            </a:prstGeom>
-            <a:solidFill>
-              <a:schemeClr val="accent4"/>
-            </a:solidFill>
-          </p:spPr>
-          <p:style>
-            <a:lnRef idx="2">
-              <a:schemeClr val="accent1">
-                <a:shade val="50000"/>
-              </a:schemeClr>
-            </a:lnRef>
-            <a:fillRef idx="1">
-              <a:schemeClr val="accent1"/>
-            </a:fillRef>
-            <a:effectRef idx="0">
-              <a:schemeClr val="accent1"/>
-            </a:effectRef>
-            <a:fontRef idx="minor">
-              <a:schemeClr val="lt1"/>
-            </a:fontRef>
-          </p:style>
-          <p:txBody>
-            <a:bodyPr rtlCol="0" anchor="ctr"/>
-            <a:lstStyle/>
-            <a:p>
-              <a:pPr algn="ctr"/>
-              <a:endParaRPr lang="ko-KR" altLang="en-US"/>
-            </a:p>
-          </p:txBody>
-        </p:sp>
-        <p:sp>
-          <p:nvSpPr>
-            <p:cNvPr id="7" name="모서리가 둥근 직사각형 6"/>
+            <p:cNvPr id="32" name="모서리가 둥근 직사각형 31"/>
             <p:cNvSpPr/>
             <p:nvPr/>
           </p:nvSpPr>
           <p:spPr>
             <a:xfrm>
-              <a:off x="3971492" y="2252462"/>
-              <a:ext cx="2953301" cy="757108"/>
+              <a:off x="3971492" y="3945231"/>
+              <a:ext cx="2953301" cy="665019"/>
             </a:xfrm>
             <a:prstGeom prst="roundRect">
               <a:avLst/>
             </a:prstGeom>
             <a:solidFill>
-              <a:schemeClr val="accent2">
-                <a:lumMod val="60000"/>
-                <a:lumOff val="40000"/>
-              </a:schemeClr>
+              <a:schemeClr val="bg1"/>
             </a:solidFill>
           </p:spPr>
           <p:style>
@@ -41277,7 +42557,360 @@
                     <a:schemeClr val="tx1"/>
                   </a:solidFill>
                 </a:rPr>
-                <a:t>공통 접근 가능</a:t>
+                <a:t>게시판 페이지</a:t>
+              </a:r>
+              <a:endParaRPr lang="ko-KR" altLang="en-US" dirty="0">
+                <a:solidFill>
+                  <a:schemeClr val="tx1"/>
+                </a:solidFill>
+              </a:endParaRPr>
+            </a:p>
+          </p:txBody>
+        </p:sp>
+      </p:grpSp>
+      <p:grpSp>
+        <p:nvGrpSpPr>
+          <p:cNvPr id="8" name="그룹 7"/>
+          <p:cNvGrpSpPr/>
+          <p:nvPr/>
+        </p:nvGrpSpPr>
+        <p:grpSpPr>
+          <a:xfrm>
+            <a:off x="7165708" y="1295130"/>
+            <a:ext cx="4582001" cy="3022415"/>
+            <a:chOff x="7165708" y="1295130"/>
+            <a:chExt cx="4582001" cy="3022415"/>
+          </a:xfrm>
+        </p:grpSpPr>
+        <p:grpSp>
+          <p:nvGrpSpPr>
+            <p:cNvPr id="42" name="그룹 41"/>
+            <p:cNvGrpSpPr/>
+            <p:nvPr/>
+          </p:nvGrpSpPr>
+          <p:grpSpPr>
+            <a:xfrm>
+              <a:off x="7165708" y="1295130"/>
+              <a:ext cx="4582001" cy="3022415"/>
+              <a:chOff x="7165708" y="1295130"/>
+              <a:chExt cx="4582001" cy="3022415"/>
+            </a:xfrm>
+          </p:grpSpPr>
+          <p:grpSp>
+            <p:nvGrpSpPr>
+              <p:cNvPr id="14" name="그룹 13"/>
+              <p:cNvGrpSpPr/>
+              <p:nvPr/>
+            </p:nvGrpSpPr>
+            <p:grpSpPr>
+              <a:xfrm rot="20647153">
+                <a:off x="7194267" y="2857874"/>
+                <a:ext cx="1230823" cy="1459671"/>
+                <a:chOff x="6089072" y="1693717"/>
+                <a:chExt cx="1433946" cy="1683328"/>
+              </a:xfrm>
+              <a:solidFill>
+                <a:schemeClr val="accent4"/>
+              </a:solidFill>
+            </p:grpSpPr>
+            <p:sp>
+              <p:nvSpPr>
+                <p:cNvPr id="4" name="오른쪽 화살표 3"/>
+                <p:cNvSpPr/>
+                <p:nvPr/>
+              </p:nvSpPr>
+              <p:spPr>
+                <a:xfrm>
+                  <a:off x="6089072" y="2267536"/>
+                  <a:ext cx="1433946" cy="498764"/>
+                </a:xfrm>
+                <a:prstGeom prst="rightArrow">
+                  <a:avLst/>
+                </a:prstGeom>
+                <a:grpFill/>
+              </p:spPr>
+              <p:style>
+                <a:lnRef idx="2">
+                  <a:schemeClr val="accent1">
+                    <a:shade val="50000"/>
+                  </a:schemeClr>
+                </a:lnRef>
+                <a:fillRef idx="1">
+                  <a:schemeClr val="accent1"/>
+                </a:fillRef>
+                <a:effectRef idx="0">
+                  <a:schemeClr val="accent1"/>
+                </a:effectRef>
+                <a:fontRef idx="minor">
+                  <a:schemeClr val="lt1"/>
+                </a:fontRef>
+              </p:style>
+              <p:txBody>
+                <a:bodyPr rtlCol="0" anchor="ctr"/>
+                <a:lstStyle/>
+                <a:p>
+                  <a:pPr algn="ctr"/>
+                  <a:endParaRPr lang="ko-KR" altLang="en-US"/>
+                </a:p>
+              </p:txBody>
+            </p:sp>
+            <p:sp>
+              <p:nvSpPr>
+                <p:cNvPr id="11" name="곱셈 기호 10"/>
+                <p:cNvSpPr/>
+                <p:nvPr/>
+              </p:nvSpPr>
+              <p:spPr>
+                <a:xfrm>
+                  <a:off x="6192982" y="1693717"/>
+                  <a:ext cx="1174173" cy="1683328"/>
+                </a:xfrm>
+                <a:prstGeom prst="mathMultiply">
+                  <a:avLst/>
+                </a:prstGeom>
+                <a:grpFill/>
+              </p:spPr>
+              <p:style>
+                <a:lnRef idx="2">
+                  <a:schemeClr val="accent1">
+                    <a:shade val="50000"/>
+                  </a:schemeClr>
+                </a:lnRef>
+                <a:fillRef idx="1">
+                  <a:schemeClr val="accent1"/>
+                </a:fillRef>
+                <a:effectRef idx="0">
+                  <a:schemeClr val="accent1"/>
+                </a:effectRef>
+                <a:fontRef idx="minor">
+                  <a:schemeClr val="lt1"/>
+                </a:fontRef>
+              </p:style>
+              <p:txBody>
+                <a:bodyPr rtlCol="0" anchor="ctr"/>
+                <a:lstStyle/>
+                <a:p>
+                  <a:pPr algn="ctr"/>
+                  <a:endParaRPr lang="ko-KR" altLang="en-US"/>
+                </a:p>
+              </p:txBody>
+            </p:sp>
+          </p:grpSp>
+          <p:grpSp>
+            <p:nvGrpSpPr>
+              <p:cNvPr id="26" name="그룹 25"/>
+              <p:cNvGrpSpPr/>
+              <p:nvPr/>
+            </p:nvGrpSpPr>
+            <p:grpSpPr>
+              <a:xfrm>
+                <a:off x="7165708" y="1295130"/>
+                <a:ext cx="4582001" cy="2298680"/>
+                <a:chOff x="7165708" y="1295130"/>
+                <a:chExt cx="4582001" cy="2298680"/>
+              </a:xfrm>
+            </p:grpSpPr>
+            <p:sp>
+              <p:nvSpPr>
+                <p:cNvPr id="28" name="오른쪽 화살표 27"/>
+                <p:cNvSpPr/>
+                <p:nvPr/>
+              </p:nvSpPr>
+              <p:spPr>
+                <a:xfrm rot="20563025">
+                  <a:off x="7165708" y="2607940"/>
+                  <a:ext cx="1097013" cy="244186"/>
+                </a:xfrm>
+                <a:prstGeom prst="rightArrow">
+                  <a:avLst/>
+                </a:prstGeom>
+                <a:solidFill>
+                  <a:schemeClr val="accent6"/>
+                </a:solidFill>
+              </p:spPr>
+              <p:style>
+                <a:lnRef idx="2">
+                  <a:schemeClr val="accent1">
+                    <a:shade val="50000"/>
+                  </a:schemeClr>
+                </a:lnRef>
+                <a:fillRef idx="1">
+                  <a:schemeClr val="accent1"/>
+                </a:fillRef>
+                <a:effectRef idx="0">
+                  <a:schemeClr val="accent1"/>
+                </a:effectRef>
+                <a:fontRef idx="minor">
+                  <a:schemeClr val="lt1"/>
+                </a:fontRef>
+              </p:style>
+              <p:txBody>
+                <a:bodyPr rtlCol="0" anchor="ctr"/>
+                <a:lstStyle/>
+                <a:p>
+                  <a:pPr algn="ctr"/>
+                  <a:endParaRPr lang="ko-KR" altLang="en-US"/>
+                </a:p>
+              </p:txBody>
+            </p:sp>
+            <p:grpSp>
+              <p:nvGrpSpPr>
+                <p:cNvPr id="29" name="그룹 28"/>
+                <p:cNvGrpSpPr/>
+                <p:nvPr/>
+              </p:nvGrpSpPr>
+              <p:grpSpPr>
+                <a:xfrm>
+                  <a:off x="8501729" y="1295130"/>
+                  <a:ext cx="3245980" cy="2298680"/>
+                  <a:chOff x="4230275" y="2865759"/>
+                  <a:chExt cx="3245980" cy="2298680"/>
+                </a:xfrm>
+              </p:grpSpPr>
+              <p:sp>
+                <p:nvSpPr>
+                  <p:cNvPr id="30" name="직사각형 29"/>
+                  <p:cNvSpPr/>
+                  <p:nvPr/>
+                </p:nvSpPr>
+                <p:spPr>
+                  <a:xfrm>
+                    <a:off x="4230275" y="2865759"/>
+                    <a:ext cx="3245980" cy="2298680"/>
+                  </a:xfrm>
+                  <a:prstGeom prst="rect">
+                    <a:avLst/>
+                  </a:prstGeom>
+                </p:spPr>
+                <p:style>
+                  <a:lnRef idx="2">
+                    <a:schemeClr val="accent1">
+                      <a:shade val="50000"/>
+                    </a:schemeClr>
+                  </a:lnRef>
+                  <a:fillRef idx="1">
+                    <a:schemeClr val="accent1"/>
+                  </a:fillRef>
+                  <a:effectRef idx="0">
+                    <a:schemeClr val="accent1"/>
+                  </a:effectRef>
+                  <a:fontRef idx="minor">
+                    <a:schemeClr val="lt1"/>
+                  </a:fontRef>
+                </p:style>
+                <p:txBody>
+                  <a:bodyPr rtlCol="0" anchor="ctr"/>
+                  <a:lstStyle/>
+                  <a:p>
+                    <a:pPr algn="ctr"/>
+                    <a:endParaRPr lang="ko-KR" altLang="en-US" dirty="0"/>
+                  </a:p>
+                </p:txBody>
+              </p:sp>
+              <p:sp>
+                <p:nvSpPr>
+                  <p:cNvPr id="31" name="모서리가 둥근 직사각형 30"/>
+                  <p:cNvSpPr/>
+                  <p:nvPr/>
+                </p:nvSpPr>
+                <p:spPr>
+                  <a:xfrm>
+                    <a:off x="4405496" y="3150279"/>
+                    <a:ext cx="2953301" cy="665019"/>
+                  </a:xfrm>
+                  <a:prstGeom prst="roundRect">
+                    <a:avLst/>
+                  </a:prstGeom>
+                  <a:solidFill>
+                    <a:schemeClr val="bg1"/>
+                  </a:solidFill>
+                </p:spPr>
+                <p:style>
+                  <a:lnRef idx="2">
+                    <a:schemeClr val="accent1">
+                      <a:shade val="50000"/>
+                    </a:schemeClr>
+                  </a:lnRef>
+                  <a:fillRef idx="1">
+                    <a:schemeClr val="accent1"/>
+                  </a:fillRef>
+                  <a:effectRef idx="0">
+                    <a:schemeClr val="accent1"/>
+                  </a:effectRef>
+                  <a:fontRef idx="minor">
+                    <a:schemeClr val="lt1"/>
+                  </a:fontRef>
+                </p:style>
+                <p:txBody>
+                  <a:bodyPr rtlCol="0" anchor="ctr"/>
+                  <a:lstStyle/>
+                  <a:p>
+                    <a:pPr algn="ctr"/>
+                    <a:r>
+                      <a:rPr lang="ko-KR" altLang="en-US" dirty="0" smtClean="0">
+                        <a:solidFill>
+                          <a:schemeClr val="tx1"/>
+                        </a:solidFill>
+                      </a:rPr>
+                      <a:t>장바구니 담기 페이지</a:t>
+                    </a:r>
+                    <a:endParaRPr lang="ko-KR" altLang="en-US" dirty="0">
+                      <a:solidFill>
+                        <a:schemeClr val="tx1"/>
+                      </a:solidFill>
+                    </a:endParaRPr>
+                  </a:p>
+                </p:txBody>
+              </p:sp>
+            </p:grpSp>
+          </p:grpSp>
+        </p:grpSp>
+        <p:sp>
+          <p:nvSpPr>
+            <p:cNvPr id="33" name="모서리가 둥근 직사각형 32"/>
+            <p:cNvSpPr/>
+            <p:nvPr/>
+          </p:nvSpPr>
+          <p:spPr>
+            <a:xfrm>
+              <a:off x="8676950" y="2436900"/>
+              <a:ext cx="2953301" cy="665019"/>
+            </a:xfrm>
+            <a:prstGeom prst="roundRect">
+              <a:avLst/>
+            </a:prstGeom>
+            <a:solidFill>
+              <a:schemeClr val="bg1"/>
+            </a:solidFill>
+          </p:spPr>
+          <p:style>
+            <a:lnRef idx="2">
+              <a:schemeClr val="accent1">
+                <a:shade val="50000"/>
+              </a:schemeClr>
+            </a:lnRef>
+            <a:fillRef idx="1">
+              <a:schemeClr val="accent1"/>
+            </a:fillRef>
+            <a:effectRef idx="0">
+              <a:schemeClr val="accent1"/>
+            </a:effectRef>
+            <a:fontRef idx="minor">
+              <a:schemeClr val="lt1"/>
+            </a:fontRef>
+          </p:style>
+          <p:txBody>
+            <a:bodyPr rtlCol="0" anchor="ctr"/>
+            <a:lstStyle/>
+            <a:p>
+              <a:pPr algn="ctr"/>
+              <a:r>
+                <a:rPr lang="ko-KR" altLang="en-US" dirty="0" smtClean="0">
+                  <a:solidFill>
+                    <a:schemeClr val="tx1"/>
+                  </a:solidFill>
+                </a:rPr>
+                <a:t>게시판 작성</a:t>
               </a:r>
               <a:endParaRPr lang="ko-KR" altLang="en-US" dirty="0">
                 <a:solidFill>
@@ -41522,124 +43155,6 @@
           </p:txBody>
         </p:sp>
       </p:grpSp>
-      <p:sp>
-        <p:nvSpPr>
-          <p:cNvPr id="32" name="모서리가 둥근 직사각형 31"/>
-          <p:cNvSpPr/>
-          <p:nvPr/>
-        </p:nvSpPr>
-        <p:spPr>
-          <a:xfrm>
-            <a:off x="3971492" y="3945231"/>
-            <a:ext cx="2953301" cy="665019"/>
-          </a:xfrm>
-          <a:prstGeom prst="roundRect">
-            <a:avLst/>
-          </a:prstGeom>
-          <a:solidFill>
-            <a:schemeClr val="bg1"/>
-          </a:solidFill>
-        </p:spPr>
-        <p:style>
-          <a:lnRef idx="2">
-            <a:schemeClr val="accent1">
-              <a:shade val="50000"/>
-            </a:schemeClr>
-          </a:lnRef>
-          <a:fillRef idx="1">
-            <a:schemeClr val="accent1"/>
-          </a:fillRef>
-          <a:effectRef idx="0">
-            <a:schemeClr val="accent1"/>
-          </a:effectRef>
-          <a:fontRef idx="minor">
-            <a:schemeClr val="lt1"/>
-          </a:fontRef>
-        </p:style>
-        <p:txBody>
-          <a:bodyPr rtlCol="0" anchor="ctr"/>
-          <a:lstStyle/>
-          <a:p>
-            <a:pPr algn="ctr"/>
-            <a:r>
-              <a:rPr lang="ko-KR" altLang="en-US" dirty="0" smtClean="0">
-                <a:solidFill>
-                  <a:schemeClr val="tx1"/>
-                </a:solidFill>
-              </a:rPr>
-              <a:t>게시판 </a:t>
-            </a:r>
-            <a:r>
-              <a:rPr lang="ko-KR" altLang="en-US" dirty="0" smtClean="0">
-                <a:solidFill>
-                  <a:schemeClr val="tx1"/>
-                </a:solidFill>
-              </a:rPr>
-              <a:t>페이지</a:t>
-            </a:r>
-            <a:endParaRPr lang="ko-KR" altLang="en-US" dirty="0">
-              <a:solidFill>
-                <a:schemeClr val="tx1"/>
-              </a:solidFill>
-            </a:endParaRPr>
-          </a:p>
-        </p:txBody>
-      </p:sp>
-      <p:sp>
-        <p:nvSpPr>
-          <p:cNvPr id="33" name="모서리가 둥근 직사각형 32"/>
-          <p:cNvSpPr/>
-          <p:nvPr/>
-        </p:nvSpPr>
-        <p:spPr>
-          <a:xfrm>
-            <a:off x="8676950" y="2436900"/>
-            <a:ext cx="2953301" cy="665019"/>
-          </a:xfrm>
-          <a:prstGeom prst="roundRect">
-            <a:avLst/>
-          </a:prstGeom>
-          <a:solidFill>
-            <a:schemeClr val="bg1"/>
-          </a:solidFill>
-        </p:spPr>
-        <p:style>
-          <a:lnRef idx="2">
-            <a:schemeClr val="accent1">
-              <a:shade val="50000"/>
-            </a:schemeClr>
-          </a:lnRef>
-          <a:fillRef idx="1">
-            <a:schemeClr val="accent1"/>
-          </a:fillRef>
-          <a:effectRef idx="0">
-            <a:schemeClr val="accent1"/>
-          </a:effectRef>
-          <a:fontRef idx="minor">
-            <a:schemeClr val="lt1"/>
-          </a:fontRef>
-        </p:style>
-        <p:txBody>
-          <a:bodyPr rtlCol="0" anchor="ctr"/>
-          <a:lstStyle/>
-          <a:p>
-            <a:pPr algn="ctr"/>
-            <a:r>
-              <a:rPr lang="ko-KR" altLang="en-US" dirty="0" smtClean="0">
-                <a:solidFill>
-                  <a:schemeClr val="tx1"/>
-                </a:solidFill>
-              </a:rPr>
-              <a:t>게시판 작성</a:t>
-            </a:r>
-            <a:endParaRPr lang="ko-KR" altLang="en-US" dirty="0">
-              <a:solidFill>
-                <a:schemeClr val="tx1"/>
-              </a:solidFill>
-            </a:endParaRPr>
-          </a:p>
-        </p:txBody>
-      </p:sp>
     </p:spTree>
     <p:extLst>
       <p:ext uri="{BB962C8B-B14F-4D97-AF65-F5344CB8AC3E}">
@@ -41684,7 +43199,7 @@
                                           </p:stCondLst>
                                         </p:cTn>
                                         <p:tgtEl>
-                                          <p:spTgt spid="19"/>
+                                          <p:spTgt spid="6"/>
                                         </p:tgtEl>
                                         <p:attrNameLst>
                                           <p:attrName>style.visibility</p:attrName>
@@ -41698,7 +43213,7 @@
                                       <p:cBhvr>
                                         <p:cTn id="7" dur="500"/>
                                         <p:tgtEl>
-                                          <p:spTgt spid="19"/>
+                                          <p:spTgt spid="6"/>
                                         </p:tgtEl>
                                       </p:cBhvr>
                                     </p:animEffect>
@@ -41737,7 +43252,7 @@
                                           </p:stCondLst>
                                         </p:cTn>
                                         <p:tgtEl>
-                                          <p:spTgt spid="42"/>
+                                          <p:spTgt spid="8"/>
                                         </p:tgtEl>
                                         <p:attrNameLst>
                                           <p:attrName>style.visibility</p:attrName>
@@ -41751,7 +43266,7 @@
                                       <p:cBhvr>
                                         <p:cTn id="12" dur="500"/>
                                         <p:tgtEl>
-                                          <p:spTgt spid="42"/>
+                                          <p:spTgt spid="8"/>
                                         </p:tgtEl>
                                       </p:cBhvr>
                                     </p:animEffect>
@@ -43904,7 +45419,7 @@
   <a:extraClrSchemeLst/>
   <a:extLst>
     <a:ext uri="{05A4C25C-085E-4340-85A3-A5531E510DB2}">
-      <thm15:themeFamily xmlns:thm15="http://schemas.microsoft.com/office/thememl/2012/main" xmlns="" name="Office Theme" id="{62F939B6-93AF-4DB8-9C6B-D6C7DFDC589F}" vid="{4A3C46E8-61CC-4603-A589-7422A47A8E4A}"/>
+      <thm15:themeFamily xmlns="" xmlns:thm15="http://schemas.microsoft.com/office/thememl/2012/main" name="Office Theme" id="{62F939B6-93AF-4DB8-9C6B-D6C7DFDC589F}" vid="{4A3C46E8-61CC-4603-A589-7422A47A8E4A}"/>
     </a:ext>
   </a:extLst>
 </a:theme>
